--- a/Presentation1.pptx
+++ b/Presentation1.pptx
@@ -12,6 +12,7 @@
     <p:sldId id="260" r:id="rId6"/>
     <p:sldId id="261" r:id="rId7"/>
     <p:sldId id="262" r:id="rId8"/>
+    <p:sldId id="263" r:id="rId9"/>
   </p:sldIdLst>
   <p:sldSz cx="9144000" cy="6858000" type="screen4x3"/>
   <p:notesSz cx="6858000" cy="9144000"/>
@@ -110,6 +111,22 @@
       </a:defRPr>
     </a:lvl9pPr>
   </p:defaultTextStyle>
+  <p:extLst>
+    <p:ext uri="{EFAFB233-063F-42B5-8137-9DF3F51BA10A}">
+      <p15:sldGuideLst xmlns:p15="http://schemas.microsoft.com/office/powerpoint/2012/main">
+        <p15:guide id="1" orient="horz" pos="2160">
+          <p15:clr>
+            <a:srgbClr val="A4A3A4"/>
+          </p15:clr>
+        </p15:guide>
+        <p15:guide id="2" pos="2880">
+          <p15:clr>
+            <a:srgbClr val="A4A3A4"/>
+          </p15:clr>
+        </p15:guide>
+      </p15:sldGuideLst>
+    </p:ext>
+  </p:extLst>
 </p:presentation>
 </file>
 
@@ -3914,6 +3931,13 @@
   <p:clrMapOvr>
     <a:masterClrMapping/>
   </p:clrMapOvr>
+  <p:timing>
+    <p:tnLst>
+      <p:par>
+        <p:cTn id="1" dur="indefinite" restart="never" nodeType="tmRoot"/>
+      </p:par>
+    </p:tnLst>
+  </p:timing>
 </p:sld>
 </file>
 
@@ -4056,6 +4080,13 @@
   <p:clrMapOvr>
     <a:masterClrMapping/>
   </p:clrMapOvr>
+  <p:timing>
+    <p:tnLst>
+      <p:par>
+        <p:cTn id="1" dur="indefinite" restart="never" nodeType="tmRoot"/>
+      </p:par>
+    </p:tnLst>
+  </p:timing>
 </p:sld>
 </file>
 
@@ -4127,11 +4158,7 @@
             </a:pPr>
             <a:r>
               <a:rPr lang="en-US" dirty="0" smtClean="0"/>
-              <a:t>   The </a:t>
-            </a:r>
-            <a:r>
-              <a:rPr lang="en-US" dirty="0" smtClean="0"/>
-              <a:t>header algorithm defines a collection of functions especially designed to be used on ranges of </a:t>
+              <a:t>   The header algorithm defines a collection of functions especially designed to be used on ranges of </a:t>
             </a:r>
             <a:r>
               <a:rPr lang="en-US" dirty="0" err="1" smtClean="0"/>
@@ -4139,19 +4166,7 @@
             </a:r>
             <a:r>
               <a:rPr lang="en-US" dirty="0" smtClean="0"/>
-              <a:t> act on containers and provide means for various </a:t>
-            </a:r>
-            <a:r>
-              <a:rPr lang="en-US" dirty="0" smtClean="0"/>
-              <a:t>operations </a:t>
-            </a:r>
-            <a:r>
-              <a:rPr lang="en-US" dirty="0" smtClean="0"/>
-              <a:t>for the contents of the </a:t>
-            </a:r>
-            <a:r>
-              <a:rPr lang="en-US" dirty="0" smtClean="0"/>
-              <a:t>containers</a:t>
+              <a:t> act on containers and provide means for various operations for the contents of the containers</a:t>
             </a:r>
           </a:p>
           <a:p>
@@ -4167,7 +4182,6 @@
               <a:rPr lang="en-US" dirty="0" smtClean="0"/>
               <a:t>Sorting </a:t>
             </a:r>
-            <a:endParaRPr lang="en-US" dirty="0" smtClean="0"/>
           </a:p>
           <a:p>
             <a:pPr lvl="1" fontAlgn="base"/>
@@ -4182,31 +4196,20 @@
               <a:rPr lang="en-US" dirty="0" smtClean="0"/>
               <a:t>Important STL algorithms </a:t>
             </a:r>
-            <a:endParaRPr lang="en-US" dirty="0" smtClean="0"/>
           </a:p>
           <a:p>
             <a:pPr lvl="1" fontAlgn="base"/>
             <a:r>
               <a:rPr lang="en-US" dirty="0" smtClean="0"/>
-              <a:t>Useful Array </a:t>
-            </a:r>
+              <a:t>Useful Array algorithms </a:t>
+            </a:r>
+          </a:p>
+          <a:p>
+            <a:pPr lvl="1" fontAlgn="base"/>
             <a:r>
               <a:rPr lang="en-US" dirty="0" smtClean="0"/>
-              <a:t>algorithms </a:t>
-            </a:r>
-            <a:endParaRPr lang="en-US" dirty="0" smtClean="0"/>
-          </a:p>
-          <a:p>
-            <a:pPr lvl="1" fontAlgn="base"/>
-            <a:r>
-              <a:rPr lang="en-US" dirty="0" smtClean="0"/>
-              <a:t>Partition </a:t>
-            </a:r>
-            <a:r>
-              <a:rPr lang="en-US" dirty="0" smtClean="0"/>
-              <a:t>Operations</a:t>
-            </a:r>
-            <a:endParaRPr lang="en-US" dirty="0" smtClean="0"/>
+              <a:t>Partition Operations</a:t>
+            </a:r>
           </a:p>
         </p:txBody>
       </p:sp>
@@ -4215,6 +4218,13 @@
   <p:clrMapOvr>
     <a:masterClrMapping/>
   </p:clrMapOvr>
+  <p:timing>
+    <p:tnLst>
+      <p:par>
+        <p:cTn id="1" dur="indefinite" restart="never" nodeType="tmRoot"/>
+      </p:par>
+    </p:tnLst>
+  </p:timing>
 </p:sld>
 </file>
 
@@ -4287,23 +4297,7 @@
             </a:pPr>
             <a:r>
               <a:rPr lang="en-US" dirty="0" smtClean="0"/>
-              <a:t> </a:t>
-            </a:r>
-            <a:r>
-              <a:rPr lang="en-US" dirty="0" smtClean="0"/>
-              <a:t>As explained, containers are the STL objects that actually store data. </a:t>
-            </a:r>
-            <a:r>
-              <a:rPr lang="en-US" dirty="0" smtClean="0"/>
-              <a:t>The </a:t>
-            </a:r>
-            <a:r>
-              <a:rPr lang="en-US" dirty="0" smtClean="0"/>
-              <a:t>headers necessary to use each </a:t>
-            </a:r>
-            <a:r>
-              <a:rPr lang="en-US" dirty="0" smtClean="0"/>
-              <a:t>container.</a:t>
+              <a:t> As explained, containers are the STL objects that actually store data. The headers necessary to use each container.</a:t>
             </a:r>
           </a:p>
           <a:p>
@@ -4322,7 +4316,6 @@
               <a:rPr lang="en-US" dirty="0" smtClean="0"/>
               <a:t>vector</a:t>
             </a:r>
-            <a:endParaRPr lang="en-US" dirty="0" smtClean="0"/>
           </a:p>
           <a:p>
             <a:pPr marL="514350" indent="-514350" fontAlgn="base">
@@ -4343,7 +4336,6 @@
               <a:rPr lang="en-US" dirty="0" smtClean="0"/>
               <a:t>Map</a:t>
             </a:r>
-            <a:endParaRPr lang="en-US" dirty="0" smtClean="0"/>
           </a:p>
           <a:p>
             <a:pPr marL="514350" indent="-514350" fontAlgn="base">
@@ -4365,7 +4357,6 @@
               <a:rPr lang="en-US" dirty="0" smtClean="0"/>
               <a:t>queue</a:t>
             </a:r>
-            <a:endParaRPr lang="en-US" dirty="0" smtClean="0"/>
           </a:p>
           <a:p>
             <a:pPr marL="514350" indent="-514350" fontAlgn="base">
@@ -4413,6 +4404,13 @@
   <p:clrMapOvr>
     <a:masterClrMapping/>
   </p:clrMapOvr>
+  <p:timing>
+    <p:tnLst>
+      <p:par>
+        <p:cTn id="1" dur="indefinite" restart="never" nodeType="tmRoot"/>
+      </p:par>
+    </p:tnLst>
+  </p:timing>
 </p:sld>
 </file>
 
@@ -4481,13 +4479,8 @@
             </a:r>
             <a:r>
               <a:rPr lang="en-US" dirty="0" smtClean="0"/>
-              <a:t> </a:t>
-            </a:r>
-            <a:r>
-              <a:rPr lang="en-US" dirty="0" smtClean="0"/>
-              <a:t>are objects that act, more or less, like pointers. They give you the ability to cycle through the contents of a container in much the same way that you would use a pointer to cycle through an array. </a:t>
-            </a:r>
-            <a:endParaRPr lang="en-US" dirty="0" smtClean="0"/>
+              <a:t> are objects that act, more or less, like pointers. They give you the ability to cycle through the contents of a container in much the same way that you would use a pointer to cycle through an array. </a:t>
+            </a:r>
           </a:p>
           <a:p>
             <a:pPr>
@@ -4496,11 +4489,7 @@
             </a:pPr>
             <a:r>
               <a:rPr lang="en-US" dirty="0" smtClean="0"/>
-              <a:t>There </a:t>
-            </a:r>
-            <a:r>
-              <a:rPr lang="en-US" dirty="0" smtClean="0"/>
-              <a:t>are five types of </a:t>
+              <a:t>There are five types of </a:t>
             </a:r>
             <a:r>
               <a:rPr lang="en-US" dirty="0" err="1" smtClean="0"/>
@@ -4517,11 +4506,7 @@
             </a:pPr>
             <a:r>
               <a:rPr lang="en-US" dirty="0" smtClean="0"/>
-              <a:t>						1. Random </a:t>
-            </a:r>
-            <a:r>
-              <a:rPr lang="en-US" dirty="0" smtClean="0"/>
-              <a:t>Access</a:t>
+              <a:t>						1. Random Access</a:t>
             </a:r>
           </a:p>
           <a:p>
@@ -4530,11 +4515,7 @@
             </a:pPr>
             <a:r>
               <a:rPr lang="en-US" dirty="0" smtClean="0"/>
-              <a:t>	</a:t>
-            </a:r>
-            <a:r>
-              <a:rPr lang="en-US" dirty="0" smtClean="0"/>
-              <a:t>					2.Bidirectional</a:t>
+              <a:t>						2.Bidirectional</a:t>
             </a:r>
           </a:p>
           <a:p>
@@ -4543,11 +4524,7 @@
             </a:pPr>
             <a:r>
               <a:rPr lang="en-US" dirty="0" smtClean="0"/>
-              <a:t>	</a:t>
-            </a:r>
-            <a:r>
-              <a:rPr lang="en-US" dirty="0" smtClean="0"/>
-              <a:t>					3.Forward </a:t>
+              <a:t>						3.Forward </a:t>
             </a:r>
           </a:p>
           <a:p>
@@ -4556,11 +4533,7 @@
             </a:pPr>
             <a:r>
               <a:rPr lang="en-US" dirty="0" smtClean="0"/>
-              <a:t>	</a:t>
-            </a:r>
-            <a:r>
-              <a:rPr lang="en-US" dirty="0" smtClean="0"/>
-              <a:t>					4.Input</a:t>
+              <a:t>						4.Input</a:t>
             </a:r>
           </a:p>
           <a:p>
@@ -4569,11 +4542,7 @@
             </a:pPr>
             <a:r>
               <a:rPr lang="en-US" dirty="0" smtClean="0"/>
-              <a:t>	</a:t>
-            </a:r>
-            <a:r>
-              <a:rPr lang="en-US" dirty="0" smtClean="0"/>
-              <a:t>					5.Output</a:t>
+              <a:t>						5.Output</a:t>
             </a:r>
           </a:p>
           <a:p>
@@ -4589,6 +4558,13 @@
   <p:clrMapOvr>
     <a:masterClrMapping/>
   </p:clrMapOvr>
+  <p:timing>
+    <p:tnLst>
+      <p:par>
+        <p:cTn id="1" dur="indefinite" restart="never" nodeType="tmRoot"/>
+      </p:par>
+    </p:tnLst>
+  </p:timing>
 </p:sld>
 </file>
 
@@ -4669,11 +4645,7 @@
             </a:r>
             <a:r>
               <a:rPr lang="en-US" sz="2800" dirty="0" smtClean="0"/>
-              <a:t> allow the working of the associated function to be customized with the help of parameters to be passed</a:t>
-            </a:r>
-            <a:r>
-              <a:rPr lang="en-US" sz="2800" dirty="0" smtClean="0"/>
-              <a:t>.</a:t>
+              <a:t> allow the working of the associated function to be customized with the help of parameters to be passed.</a:t>
             </a:r>
           </a:p>
           <a:p>
@@ -4690,6 +4662,13 @@
   <p:clrMapOvr>
     <a:masterClrMapping/>
   </p:clrMapOvr>
+  <p:timing>
+    <p:tnLst>
+      <p:par>
+        <p:cTn id="1" dur="indefinite" restart="never" nodeType="tmRoot"/>
+      </p:par>
+    </p:tnLst>
+  </p:timing>
 </p:sld>
 </file>
 
@@ -4765,14 +4744,7 @@
                 <a:latin typeface="Aharoni" pitchFamily="2" charset="-79"/>
                 <a:cs typeface="Aharoni" pitchFamily="2" charset="-79"/>
               </a:rPr>
-              <a:t> </a:t>
-            </a:r>
-            <a:r>
-              <a:rPr lang="en-US" sz="1600" b="1" dirty="0" smtClean="0">
-                <a:latin typeface="Aharoni" pitchFamily="2" charset="-79"/>
-                <a:cs typeface="Aharoni" pitchFamily="2" charset="-79"/>
-              </a:rPr>
-              <a:t>               Static array 			Dynamic array( vector )</a:t>
+              <a:t>                Static array 			Dynamic array( vector )</a:t>
             </a:r>
           </a:p>
           <a:p>
@@ -4790,43 +4762,53 @@
             </a:pPr>
             <a:r>
               <a:rPr lang="en-US" sz="1600" b="1" dirty="0" smtClean="0">
-                <a:latin typeface="AlgerianD"/>
+                <a:latin typeface="Agency FB" panose="020B0503020202020204" pitchFamily="34" charset="0"/>
                 <a:cs typeface="Aharoni" pitchFamily="2" charset="-79"/>
               </a:rPr>
               <a:t>#include&lt;</a:t>
             </a:r>
             <a:r>
               <a:rPr lang="en-US" sz="1600" b="1" dirty="0" err="1" smtClean="0">
-                <a:latin typeface="AlgerianD"/>
+                <a:latin typeface="Agency FB" panose="020B0503020202020204" pitchFamily="34" charset="0"/>
                 <a:cs typeface="Aharoni" pitchFamily="2" charset="-79"/>
               </a:rPr>
               <a:t>iostream</a:t>
             </a:r>
             <a:r>
               <a:rPr lang="en-US" sz="1600" b="1" dirty="0" smtClean="0">
-                <a:latin typeface="AlgerianD"/>
+                <a:latin typeface="Agency FB" panose="020B0503020202020204" pitchFamily="34" charset="0"/>
                 <a:cs typeface="Aharoni" pitchFamily="2" charset="-79"/>
               </a:rPr>
-              <a:t>&gt;		       #include&lt;</a:t>
+              <a:t>&gt;		       </a:t>
+            </a:r>
+            <a:r>
+              <a:rPr lang="en-US" sz="1600" b="1" dirty="0" smtClean="0">
+                <a:latin typeface="Agency FB" panose="020B0503020202020204" pitchFamily="34" charset="0"/>
+                <a:cs typeface="Aharoni" pitchFamily="2" charset="-79"/>
+              </a:rPr>
+              <a:t>	              #</a:t>
+            </a:r>
+            <a:r>
+              <a:rPr lang="en-US" sz="1600" b="1" dirty="0" smtClean="0">
+                <a:latin typeface="Agency FB" panose="020B0503020202020204" pitchFamily="34" charset="0"/>
+                <a:cs typeface="Aharoni" pitchFamily="2" charset="-79"/>
+              </a:rPr>
+              <a:t>include&lt;</a:t>
             </a:r>
             <a:r>
               <a:rPr lang="en-US" sz="1600" b="1" dirty="0" err="1" smtClean="0">
-                <a:latin typeface="AlgerianD"/>
+                <a:latin typeface="Agency FB" panose="020B0503020202020204" pitchFamily="34" charset="0"/>
                 <a:cs typeface="Aharoni" pitchFamily="2" charset="-79"/>
               </a:rPr>
               <a:t>iostream</a:t>
             </a:r>
             <a:r>
               <a:rPr lang="en-US" sz="1600" b="1" dirty="0" smtClean="0">
-                <a:latin typeface="AlgerianD"/>
+                <a:latin typeface="Agency FB" panose="020B0503020202020204" pitchFamily="34" charset="0"/>
                 <a:cs typeface="Aharoni" pitchFamily="2" charset="-79"/>
               </a:rPr>
               <a:t>&gt;</a:t>
             </a:r>
-            <a:endParaRPr lang="en-US" sz="1600" b="1" dirty="0" smtClean="0">
-              <a:latin typeface="AlgerianD"/>
-              <a:cs typeface="Aharoni" pitchFamily="2" charset="-79"/>
-            </a:endParaRPr>
           </a:p>
           <a:p>
             <a:pPr lvl="1">
@@ -4834,10 +4816,24 @@
             </a:pPr>
             <a:r>
               <a:rPr lang="en-US" sz="1600" b="1" dirty="0" smtClean="0">
-                <a:latin typeface="AlgerianD"/>
+                <a:latin typeface="Agency FB" panose="020B0503020202020204" pitchFamily="34" charset="0"/>
                 <a:cs typeface="Aharoni" pitchFamily="2" charset="-79"/>
               </a:rPr>
-              <a:t>Using namespace std;		       #include&lt;vector&gt;</a:t>
+              <a:t>Using namespace std;		       </a:t>
+            </a:r>
+            <a:r>
+              <a:rPr lang="en-US" sz="1600" b="1" dirty="0" smtClean="0">
+                <a:latin typeface="Agency FB" panose="020B0503020202020204" pitchFamily="34" charset="0"/>
+                <a:cs typeface="Aharoni" pitchFamily="2" charset="-79"/>
+              </a:rPr>
+              <a:t>	           #</a:t>
+            </a:r>
+            <a:r>
+              <a:rPr lang="en-US" sz="1600" b="1" dirty="0" smtClean="0">
+                <a:latin typeface="Agency FB" panose="020B0503020202020204" pitchFamily="34" charset="0"/>
+                <a:cs typeface="Aharoni" pitchFamily="2" charset="-79"/>
+              </a:rPr>
+              <a:t>include&lt;vector&gt;</a:t>
             </a:r>
           </a:p>
           <a:p>
@@ -4846,17 +4842,45 @@
             </a:pPr>
             <a:r>
               <a:rPr lang="en-US" sz="1600" b="1" dirty="0" err="1" smtClean="0">
-                <a:latin typeface="AlgerianD"/>
+                <a:latin typeface="Agency FB" panose="020B0503020202020204" pitchFamily="34" charset="0"/>
                 <a:cs typeface="Aharoni" pitchFamily="2" charset="-79"/>
               </a:rPr>
               <a:t>Int</a:t>
             </a:r>
             <a:r>
               <a:rPr lang="en-US" sz="1600" b="1" dirty="0" smtClean="0">
-                <a:latin typeface="AlgerianD"/>
+                <a:latin typeface="Agency FB" panose="020B0503020202020204" pitchFamily="34" charset="0"/>
                 <a:cs typeface="Aharoni" pitchFamily="2" charset="-79"/>
               </a:rPr>
-              <a:t> main(){			        using namespace std;</a:t>
+              <a:t> main(){			        </a:t>
+            </a:r>
+            <a:r>
+              <a:rPr lang="en-US" sz="1600" b="1" dirty="0">
+                <a:latin typeface="Agency FB" panose="020B0503020202020204" pitchFamily="34" charset="0"/>
+                <a:cs typeface="Aharoni" pitchFamily="2" charset="-79"/>
+              </a:rPr>
+              <a:t> </a:t>
+            </a:r>
+            <a:r>
+              <a:rPr lang="en-US" sz="1600" b="1" dirty="0" smtClean="0">
+                <a:latin typeface="Agency FB" panose="020B0503020202020204" pitchFamily="34" charset="0"/>
+                <a:cs typeface="Aharoni" pitchFamily="2" charset="-79"/>
+              </a:rPr>
+              <a:t>   </a:t>
+            </a:r>
+            <a:r>
+              <a:rPr lang="en-US" sz="1600" b="1" dirty="0" smtClean="0">
+                <a:latin typeface="Agency FB" panose="020B0503020202020204" pitchFamily="34" charset="0"/>
+                <a:cs typeface="Aharoni" pitchFamily="2" charset="-79"/>
+              </a:rPr>
+              <a:t>using </a:t>
+            </a:r>
+            <a:r>
+              <a:rPr lang="en-US" sz="1600" b="1" dirty="0" smtClean="0">
+                <a:latin typeface="Agency FB" panose="020B0503020202020204" pitchFamily="34" charset="0"/>
+                <a:cs typeface="Aharoni" pitchFamily="2" charset="-79"/>
+              </a:rPr>
+              <a:t>namespace std;</a:t>
             </a:r>
           </a:p>
           <a:p>
@@ -4865,49 +4889,56 @@
             </a:pPr>
             <a:r>
               <a:rPr lang="en-US" sz="1600" b="1" dirty="0" smtClean="0">
-                <a:latin typeface="AlgerianD"/>
+                <a:latin typeface="Agency FB" panose="020B0503020202020204" pitchFamily="34" charset="0"/>
                 <a:cs typeface="Aharoni" pitchFamily="2" charset="-79"/>
               </a:rPr>
               <a:t>  </a:t>
             </a:r>
             <a:r>
               <a:rPr lang="en-US" sz="1600" b="1" dirty="0" err="1" smtClean="0">
-                <a:latin typeface="AlgerianD"/>
+                <a:latin typeface="Agency FB" panose="020B0503020202020204" pitchFamily="34" charset="0"/>
                 <a:cs typeface="Aharoni" pitchFamily="2" charset="-79"/>
               </a:rPr>
               <a:t>int</a:t>
             </a:r>
             <a:r>
               <a:rPr lang="en-US" sz="1600" b="1" dirty="0" smtClean="0">
-                <a:latin typeface="AlgerianD"/>
+                <a:latin typeface="Agency FB" panose="020B0503020202020204" pitchFamily="34" charset="0"/>
                 <a:cs typeface="Aharoni" pitchFamily="2" charset="-79"/>
               </a:rPr>
               <a:t> </a:t>
             </a:r>
             <a:r>
               <a:rPr lang="en-US" sz="1600" b="1" dirty="0" err="1" smtClean="0">
-                <a:latin typeface="AlgerianD"/>
+                <a:latin typeface="Agency FB" panose="020B0503020202020204" pitchFamily="34" charset="0"/>
                 <a:cs typeface="Aharoni" pitchFamily="2" charset="-79"/>
               </a:rPr>
               <a:t>arr</a:t>
             </a:r>
             <a:r>
               <a:rPr lang="en-US" sz="1600" b="1" dirty="0" smtClean="0">
-                <a:latin typeface="AlgerianD"/>
+                <a:latin typeface="Agency FB" panose="020B0503020202020204" pitchFamily="34" charset="0"/>
                 <a:cs typeface="Aharoni" pitchFamily="2" charset="-79"/>
               </a:rPr>
-              <a:t>[10] //array declarations 	        </a:t>
+              <a:t>[10] //array declarations 	      </a:t>
+            </a:r>
+            <a:r>
+              <a:rPr lang="en-US" sz="1600" b="1" dirty="0" smtClean="0">
+                <a:latin typeface="Agency FB" panose="020B0503020202020204" pitchFamily="34" charset="0"/>
+                <a:cs typeface="Aharoni" pitchFamily="2" charset="-79"/>
+              </a:rPr>
+              <a:t>	            </a:t>
             </a:r>
             <a:r>
               <a:rPr lang="en-US" sz="1600" b="1" dirty="0" err="1" smtClean="0">
-                <a:latin typeface="AlgerianD"/>
+                <a:latin typeface="Agency FB" panose="020B0503020202020204" pitchFamily="34" charset="0"/>
                 <a:cs typeface="Aharoni" pitchFamily="2" charset="-79"/>
               </a:rPr>
               <a:t>int</a:t>
             </a:r>
             <a:r>
               <a:rPr lang="en-US" sz="1600" b="1" dirty="0" smtClean="0">
-                <a:latin typeface="AlgerianD"/>
+                <a:latin typeface="Agency FB" panose="020B0503020202020204" pitchFamily="34" charset="0"/>
                 <a:cs typeface="Aharoni" pitchFamily="2" charset="-79"/>
               </a:rPr>
               <a:t> main(){</a:t>
@@ -4919,119 +4950,126 @@
             </a:pPr>
             <a:r>
               <a:rPr lang="en-US" sz="1600" b="1" dirty="0" smtClean="0">
-                <a:latin typeface="AlgerianD"/>
+                <a:latin typeface="Agency FB" panose="020B0503020202020204" pitchFamily="34" charset="0"/>
                 <a:cs typeface="Aharoni" pitchFamily="2" charset="-79"/>
               </a:rPr>
               <a:t>  for(</a:t>
             </a:r>
             <a:r>
               <a:rPr lang="en-US" sz="1600" b="1" dirty="0" err="1" smtClean="0">
-                <a:latin typeface="AlgerianD"/>
+                <a:latin typeface="Agency FB" panose="020B0503020202020204" pitchFamily="34" charset="0"/>
                 <a:cs typeface="Aharoni" pitchFamily="2" charset="-79"/>
               </a:rPr>
               <a:t>int</a:t>
             </a:r>
             <a:r>
               <a:rPr lang="en-US" sz="1600" b="1" dirty="0" smtClean="0">
-                <a:latin typeface="AlgerianD"/>
+                <a:latin typeface="Agency FB" panose="020B0503020202020204" pitchFamily="34" charset="0"/>
                 <a:cs typeface="Aharoni" pitchFamily="2" charset="-79"/>
               </a:rPr>
               <a:t> </a:t>
             </a:r>
             <a:r>
               <a:rPr lang="en-US" sz="1600" b="1" dirty="0" err="1" smtClean="0">
-                <a:latin typeface="AlgerianD"/>
+                <a:latin typeface="Agency FB" panose="020B0503020202020204" pitchFamily="34" charset="0"/>
                 <a:cs typeface="Aharoni" pitchFamily="2" charset="-79"/>
               </a:rPr>
               <a:t>i</a:t>
             </a:r>
             <a:r>
               <a:rPr lang="en-US" sz="1600" b="1" dirty="0" smtClean="0">
-                <a:latin typeface="AlgerianD"/>
+                <a:latin typeface="Agency FB" panose="020B0503020202020204" pitchFamily="34" charset="0"/>
                 <a:cs typeface="Aharoni" pitchFamily="2" charset="-79"/>
               </a:rPr>
               <a:t> = 0; </a:t>
             </a:r>
             <a:r>
               <a:rPr lang="en-US" sz="1600" b="1" dirty="0" err="1" smtClean="0">
-                <a:latin typeface="AlgerianD"/>
+                <a:latin typeface="Agency FB" panose="020B0503020202020204" pitchFamily="34" charset="0"/>
                 <a:cs typeface="Aharoni" pitchFamily="2" charset="-79"/>
               </a:rPr>
               <a:t>i</a:t>
             </a:r>
             <a:r>
               <a:rPr lang="en-US" sz="1600" b="1" dirty="0" smtClean="0">
-                <a:latin typeface="AlgerianD"/>
+                <a:latin typeface="Agency FB" panose="020B0503020202020204" pitchFamily="34" charset="0"/>
                 <a:cs typeface="Aharoni" pitchFamily="2" charset="-79"/>
               </a:rPr>
               <a:t>&lt;10;i++) </a:t>
             </a:r>
             <a:r>
               <a:rPr lang="en-US" sz="1600" b="1" dirty="0" err="1" smtClean="0">
-                <a:latin typeface="AlgerianD"/>
-                <a:cs typeface="Aharoni" pitchFamily="2" charset="-79"/>
-              </a:rPr>
-              <a:t>cin</a:t>
-            </a:r>
-            <a:r>
-              <a:rPr lang="en-US" sz="1600" b="1" dirty="0" smtClean="0">
-                <a:latin typeface="AlgerianD"/>
-                <a:cs typeface="Aharoni" pitchFamily="2" charset="-79"/>
-              </a:rPr>
-              <a:t>&gt;&gt;</a:t>
-            </a:r>
-            <a:r>
-              <a:rPr lang="en-US" sz="1600" b="1" dirty="0" err="1" smtClean="0">
-                <a:latin typeface="AlgerianD"/>
+                <a:latin typeface="Agency FB" panose="020B0503020202020204" pitchFamily="34" charset="0"/>
                 <a:cs typeface="Aharoni" pitchFamily="2" charset="-79"/>
               </a:rPr>
               <a:t>arr</a:t>
             </a:r>
             <a:r>
               <a:rPr lang="en-US" sz="1600" b="1" dirty="0" smtClean="0">
-                <a:latin typeface="AlgerianD"/>
+                <a:latin typeface="Agency FB" panose="020B0503020202020204" pitchFamily="34" charset="0"/>
                 <a:cs typeface="Aharoni" pitchFamily="2" charset="-79"/>
               </a:rPr>
               <a:t>[</a:t>
             </a:r>
             <a:r>
               <a:rPr lang="en-US" sz="1600" b="1" dirty="0" err="1" smtClean="0">
-                <a:latin typeface="AlgerianD"/>
+                <a:latin typeface="Agency FB" panose="020B0503020202020204" pitchFamily="34" charset="0"/>
                 <a:cs typeface="Aharoni" pitchFamily="2" charset="-79"/>
               </a:rPr>
               <a:t>i</a:t>
             </a:r>
             <a:r>
               <a:rPr lang="en-US" sz="1600" b="1" dirty="0" smtClean="0">
-                <a:latin typeface="AlgerianD"/>
+                <a:latin typeface="Agency FB" panose="020B0503020202020204" pitchFamily="34" charset="0"/>
                 <a:cs typeface="Aharoni" pitchFamily="2" charset="-79"/>
               </a:rPr>
-              <a:t>];          vector&lt;</a:t>
+              <a:t>] = </a:t>
             </a:r>
             <a:r>
               <a:rPr lang="en-US" sz="1600" b="1" dirty="0" err="1" smtClean="0">
-                <a:latin typeface="AlgerianD"/>
+                <a:latin typeface="Agency FB" panose="020B0503020202020204" pitchFamily="34" charset="0"/>
+                <a:cs typeface="Aharoni" pitchFamily="2" charset="-79"/>
+              </a:rPr>
+              <a:t>i</a:t>
+            </a:r>
+            <a:r>
+              <a:rPr lang="en-US" sz="1600" b="1" dirty="0" smtClean="0">
+                <a:latin typeface="Agency FB" panose="020B0503020202020204" pitchFamily="34" charset="0"/>
+                <a:cs typeface="Aharoni" pitchFamily="2" charset="-79"/>
+              </a:rPr>
+              <a:t>;        		  </a:t>
+            </a:r>
+            <a:r>
+              <a:rPr lang="en-US" sz="1600" b="1" dirty="0" smtClean="0">
+                <a:latin typeface="Agency FB" panose="020B0503020202020204" pitchFamily="34" charset="0"/>
+                <a:cs typeface="Aharoni" pitchFamily="2" charset="-79"/>
+              </a:rPr>
+              <a:t>vector&lt;</a:t>
+            </a:r>
+            <a:r>
+              <a:rPr lang="en-US" sz="1600" b="1" dirty="0" err="1" smtClean="0">
+                <a:latin typeface="Agency FB" panose="020B0503020202020204" pitchFamily="34" charset="0"/>
                 <a:cs typeface="Aharoni" pitchFamily="2" charset="-79"/>
               </a:rPr>
               <a:t>int</a:t>
             </a:r>
             <a:r>
               <a:rPr lang="en-US" sz="1600" b="1" dirty="0" smtClean="0">
-                <a:latin typeface="AlgerianD"/>
+                <a:latin typeface="Agency FB" panose="020B0503020202020204" pitchFamily="34" charset="0"/>
                 <a:cs typeface="Aharoni" pitchFamily="2" charset="-79"/>
               </a:rPr>
               <a:t>&gt; </a:t>
             </a:r>
             <a:r>
               <a:rPr lang="en-US" sz="1600" b="1" dirty="0" err="1" smtClean="0">
-                <a:latin typeface="AlgerianD"/>
+                <a:latin typeface="Agency FB" panose="020B0503020202020204" pitchFamily="34" charset="0"/>
                 <a:cs typeface="Aharoni" pitchFamily="2" charset="-79"/>
               </a:rPr>
               <a:t>arr</a:t>
             </a:r>
             <a:r>
               <a:rPr lang="en-US" sz="1600" b="1" dirty="0" smtClean="0">
-                <a:latin typeface="AlgerianD"/>
+                <a:latin typeface="Agency FB" panose="020B0503020202020204" pitchFamily="34" charset="0"/>
                 <a:cs typeface="Aharoni" pitchFamily="2" charset="-79"/>
               </a:rPr>
               <a:t>;</a:t>
@@ -5043,133 +5081,147 @@
             </a:pPr>
             <a:r>
               <a:rPr lang="en-US" sz="1600" b="1" dirty="0" smtClean="0">
-                <a:latin typeface="AlgerianD"/>
+                <a:latin typeface="Agency FB" panose="020B0503020202020204" pitchFamily="34" charset="0"/>
                 <a:cs typeface="Aharoni" pitchFamily="2" charset="-79"/>
               </a:rPr>
               <a:t>  for(</a:t>
             </a:r>
             <a:r>
               <a:rPr lang="en-US" sz="1600" b="1" dirty="0" err="1" smtClean="0">
-                <a:latin typeface="AlgerianD"/>
+                <a:latin typeface="Agency FB" panose="020B0503020202020204" pitchFamily="34" charset="0"/>
                 <a:cs typeface="Aharoni" pitchFamily="2" charset="-79"/>
               </a:rPr>
               <a:t>int</a:t>
             </a:r>
             <a:r>
               <a:rPr lang="en-US" sz="1600" b="1" dirty="0" smtClean="0">
-                <a:latin typeface="AlgerianD"/>
+                <a:latin typeface="Agency FB" panose="020B0503020202020204" pitchFamily="34" charset="0"/>
                 <a:cs typeface="Aharoni" pitchFamily="2" charset="-79"/>
               </a:rPr>
               <a:t> </a:t>
             </a:r>
             <a:r>
               <a:rPr lang="en-US" sz="1600" b="1" dirty="0" err="1" smtClean="0">
-                <a:latin typeface="AlgerianD"/>
+                <a:latin typeface="Agency FB" panose="020B0503020202020204" pitchFamily="34" charset="0"/>
                 <a:cs typeface="Aharoni" pitchFamily="2" charset="-79"/>
               </a:rPr>
               <a:t>i</a:t>
             </a:r>
             <a:r>
               <a:rPr lang="en-US" sz="1600" b="1" dirty="0" smtClean="0">
-                <a:latin typeface="AlgerianD"/>
+                <a:latin typeface="Agency FB" panose="020B0503020202020204" pitchFamily="34" charset="0"/>
                 <a:cs typeface="Aharoni" pitchFamily="2" charset="-79"/>
               </a:rPr>
               <a:t> = 0; </a:t>
             </a:r>
             <a:r>
               <a:rPr lang="en-US" sz="1600" b="1" dirty="0" err="1" smtClean="0">
-                <a:latin typeface="AlgerianD"/>
+                <a:latin typeface="Agency FB" panose="020B0503020202020204" pitchFamily="34" charset="0"/>
                 <a:cs typeface="Aharoni" pitchFamily="2" charset="-79"/>
               </a:rPr>
               <a:t>i</a:t>
             </a:r>
             <a:r>
               <a:rPr lang="en-US" sz="1600" b="1" dirty="0" smtClean="0">
-                <a:latin typeface="AlgerianD"/>
+                <a:latin typeface="Agency FB" panose="020B0503020202020204" pitchFamily="34" charset="0"/>
                 <a:cs typeface="Aharoni" pitchFamily="2" charset="-79"/>
               </a:rPr>
               <a:t>&lt;10;i++) </a:t>
             </a:r>
             <a:r>
               <a:rPr lang="en-US" sz="1600" b="1" dirty="0" err="1" smtClean="0">
-                <a:latin typeface="AlgerianD"/>
+                <a:latin typeface="Agency FB" panose="020B0503020202020204" pitchFamily="34" charset="0"/>
                 <a:cs typeface="Aharoni" pitchFamily="2" charset="-79"/>
               </a:rPr>
               <a:t>cout</a:t>
             </a:r>
             <a:r>
               <a:rPr lang="en-US" sz="1600" b="1" dirty="0" smtClean="0">
-                <a:latin typeface="AlgerianD"/>
+                <a:latin typeface="Agency FB" panose="020B0503020202020204" pitchFamily="34" charset="0"/>
                 <a:cs typeface="Aharoni" pitchFamily="2" charset="-79"/>
               </a:rPr>
               <a:t>&lt;&lt;</a:t>
             </a:r>
             <a:r>
               <a:rPr lang="en-US" sz="1600" b="1" dirty="0" err="1" smtClean="0">
-                <a:latin typeface="AlgerianD"/>
+                <a:latin typeface="Agency FB" panose="020B0503020202020204" pitchFamily="34" charset="0"/>
                 <a:cs typeface="Aharoni" pitchFamily="2" charset="-79"/>
               </a:rPr>
               <a:t>arr</a:t>
             </a:r>
             <a:r>
               <a:rPr lang="en-US" sz="1600" b="1" dirty="0" smtClean="0">
-                <a:latin typeface="AlgerianD"/>
+                <a:latin typeface="Agency FB" panose="020B0503020202020204" pitchFamily="34" charset="0"/>
                 <a:cs typeface="Aharoni" pitchFamily="2" charset="-79"/>
               </a:rPr>
               <a:t>[</a:t>
             </a:r>
             <a:r>
               <a:rPr lang="en-US" sz="1600" b="1" dirty="0" err="1" smtClean="0">
-                <a:latin typeface="AlgerianD"/>
+                <a:latin typeface="Agency FB" panose="020B0503020202020204" pitchFamily="34" charset="0"/>
                 <a:cs typeface="Aharoni" pitchFamily="2" charset="-79"/>
               </a:rPr>
               <a:t>i</a:t>
             </a:r>
             <a:r>
               <a:rPr lang="en-US" sz="1600" b="1" dirty="0" smtClean="0">
-                <a:latin typeface="AlgerianD"/>
+                <a:latin typeface="Agency FB" panose="020B0503020202020204" pitchFamily="34" charset="0"/>
                 <a:cs typeface="Aharoni" pitchFamily="2" charset="-79"/>
               </a:rPr>
-              <a:t>];        for(</a:t>
+              <a:t>];      </a:t>
+            </a:r>
+            <a:r>
+              <a:rPr lang="en-US" sz="1600" b="1" dirty="0" smtClean="0">
+                <a:latin typeface="Agency FB" panose="020B0503020202020204" pitchFamily="34" charset="0"/>
+                <a:cs typeface="Aharoni" pitchFamily="2" charset="-79"/>
+              </a:rPr>
+              <a:t>		  </a:t>
+            </a:r>
+            <a:r>
+              <a:rPr lang="en-US" sz="1600" b="1" dirty="0" smtClean="0">
+                <a:latin typeface="Agency FB" panose="020B0503020202020204" pitchFamily="34" charset="0"/>
+                <a:cs typeface="Aharoni" pitchFamily="2" charset="-79"/>
+              </a:rPr>
+              <a:t>for(</a:t>
             </a:r>
             <a:r>
               <a:rPr lang="en-US" sz="1600" b="1" dirty="0" err="1" smtClean="0">
-                <a:latin typeface="AlgerianD"/>
+                <a:latin typeface="Agency FB" panose="020B0503020202020204" pitchFamily="34" charset="0"/>
                 <a:cs typeface="Aharoni" pitchFamily="2" charset="-79"/>
               </a:rPr>
               <a:t>int</a:t>
             </a:r>
             <a:r>
               <a:rPr lang="en-US" sz="1600" b="1" dirty="0" smtClean="0">
-                <a:latin typeface="AlgerianD"/>
+                <a:latin typeface="Agency FB" panose="020B0503020202020204" pitchFamily="34" charset="0"/>
                 <a:cs typeface="Aharoni" pitchFamily="2" charset="-79"/>
               </a:rPr>
               <a:t> </a:t>
             </a:r>
             <a:r>
               <a:rPr lang="en-US" sz="1600" b="1" dirty="0" err="1" smtClean="0">
-                <a:latin typeface="AlgerianD"/>
+                <a:latin typeface="Agency FB" panose="020B0503020202020204" pitchFamily="34" charset="0"/>
                 <a:cs typeface="Aharoni" pitchFamily="2" charset="-79"/>
               </a:rPr>
               <a:t>i</a:t>
             </a:r>
             <a:r>
               <a:rPr lang="en-US" sz="1600" b="1" dirty="0" smtClean="0">
-                <a:latin typeface="AlgerianD"/>
+                <a:latin typeface="Agency FB" panose="020B0503020202020204" pitchFamily="34" charset="0"/>
                 <a:cs typeface="Aharoni" pitchFamily="2" charset="-79"/>
               </a:rPr>
               <a:t> = 0; </a:t>
             </a:r>
             <a:r>
               <a:rPr lang="en-US" sz="1600" b="1" dirty="0" err="1" smtClean="0">
-                <a:latin typeface="AlgerianD"/>
+                <a:latin typeface="Agency FB" panose="020B0503020202020204" pitchFamily="34" charset="0"/>
                 <a:cs typeface="Aharoni" pitchFamily="2" charset="-79"/>
               </a:rPr>
               <a:t>i</a:t>
             </a:r>
             <a:r>
               <a:rPr lang="en-US" sz="1600" b="1" dirty="0" smtClean="0">
-                <a:latin typeface="AlgerianD"/>
+                <a:latin typeface="Agency FB" panose="020B0503020202020204" pitchFamily="34" charset="0"/>
                 <a:cs typeface="Aharoni" pitchFamily="2" charset="-79"/>
               </a:rPr>
               <a:t> &lt; 10;i++){</a:t>
@@ -5181,45 +5233,160 @@
             </a:pPr>
             <a:r>
               <a:rPr lang="en-US" sz="1600" b="1" dirty="0" smtClean="0">
-                <a:latin typeface="AlgerianD"/>
+                <a:latin typeface="Agency FB" panose="020B0503020202020204" pitchFamily="34" charset="0"/>
+                <a:cs typeface="Aharoni" pitchFamily="2" charset="-79"/>
+              </a:rPr>
+              <a:t>  return 0;				    </a:t>
+            </a:r>
+            <a:r>
+              <a:rPr lang="en-US" sz="1600" b="1" dirty="0" err="1" smtClean="0">
+                <a:latin typeface="Agency FB" panose="020B0503020202020204" pitchFamily="34" charset="0"/>
+                <a:cs typeface="Aharoni" pitchFamily="2" charset="-79"/>
+              </a:rPr>
+              <a:t>arr.push_back</a:t>
+            </a:r>
+            <a:r>
+              <a:rPr lang="en-US" sz="1600" b="1" dirty="0" smtClean="0">
+                <a:latin typeface="Agency FB" panose="020B0503020202020204" pitchFamily="34" charset="0"/>
+                <a:cs typeface="Aharoni" pitchFamily="2" charset="-79"/>
+              </a:rPr>
+              <a:t>(</a:t>
+            </a:r>
+            <a:r>
+              <a:rPr lang="en-US" sz="1600" b="1" dirty="0" err="1" smtClean="0">
+                <a:latin typeface="Agency FB" panose="020B0503020202020204" pitchFamily="34" charset="0"/>
+                <a:cs typeface="Aharoni" pitchFamily="2" charset="-79"/>
+              </a:rPr>
+              <a:t>i</a:t>
+            </a:r>
+            <a:r>
+              <a:rPr lang="en-US" sz="1600" b="1" dirty="0" smtClean="0">
+                <a:latin typeface="Agency FB" panose="020B0503020202020204" pitchFamily="34" charset="0"/>
+                <a:cs typeface="Aharoni" pitchFamily="2" charset="-79"/>
+              </a:rPr>
+              <a:t>);</a:t>
+            </a:r>
+          </a:p>
+          <a:p>
+            <a:pPr lvl="1">
+              <a:buNone/>
+            </a:pPr>
+            <a:r>
+              <a:rPr lang="en-US" sz="1600" b="1" dirty="0" smtClean="0">
+                <a:latin typeface="Agency FB" panose="020B0503020202020204" pitchFamily="34" charset="0"/>
+                <a:cs typeface="Aharoni" pitchFamily="2" charset="-79"/>
+              </a:rPr>
+              <a:t>}						}</a:t>
+            </a:r>
+          </a:p>
+          <a:p>
+            <a:pPr lvl="1">
+              <a:buNone/>
+            </a:pPr>
+            <a:r>
+              <a:rPr lang="en-US" sz="1600" b="1" dirty="0" smtClean="0">
+                <a:latin typeface="Agency FB" panose="020B0503020202020204" pitchFamily="34" charset="0"/>
+                <a:cs typeface="Aharoni" pitchFamily="2" charset="-79"/>
+              </a:rPr>
+              <a:t>					   </a:t>
+            </a:r>
+            <a:r>
+              <a:rPr lang="en-US" sz="1600" b="1" dirty="0" smtClean="0">
+                <a:latin typeface="Agency FB" panose="020B0503020202020204" pitchFamily="34" charset="0"/>
+                <a:cs typeface="Aharoni" pitchFamily="2" charset="-79"/>
+              </a:rPr>
+              <a:t>          </a:t>
+            </a:r>
+            <a:r>
+              <a:rPr lang="en-US" sz="1600" b="1" dirty="0" smtClean="0">
+                <a:latin typeface="Agency FB" panose="020B0503020202020204" pitchFamily="34" charset="0"/>
+                <a:cs typeface="Aharoni" pitchFamily="2" charset="-79"/>
+              </a:rPr>
+              <a:t>for(</a:t>
+            </a:r>
+            <a:r>
+              <a:rPr lang="en-US" sz="1600" b="1" dirty="0" err="1" smtClean="0">
+                <a:latin typeface="Agency FB" panose="020B0503020202020204" pitchFamily="34" charset="0"/>
+                <a:cs typeface="Aharoni" pitchFamily="2" charset="-79"/>
+              </a:rPr>
+              <a:t>int</a:t>
+            </a:r>
+            <a:r>
+              <a:rPr lang="en-US" sz="1600" b="1" dirty="0" smtClean="0">
+                <a:latin typeface="Agency FB" panose="020B0503020202020204" pitchFamily="34" charset="0"/>
                 <a:cs typeface="Aharoni" pitchFamily="2" charset="-79"/>
               </a:rPr>
               <a:t> </a:t>
             </a:r>
             <a:r>
-              <a:rPr lang="en-US" sz="1600" b="1" dirty="0" smtClean="0">
-                <a:latin typeface="AlgerianD"/>
-                <a:cs typeface="Aharoni" pitchFamily="2" charset="-79"/>
-              </a:rPr>
-              <a:t> return 0;				    </a:t>
-            </a:r>
-            <a:r>
               <a:rPr lang="en-US" sz="1600" b="1" dirty="0" err="1" smtClean="0">
-                <a:latin typeface="AlgerianD"/>
-                <a:cs typeface="Aharoni" pitchFamily="2" charset="-79"/>
-              </a:rPr>
-              <a:t>arr.push_back</a:t>
-            </a:r>
-            <a:r>
-              <a:rPr lang="en-US" sz="1600" b="1" dirty="0" smtClean="0">
-                <a:latin typeface="AlgerianD"/>
-                <a:cs typeface="Aharoni" pitchFamily="2" charset="-79"/>
-              </a:rPr>
-              <a:t>(</a:t>
-            </a:r>
-            <a:r>
-              <a:rPr lang="en-US" sz="1600" b="1" dirty="0" err="1" smtClean="0">
-                <a:latin typeface="AlgerianD"/>
+                <a:latin typeface="Agency FB" panose="020B0503020202020204" pitchFamily="34" charset="0"/>
                 <a:cs typeface="Aharoni" pitchFamily="2" charset="-79"/>
               </a:rPr>
               <a:t>i</a:t>
             </a:r>
             <a:r>
               <a:rPr lang="en-US" sz="1600" b="1" dirty="0" smtClean="0">
-                <a:latin typeface="AlgerianD"/>
+                <a:latin typeface="Agency FB" panose="020B0503020202020204" pitchFamily="34" charset="0"/>
                 <a:cs typeface="Aharoni" pitchFamily="2" charset="-79"/>
               </a:rPr>
-              <a:t>);</a:t>
+              <a:t> = 0; </a:t>
+            </a:r>
+            <a:r>
+              <a:rPr lang="en-US" sz="1600" b="1" dirty="0" err="1" smtClean="0">
+                <a:latin typeface="Agency FB" panose="020B0503020202020204" pitchFamily="34" charset="0"/>
+                <a:cs typeface="Aharoni" pitchFamily="2" charset="-79"/>
+              </a:rPr>
+              <a:t>i</a:t>
+            </a:r>
+            <a:r>
+              <a:rPr lang="en-US" sz="1600" b="1" dirty="0" smtClean="0">
+                <a:latin typeface="Agency FB" panose="020B0503020202020204" pitchFamily="34" charset="0"/>
+                <a:cs typeface="Aharoni" pitchFamily="2" charset="-79"/>
+              </a:rPr>
+              <a:t> &lt; 10;i++) </a:t>
+            </a:r>
+            <a:r>
+              <a:rPr lang="en-US" sz="1600" b="1" dirty="0" err="1" smtClean="0">
+                <a:latin typeface="Agency FB" panose="020B0503020202020204" pitchFamily="34" charset="0"/>
+                <a:cs typeface="Aharoni" pitchFamily="2" charset="-79"/>
+              </a:rPr>
+              <a:t>cout</a:t>
+            </a:r>
+            <a:r>
+              <a:rPr lang="en-US" sz="1600" b="1" dirty="0" smtClean="0">
+                <a:latin typeface="Agency FB" panose="020B0503020202020204" pitchFamily="34" charset="0"/>
+                <a:cs typeface="Aharoni" pitchFamily="2" charset="-79"/>
+              </a:rPr>
+              <a:t>&lt;&lt;</a:t>
+            </a:r>
+            <a:r>
+              <a:rPr lang="en-US" sz="1600" b="1" dirty="0" err="1" smtClean="0">
+                <a:latin typeface="Agency FB" panose="020B0503020202020204" pitchFamily="34" charset="0"/>
+                <a:cs typeface="Aharoni" pitchFamily="2" charset="-79"/>
+              </a:rPr>
+              <a:t>arr</a:t>
+            </a:r>
+            <a:r>
+              <a:rPr lang="en-US" sz="1600" b="1" dirty="0" smtClean="0">
+                <a:latin typeface="Agency FB" panose="020B0503020202020204" pitchFamily="34" charset="0"/>
+                <a:cs typeface="Aharoni" pitchFamily="2" charset="-79"/>
+              </a:rPr>
+              <a:t>[</a:t>
+            </a:r>
+            <a:r>
+              <a:rPr lang="en-US" sz="1600" b="1" dirty="0" err="1" smtClean="0">
+                <a:latin typeface="Agency FB" panose="020B0503020202020204" pitchFamily="34" charset="0"/>
+                <a:cs typeface="Aharoni" pitchFamily="2" charset="-79"/>
+              </a:rPr>
+              <a:t>i</a:t>
+            </a:r>
+            <a:r>
+              <a:rPr lang="en-US" sz="1600" b="1" dirty="0" smtClean="0">
+                <a:latin typeface="Agency FB" panose="020B0503020202020204" pitchFamily="34" charset="0"/>
+                <a:cs typeface="Aharoni" pitchFamily="2" charset="-79"/>
+              </a:rPr>
+              <a:t>];</a:t>
             </a:r>
           </a:p>
           <a:p>
@@ -5228,10 +5395,10 @@
             </a:pPr>
             <a:r>
               <a:rPr lang="en-US" sz="1600" b="1" dirty="0" smtClean="0">
-                <a:latin typeface="AlgerianD"/>
+                <a:latin typeface="Agency FB" panose="020B0503020202020204" pitchFamily="34" charset="0"/>
                 <a:cs typeface="Aharoni" pitchFamily="2" charset="-79"/>
               </a:rPr>
-              <a:t>}						}</a:t>
+              <a:t>						return 0;</a:t>
             </a:r>
           </a:p>
           <a:p>
@@ -5240,101 +5407,24 @@
             </a:pPr>
             <a:r>
               <a:rPr lang="en-US" sz="1600" b="1" dirty="0" smtClean="0">
-                <a:latin typeface="AlgerianD"/>
+                <a:latin typeface="Agency FB" panose="020B0503020202020204" pitchFamily="34" charset="0"/>
                 <a:cs typeface="Aharoni" pitchFamily="2" charset="-79"/>
               </a:rPr>
-              <a:t>	</a:t>
+              <a:t>					   </a:t>
             </a:r>
             <a:r>
               <a:rPr lang="en-US" sz="1600" b="1" dirty="0" smtClean="0">
-                <a:latin typeface="AlgerianD"/>
+                <a:latin typeface="Agency FB" panose="020B0503020202020204" pitchFamily="34" charset="0"/>
                 <a:cs typeface="Aharoni" pitchFamily="2" charset="-79"/>
               </a:rPr>
-              <a:t>				           for(</a:t>
-            </a:r>
-            <a:r>
-              <a:rPr lang="en-US" sz="1600" b="1" dirty="0" err="1" smtClean="0">
-                <a:latin typeface="AlgerianD"/>
+              <a:t>        </a:t>
+            </a:r>
+            <a:r>
+              <a:rPr lang="en-US" sz="1600" b="1" dirty="0" smtClean="0">
+                <a:latin typeface="Agency FB" panose="020B0503020202020204" pitchFamily="34" charset="0"/>
                 <a:cs typeface="Aharoni" pitchFamily="2" charset="-79"/>
               </a:rPr>
-              <a:t>int</a:t>
-            </a:r>
-            <a:r>
-              <a:rPr lang="en-US" sz="1600" b="1" dirty="0" smtClean="0">
-                <a:latin typeface="AlgerianD"/>
-                <a:cs typeface="Aharoni" pitchFamily="2" charset="-79"/>
-              </a:rPr>
-              <a:t> </a:t>
-            </a:r>
-            <a:r>
-              <a:rPr lang="en-US" sz="1600" b="1" dirty="0" err="1" smtClean="0">
-                <a:latin typeface="AlgerianD"/>
-                <a:cs typeface="Aharoni" pitchFamily="2" charset="-79"/>
-              </a:rPr>
-              <a:t>i</a:t>
-            </a:r>
-            <a:r>
-              <a:rPr lang="en-US" sz="1600" b="1" dirty="0" smtClean="0">
-                <a:latin typeface="AlgerianD"/>
-                <a:cs typeface="Aharoni" pitchFamily="2" charset="-79"/>
-              </a:rPr>
-              <a:t> = 0; </a:t>
-            </a:r>
-            <a:r>
-              <a:rPr lang="en-US" sz="1600" b="1" dirty="0" err="1" smtClean="0">
-                <a:latin typeface="AlgerianD"/>
-                <a:cs typeface="Aharoni" pitchFamily="2" charset="-79"/>
-              </a:rPr>
-              <a:t>i</a:t>
-            </a:r>
-            <a:r>
-              <a:rPr lang="en-US" sz="1600" b="1" dirty="0" smtClean="0">
-                <a:latin typeface="AlgerianD"/>
-                <a:cs typeface="Aharoni" pitchFamily="2" charset="-79"/>
-              </a:rPr>
-              <a:t> &lt; 10;i++) </a:t>
-            </a:r>
-            <a:r>
-              <a:rPr lang="en-US" sz="1600" b="1" dirty="0" err="1" smtClean="0">
-                <a:latin typeface="AlgerianD"/>
-                <a:cs typeface="Aharoni" pitchFamily="2" charset="-79"/>
-              </a:rPr>
-              <a:t>cout</a:t>
-            </a:r>
-            <a:r>
-              <a:rPr lang="en-US" sz="1600" b="1" dirty="0" smtClean="0">
-                <a:latin typeface="AlgerianD"/>
-                <a:cs typeface="Aharoni" pitchFamily="2" charset="-79"/>
-              </a:rPr>
-              <a:t>&lt;&lt;</a:t>
-            </a:r>
-            <a:r>
-              <a:rPr lang="en-US" sz="1600" b="1" dirty="0" err="1" smtClean="0">
-                <a:latin typeface="AlgerianD"/>
-                <a:cs typeface="Aharoni" pitchFamily="2" charset="-79"/>
-              </a:rPr>
-              <a:t>arr</a:t>
-            </a:r>
-            <a:r>
-              <a:rPr lang="en-US" sz="1600" b="1" dirty="0" smtClean="0">
-                <a:latin typeface="AlgerianD"/>
-                <a:cs typeface="Aharoni" pitchFamily="2" charset="-79"/>
-              </a:rPr>
-              <a:t>[</a:t>
-            </a:r>
-            <a:r>
-              <a:rPr lang="en-US" sz="1600" b="1" dirty="0" err="1" smtClean="0">
-                <a:latin typeface="AlgerianD"/>
-                <a:cs typeface="Aharoni" pitchFamily="2" charset="-79"/>
-              </a:rPr>
-              <a:t>i</a:t>
-            </a:r>
-            <a:r>
-              <a:rPr lang="en-US" sz="1600" b="1" dirty="0" smtClean="0">
-                <a:latin typeface="AlgerianD"/>
-                <a:cs typeface="Aharoni" pitchFamily="2" charset="-79"/>
-              </a:rPr>
-              <a:t>];</a:t>
+              <a:t>}</a:t>
             </a:r>
           </a:p>
           <a:p>
@@ -5343,46 +5433,11 @@
             </a:pPr>
             <a:r>
               <a:rPr lang="en-US" sz="1600" b="1" dirty="0" smtClean="0">
-                <a:latin typeface="AlgerianD"/>
+                <a:latin typeface="Aharoni" pitchFamily="2" charset="-79"/>
                 <a:cs typeface="Aharoni" pitchFamily="2" charset="-79"/>
               </a:rPr>
-              <a:t>	</a:t>
-            </a:r>
-            <a:r>
-              <a:rPr lang="en-US" sz="1600" b="1" dirty="0" smtClean="0">
-                <a:latin typeface="AlgerianD"/>
-                <a:cs typeface="Aharoni" pitchFamily="2" charset="-79"/>
-              </a:rPr>
-              <a:t>					return 0;</a:t>
-            </a:r>
-          </a:p>
-          <a:p>
-            <a:pPr lvl="1">
-              <a:buNone/>
-            </a:pPr>
-            <a:r>
-              <a:rPr lang="en-US" sz="1600" b="1" smtClean="0">
-                <a:latin typeface="AlgerianD"/>
-                <a:cs typeface="Aharoni" pitchFamily="2" charset="-79"/>
-              </a:rPr>
-              <a:t>	</a:t>
-            </a:r>
-            <a:r>
-              <a:rPr lang="en-US" sz="1600" b="1" smtClean="0">
-                <a:latin typeface="AlgerianD"/>
-                <a:cs typeface="Aharoni" pitchFamily="2" charset="-79"/>
-              </a:rPr>
-              <a:t>				        }</a:t>
-            </a:r>
-            <a:endParaRPr lang="en-US" sz="1600" b="1" dirty="0" smtClean="0">
-              <a:latin typeface="AlgerianD"/>
-              <a:cs typeface="Aharoni" pitchFamily="2" charset="-79"/>
-            </a:endParaRPr>
-          </a:p>
-          <a:p>
-            <a:pPr lvl="1">
-              <a:buNone/>
-            </a:pPr>
+              <a:t>  </a:t>
+            </a:r>
             <a:endParaRPr lang="en-US" sz="1600" b="1" dirty="0" smtClean="0">
               <a:latin typeface="Aharoni" pitchFamily="2" charset="-79"/>
               <a:cs typeface="Aharoni" pitchFamily="2" charset="-79"/>
@@ -5455,6 +5510,4296 @@
   <p:clrMapOvr>
     <a:masterClrMapping/>
   </p:clrMapOvr>
+  <p:timing>
+    <p:tnLst>
+      <p:par>
+        <p:cTn id="1" dur="indefinite" restart="never" nodeType="tmRoot"/>
+      </p:par>
+    </p:tnLst>
+  </p:timing>
+</p:sld>
+</file>
+
+<file path=ppt/slides/slide8.xml><?xml version="1.0" encoding="utf-8"?>
+<p:sld xmlns:a="http://schemas.openxmlformats.org/drawingml/2006/main" xmlns:r="http://schemas.openxmlformats.org/officeDocument/2006/relationships" xmlns:p="http://schemas.openxmlformats.org/presentationml/2006/main">
+  <p:cSld>
+    <p:spTree>
+      <p:nvGrpSpPr>
+        <p:cNvPr id="1" name=""/>
+        <p:cNvGrpSpPr/>
+        <p:nvPr/>
+      </p:nvGrpSpPr>
+      <p:grpSpPr>
+        <a:xfrm>
+          <a:off x="0" y="0"/>
+          <a:ext cx="0" cy="0"/>
+          <a:chOff x="0" y="0"/>
+          <a:chExt cx="0" cy="0"/>
+        </a:xfrm>
+      </p:grpSpPr>
+      <p:sp>
+        <p:nvSpPr>
+          <p:cNvPr id="2" name="Title 1"/>
+          <p:cNvSpPr>
+            <a:spLocks noGrp="1"/>
+          </p:cNvSpPr>
+          <p:nvPr>
+            <p:ph type="title"/>
+          </p:nvPr>
+        </p:nvSpPr>
+        <p:spPr/>
+        <p:txBody>
+          <a:bodyPr>
+            <a:normAutofit fontScale="90000"/>
+          </a:bodyPr>
+          <a:lstStyle/>
+          <a:p>
+            <a:r>
+              <a:rPr lang="en-US" dirty="0" smtClean="0"/>
+              <a:t>Vector vs array</a:t>
+            </a:r>
+            <a:br>
+              <a:rPr lang="en-US" dirty="0" smtClean="0"/>
+            </a:br>
+            <a:endParaRPr lang="en-US" dirty="0"/>
+          </a:p>
+        </p:txBody>
+      </p:sp>
+      <p:graphicFrame>
+        <p:nvGraphicFramePr>
+          <p:cNvPr id="4" name="Content Placeholder 3"/>
+          <p:cNvGraphicFramePr>
+            <a:graphicFrameLocks noGrp="1"/>
+          </p:cNvGraphicFramePr>
+          <p:nvPr>
+            <p:ph sz="quarter" idx="1"/>
+            <p:extLst>
+              <p:ext uri="{D42A27DB-BD31-4B8C-83A1-F6EECF244321}">
+                <p14:modId xmlns:p14="http://schemas.microsoft.com/office/powerpoint/2010/main" val="801161198"/>
+              </p:ext>
+            </p:extLst>
+          </p:nvPr>
+        </p:nvGraphicFramePr>
+        <p:xfrm>
+          <a:off x="228600" y="1066800"/>
+          <a:ext cx="8382000" cy="3474720"/>
+        </p:xfrm>
+        <a:graphic>
+          <a:graphicData uri="http://schemas.openxmlformats.org/drawingml/2006/table">
+            <a:tbl>
+              <a:tblPr firstRow="1" bandRow="1">
+                <a:tableStyleId>{5C22544A-7EE6-4342-B048-85BDC9FD1C3A}</a:tableStyleId>
+              </a:tblPr>
+              <a:tblGrid>
+                <a:gridCol w="4191000">
+                  <a:extLst>
+                    <a:ext uri="{9D8B030D-6E8A-4147-A177-3AD203B41FA5}">
+                      <a16:colId xmlns:a16="http://schemas.microsoft.com/office/drawing/2014/main" val="3227047835"/>
+                    </a:ext>
+                  </a:extLst>
+                </a:gridCol>
+                <a:gridCol w="4191000">
+                  <a:extLst>
+                    <a:ext uri="{9D8B030D-6E8A-4147-A177-3AD203B41FA5}">
+                      <a16:colId xmlns:a16="http://schemas.microsoft.com/office/drawing/2014/main" val="1838525855"/>
+                    </a:ext>
+                  </a:extLst>
+                </a:gridCol>
+              </a:tblGrid>
+              <a:tr h="3429000">
+                <a:tc>
+                  <a:txBody>
+                    <a:bodyPr/>
+                    <a:lstStyle/>
+                    <a:p>
+                      <a:r>
+                        <a:rPr lang="en-US" dirty="0" smtClean="0">
+                          <a:solidFill>
+                            <a:schemeClr val="tx1"/>
+                          </a:solidFill>
+                        </a:rPr>
+                        <a:t>                            array</a:t>
+                      </a:r>
+                    </a:p>
+                    <a:p>
+                      <a:r>
+                        <a:rPr lang="en-US" dirty="0" err="1" smtClean="0">
+                          <a:solidFill>
+                            <a:schemeClr val="tx1"/>
+                          </a:solidFill>
+                        </a:rPr>
+                        <a:t>int</a:t>
+                      </a:r>
+                      <a:r>
+                        <a:rPr lang="en-US" dirty="0" smtClean="0">
+                          <a:solidFill>
+                            <a:schemeClr val="tx1"/>
+                          </a:solidFill>
+                        </a:rPr>
+                        <a:t> </a:t>
+                      </a:r>
+                      <a:r>
+                        <a:rPr lang="en-US" dirty="0" err="1" smtClean="0">
+                          <a:solidFill>
+                            <a:schemeClr val="tx1"/>
+                          </a:solidFill>
+                        </a:rPr>
+                        <a:t>arr</a:t>
+                      </a:r>
+                      <a:r>
+                        <a:rPr lang="en-US" dirty="0" smtClean="0">
+                          <a:solidFill>
+                            <a:schemeClr val="tx1"/>
+                          </a:solidFill>
+                        </a:rPr>
+                        <a:t>[10];</a:t>
+                      </a:r>
+                    </a:p>
+                    <a:p>
+                      <a:endParaRPr lang="en-US" dirty="0" smtClean="0">
+                        <a:solidFill>
+                          <a:schemeClr val="tx1"/>
+                        </a:solidFill>
+                      </a:endParaRPr>
+                    </a:p>
+                    <a:p>
+                      <a:endParaRPr lang="en-US" dirty="0" smtClean="0">
+                        <a:solidFill>
+                          <a:schemeClr val="tx1"/>
+                        </a:solidFill>
+                      </a:endParaRPr>
+                    </a:p>
+                    <a:p>
+                      <a:endParaRPr lang="en-US" dirty="0" smtClean="0">
+                        <a:solidFill>
+                          <a:schemeClr val="tx1"/>
+                        </a:solidFill>
+                      </a:endParaRPr>
+                    </a:p>
+                    <a:p>
+                      <a:r>
+                        <a:rPr lang="en-US" dirty="0" smtClean="0">
+                          <a:solidFill>
+                            <a:schemeClr val="tx1"/>
+                          </a:solidFill>
+                        </a:rPr>
+                        <a:t>when</a:t>
+                      </a:r>
+                      <a:r>
+                        <a:rPr lang="en-US" baseline="0" dirty="0" smtClean="0">
+                          <a:solidFill>
+                            <a:schemeClr val="tx1"/>
+                          </a:solidFill>
+                        </a:rPr>
+                        <a:t> , </a:t>
+                      </a:r>
+                    </a:p>
+                    <a:p>
+                      <a:r>
+                        <a:rPr lang="en-US" sz="1200" b="0" baseline="0" dirty="0" err="1" smtClean="0">
+                          <a:solidFill>
+                            <a:schemeClr val="tx1"/>
+                          </a:solidFill>
+                          <a:latin typeface="+mn-lt"/>
+                        </a:rPr>
+                        <a:t>i</a:t>
+                      </a:r>
+                      <a:r>
+                        <a:rPr lang="en-US" sz="1200" b="0" baseline="0" dirty="0" smtClean="0">
+                          <a:solidFill>
+                            <a:schemeClr val="tx1"/>
+                          </a:solidFill>
+                          <a:latin typeface="+mn-lt"/>
+                        </a:rPr>
+                        <a:t>=0    </a:t>
+                      </a:r>
+                      <a:r>
+                        <a:rPr lang="en-US" sz="1200" b="0" baseline="0" dirty="0" err="1" smtClean="0">
+                          <a:solidFill>
+                            <a:schemeClr val="tx1"/>
+                          </a:solidFill>
+                          <a:latin typeface="+mn-lt"/>
+                        </a:rPr>
+                        <a:t>i</a:t>
+                      </a:r>
+                      <a:r>
+                        <a:rPr lang="en-US" sz="1200" b="0" baseline="0" dirty="0" smtClean="0">
+                          <a:solidFill>
+                            <a:schemeClr val="tx1"/>
+                          </a:solidFill>
+                          <a:latin typeface="+mn-lt"/>
+                        </a:rPr>
+                        <a:t>=1     </a:t>
+                      </a:r>
+                      <a:r>
+                        <a:rPr lang="en-US" sz="1200" b="0" baseline="0" dirty="0" err="1" smtClean="0">
+                          <a:solidFill>
+                            <a:schemeClr val="tx1"/>
+                          </a:solidFill>
+                          <a:latin typeface="+mn-lt"/>
+                        </a:rPr>
+                        <a:t>i</a:t>
+                      </a:r>
+                      <a:r>
+                        <a:rPr lang="en-US" sz="1200" b="0" baseline="0" dirty="0" smtClean="0">
+                          <a:solidFill>
+                            <a:schemeClr val="tx1"/>
+                          </a:solidFill>
+                          <a:latin typeface="+mn-lt"/>
+                        </a:rPr>
+                        <a:t>=2      </a:t>
+                      </a:r>
+                      <a:r>
+                        <a:rPr lang="en-US" sz="1200" b="0" baseline="0" dirty="0" err="1" smtClean="0">
+                          <a:solidFill>
+                            <a:schemeClr val="tx1"/>
+                          </a:solidFill>
+                          <a:latin typeface="+mn-lt"/>
+                        </a:rPr>
+                        <a:t>i</a:t>
+                      </a:r>
+                      <a:r>
+                        <a:rPr lang="en-US" sz="1200" b="0" baseline="0" dirty="0" smtClean="0">
+                          <a:solidFill>
+                            <a:schemeClr val="tx1"/>
+                          </a:solidFill>
+                          <a:latin typeface="+mn-lt"/>
+                        </a:rPr>
+                        <a:t>=3  </a:t>
+                      </a:r>
+                      <a:r>
+                        <a:rPr lang="en-US" sz="1200" b="0" baseline="0" dirty="0" err="1" smtClean="0">
+                          <a:solidFill>
+                            <a:schemeClr val="tx1"/>
+                          </a:solidFill>
+                          <a:latin typeface="+mn-lt"/>
+                        </a:rPr>
+                        <a:t>i</a:t>
+                      </a:r>
+                      <a:r>
+                        <a:rPr lang="en-US" sz="1200" b="0" baseline="0" dirty="0" smtClean="0">
+                          <a:solidFill>
+                            <a:schemeClr val="tx1"/>
+                          </a:solidFill>
+                          <a:latin typeface="+mn-lt"/>
+                        </a:rPr>
+                        <a:t>=4     </a:t>
+                      </a:r>
+                      <a:r>
+                        <a:rPr lang="en-US" sz="1200" b="0" baseline="0" dirty="0" err="1" smtClean="0">
+                          <a:solidFill>
+                            <a:schemeClr val="tx1"/>
+                          </a:solidFill>
+                          <a:latin typeface="+mn-lt"/>
+                        </a:rPr>
+                        <a:t>i</a:t>
+                      </a:r>
+                      <a:r>
+                        <a:rPr lang="en-US" sz="1200" b="0" baseline="0" dirty="0" smtClean="0">
+                          <a:solidFill>
+                            <a:schemeClr val="tx1"/>
+                          </a:solidFill>
+                          <a:latin typeface="+mn-lt"/>
+                        </a:rPr>
+                        <a:t>=5     </a:t>
+                      </a:r>
+                      <a:r>
+                        <a:rPr lang="en-US" sz="1200" b="0" baseline="0" dirty="0" err="1" smtClean="0">
+                          <a:solidFill>
+                            <a:schemeClr val="tx1"/>
+                          </a:solidFill>
+                          <a:latin typeface="+mn-lt"/>
+                        </a:rPr>
+                        <a:t>i</a:t>
+                      </a:r>
+                      <a:r>
+                        <a:rPr lang="en-US" sz="1200" b="0" baseline="0" dirty="0" smtClean="0">
+                          <a:solidFill>
+                            <a:schemeClr val="tx1"/>
+                          </a:solidFill>
+                          <a:latin typeface="+mn-lt"/>
+                        </a:rPr>
+                        <a:t>=6     </a:t>
+                      </a:r>
+                      <a:r>
+                        <a:rPr lang="en-US" sz="1200" b="0" baseline="0" dirty="0" err="1" smtClean="0">
+                          <a:solidFill>
+                            <a:schemeClr val="tx1"/>
+                          </a:solidFill>
+                          <a:latin typeface="+mn-lt"/>
+                        </a:rPr>
+                        <a:t>i</a:t>
+                      </a:r>
+                      <a:r>
+                        <a:rPr lang="en-US" sz="1200" b="0" baseline="0" dirty="0" smtClean="0">
+                          <a:solidFill>
+                            <a:schemeClr val="tx1"/>
+                          </a:solidFill>
+                          <a:latin typeface="+mn-lt"/>
+                        </a:rPr>
+                        <a:t>=7    </a:t>
+                      </a:r>
+                      <a:r>
+                        <a:rPr lang="en-US" sz="1200" b="0" baseline="0" dirty="0" err="1" smtClean="0">
+                          <a:solidFill>
+                            <a:schemeClr val="tx1"/>
+                          </a:solidFill>
+                          <a:latin typeface="+mn-lt"/>
+                        </a:rPr>
+                        <a:t>i</a:t>
+                      </a:r>
+                      <a:r>
+                        <a:rPr lang="en-US" sz="1200" b="0" baseline="0" dirty="0" smtClean="0">
+                          <a:solidFill>
+                            <a:schemeClr val="tx1"/>
+                          </a:solidFill>
+                          <a:latin typeface="+mn-lt"/>
+                        </a:rPr>
+                        <a:t>=8     </a:t>
+                      </a:r>
+                      <a:r>
+                        <a:rPr lang="en-US" sz="1200" b="0" baseline="0" dirty="0" err="1" smtClean="0">
+                          <a:solidFill>
+                            <a:schemeClr val="tx1"/>
+                          </a:solidFill>
+                          <a:latin typeface="+mn-lt"/>
+                        </a:rPr>
+                        <a:t>i</a:t>
+                      </a:r>
+                      <a:r>
+                        <a:rPr lang="en-US" sz="1200" b="0" baseline="0" dirty="0" smtClean="0">
+                          <a:solidFill>
+                            <a:schemeClr val="tx1"/>
+                          </a:solidFill>
+                          <a:latin typeface="+mn-lt"/>
+                        </a:rPr>
+                        <a:t>=9</a:t>
+                      </a:r>
+                      <a:endParaRPr lang="en-US" sz="1200" b="0" dirty="0" smtClean="0">
+                        <a:solidFill>
+                          <a:schemeClr val="tx1"/>
+                        </a:solidFill>
+                        <a:latin typeface="+mn-lt"/>
+                      </a:endParaRPr>
+                    </a:p>
+                  </a:txBody>
+                  <a:tcPr>
+                    <a:lnL w="12700" cmpd="sng">
+                      <a:noFill/>
+                    </a:lnL>
+                    <a:lnR w="12700" cmpd="sng">
+                      <a:noFill/>
+                    </a:lnR>
+                    <a:lnT w="12700" cmpd="sng">
+                      <a:noFill/>
+                    </a:lnT>
+                    <a:lnB w="38100" cmpd="sng">
+                      <a:noFill/>
+                    </a:lnB>
+                    <a:lnTlToBr w="12700" cmpd="sng">
+                      <a:noFill/>
+                      <a:prstDash val="solid"/>
+                    </a:lnTlToBr>
+                    <a:lnBlToTr w="12700" cmpd="sng">
+                      <a:noFill/>
+                      <a:prstDash val="solid"/>
+                    </a:lnBlToTr>
+                    <a:solidFill>
+                      <a:schemeClr val="bg1">
+                        <a:lumMod val="95000"/>
+                      </a:schemeClr>
+                    </a:solidFill>
+                  </a:tcPr>
+                </a:tc>
+                <a:tc>
+                  <a:txBody>
+                    <a:bodyPr/>
+                    <a:lstStyle/>
+                    <a:p>
+                      <a:r>
+                        <a:rPr lang="en-US" dirty="0" smtClean="0">
+                          <a:solidFill>
+                            <a:schemeClr val="tx1"/>
+                          </a:solidFill>
+                        </a:rPr>
+                        <a:t>                          vector</a:t>
+                      </a:r>
+                    </a:p>
+                    <a:p>
+                      <a:r>
+                        <a:rPr lang="en-US" dirty="0" smtClean="0">
+                          <a:solidFill>
+                            <a:schemeClr val="tx1"/>
+                          </a:solidFill>
+                        </a:rPr>
+                        <a:t>Vector&lt;</a:t>
+                      </a:r>
+                      <a:r>
+                        <a:rPr lang="en-US" dirty="0" err="1" smtClean="0">
+                          <a:solidFill>
+                            <a:schemeClr val="tx1"/>
+                          </a:solidFill>
+                        </a:rPr>
+                        <a:t>int</a:t>
+                      </a:r>
+                      <a:r>
+                        <a:rPr lang="en-US" dirty="0" smtClean="0">
+                          <a:solidFill>
+                            <a:schemeClr val="tx1"/>
+                          </a:solidFill>
+                        </a:rPr>
+                        <a:t>&gt;</a:t>
+                      </a:r>
+                      <a:r>
+                        <a:rPr lang="en-US" baseline="0" dirty="0" smtClean="0">
+                          <a:solidFill>
+                            <a:schemeClr val="tx1"/>
+                          </a:solidFill>
+                        </a:rPr>
+                        <a:t> </a:t>
+                      </a:r>
+                      <a:r>
+                        <a:rPr lang="en-US" baseline="0" dirty="0" err="1" smtClean="0">
+                          <a:solidFill>
+                            <a:schemeClr val="tx1"/>
+                          </a:solidFill>
+                        </a:rPr>
+                        <a:t>arr</a:t>
+                      </a:r>
+                      <a:r>
+                        <a:rPr lang="en-US" baseline="0" dirty="0" smtClean="0">
+                          <a:solidFill>
+                            <a:schemeClr val="tx1"/>
+                          </a:solidFill>
+                        </a:rPr>
+                        <a:t>;</a:t>
+                      </a:r>
+                    </a:p>
+                    <a:p>
+                      <a:endParaRPr lang="en-US" dirty="0" smtClean="0">
+                        <a:solidFill>
+                          <a:schemeClr val="tx1"/>
+                        </a:solidFill>
+                      </a:endParaRPr>
+                    </a:p>
+                    <a:p>
+                      <a:endParaRPr lang="en-US" dirty="0" smtClean="0">
+                        <a:solidFill>
+                          <a:schemeClr val="tx1"/>
+                        </a:solidFill>
+                      </a:endParaRPr>
+                    </a:p>
+                    <a:p>
+                      <a:r>
+                        <a:rPr lang="en-US" dirty="0" smtClean="0">
+                          <a:solidFill>
+                            <a:schemeClr val="tx1"/>
+                          </a:solidFill>
+                        </a:rPr>
+                        <a:t>When</a:t>
+                      </a:r>
+                    </a:p>
+                    <a:p>
+                      <a:r>
+                        <a:rPr lang="en-US" sz="1100" b="0" dirty="0" err="1" smtClean="0">
+                          <a:solidFill>
+                            <a:schemeClr val="tx1"/>
+                          </a:solidFill>
+                        </a:rPr>
+                        <a:t>i</a:t>
+                      </a:r>
+                      <a:r>
+                        <a:rPr lang="en-US" sz="1100" b="0" dirty="0" smtClean="0">
+                          <a:solidFill>
+                            <a:schemeClr val="tx1"/>
+                          </a:solidFill>
+                        </a:rPr>
+                        <a:t>=0;</a:t>
+                      </a:r>
+                    </a:p>
+                    <a:p>
+                      <a:endParaRPr lang="en-US" sz="1100" b="0" dirty="0" smtClean="0">
+                        <a:solidFill>
+                          <a:schemeClr val="tx1"/>
+                        </a:solidFill>
+                      </a:endParaRPr>
+                    </a:p>
+                    <a:p>
+                      <a:r>
+                        <a:rPr lang="en-US" sz="1100" b="0" dirty="0" err="1" smtClean="0">
+                          <a:solidFill>
+                            <a:schemeClr val="tx1"/>
+                          </a:solidFill>
+                        </a:rPr>
+                        <a:t>i</a:t>
+                      </a:r>
+                      <a:r>
+                        <a:rPr lang="en-US" sz="1100" b="0" dirty="0" smtClean="0">
+                          <a:solidFill>
+                            <a:schemeClr val="tx1"/>
+                          </a:solidFill>
+                        </a:rPr>
+                        <a:t>=1;</a:t>
+                      </a:r>
+                    </a:p>
+                    <a:p>
+                      <a:endParaRPr lang="en-US" sz="1100" b="0" dirty="0" smtClean="0">
+                        <a:solidFill>
+                          <a:schemeClr val="tx1"/>
+                        </a:solidFill>
+                      </a:endParaRPr>
+                    </a:p>
+                    <a:p>
+                      <a:r>
+                        <a:rPr lang="en-US" sz="1100" b="0" dirty="0" err="1" smtClean="0">
+                          <a:solidFill>
+                            <a:schemeClr val="tx1"/>
+                          </a:solidFill>
+                        </a:rPr>
+                        <a:t>i</a:t>
+                      </a:r>
+                      <a:r>
+                        <a:rPr lang="en-US" sz="1100" b="0" dirty="0" smtClean="0">
+                          <a:solidFill>
+                            <a:schemeClr val="tx1"/>
+                          </a:solidFill>
+                        </a:rPr>
+                        <a:t>=2;</a:t>
+                      </a:r>
+                    </a:p>
+                    <a:p>
+                      <a:endParaRPr lang="en-US" sz="1100" b="0" dirty="0" smtClean="0">
+                        <a:solidFill>
+                          <a:schemeClr val="tx1"/>
+                        </a:solidFill>
+                      </a:endParaRPr>
+                    </a:p>
+                    <a:p>
+                      <a:r>
+                        <a:rPr lang="en-US" sz="1100" b="0" dirty="0" err="1" smtClean="0">
+                          <a:solidFill>
+                            <a:schemeClr val="tx1"/>
+                          </a:solidFill>
+                        </a:rPr>
+                        <a:t>i</a:t>
+                      </a:r>
+                      <a:r>
+                        <a:rPr lang="en-US" sz="1100" b="0" dirty="0" smtClean="0">
+                          <a:solidFill>
+                            <a:schemeClr val="tx1"/>
+                          </a:solidFill>
+                        </a:rPr>
+                        <a:t>=3;</a:t>
+                      </a:r>
+                    </a:p>
+                    <a:p>
+                      <a:endParaRPr lang="en-US" sz="1100" b="0" dirty="0" smtClean="0">
+                        <a:solidFill>
+                          <a:schemeClr val="tx1"/>
+                        </a:solidFill>
+                      </a:endParaRPr>
+                    </a:p>
+                    <a:p>
+                      <a:r>
+                        <a:rPr lang="en-US" sz="1100" b="0" dirty="0" err="1" smtClean="0">
+                          <a:solidFill>
+                            <a:schemeClr val="tx1"/>
+                          </a:solidFill>
+                        </a:rPr>
+                        <a:t>i</a:t>
+                      </a:r>
+                      <a:r>
+                        <a:rPr lang="en-US" sz="1100" b="0" dirty="0" smtClean="0">
+                          <a:solidFill>
+                            <a:schemeClr val="tx1"/>
+                          </a:solidFill>
+                        </a:rPr>
+                        <a:t>=4;</a:t>
+                      </a:r>
+                    </a:p>
+                    <a:p>
+                      <a:r>
+                        <a:rPr lang="en-US" sz="1100" b="0" dirty="0" smtClean="0">
+                          <a:solidFill>
+                            <a:schemeClr val="tx1"/>
+                          </a:solidFill>
+                        </a:rPr>
+                        <a:t>….</a:t>
+                      </a:r>
+                    </a:p>
+                    <a:p>
+                      <a:r>
+                        <a:rPr lang="en-US" sz="1100" b="0" dirty="0" err="1" smtClean="0">
+                          <a:solidFill>
+                            <a:schemeClr val="tx1"/>
+                          </a:solidFill>
+                        </a:rPr>
+                        <a:t>i</a:t>
+                      </a:r>
+                      <a:r>
+                        <a:rPr lang="en-US" sz="1100" b="0" dirty="0" smtClean="0">
+                          <a:solidFill>
+                            <a:schemeClr val="tx1"/>
+                          </a:solidFill>
+                        </a:rPr>
+                        <a:t>=9;</a:t>
+                      </a:r>
+                    </a:p>
+                    <a:p>
+                      <a:endParaRPr lang="en-US" sz="1100" b="0" dirty="0" smtClean="0">
+                        <a:solidFill>
+                          <a:schemeClr val="tx1"/>
+                        </a:solidFill>
+                      </a:endParaRPr>
+                    </a:p>
+                  </a:txBody>
+                  <a:tcPr>
+                    <a:lnL w="12700" cmpd="sng">
+                      <a:noFill/>
+                    </a:lnL>
+                    <a:solidFill>
+                      <a:schemeClr val="bg1">
+                        <a:lumMod val="95000"/>
+                      </a:schemeClr>
+                    </a:solidFill>
+                  </a:tcPr>
+                </a:tc>
+                <a:extLst>
+                  <a:ext uri="{0D108BD9-81ED-4DB2-BD59-A6C34878D82A}">
+                    <a16:rowId xmlns:a16="http://schemas.microsoft.com/office/drawing/2014/main" val="2734800181"/>
+                  </a:ext>
+                </a:extLst>
+              </a:tr>
+            </a:tbl>
+          </a:graphicData>
+        </a:graphic>
+      </p:graphicFrame>
+      <p:cxnSp>
+        <p:nvCxnSpPr>
+          <p:cNvPr id="6" name="Straight Connector 5"/>
+          <p:cNvCxnSpPr/>
+          <p:nvPr/>
+        </p:nvCxnSpPr>
+        <p:spPr>
+          <a:xfrm>
+            <a:off x="228600" y="1371600"/>
+            <a:ext cx="8458200" cy="0"/>
+          </a:xfrm>
+          <a:prstGeom prst="line">
+            <a:avLst/>
+          </a:prstGeom>
+        </p:spPr>
+        <p:style>
+          <a:lnRef idx="1">
+            <a:schemeClr val="accent1"/>
+          </a:lnRef>
+          <a:fillRef idx="0">
+            <a:schemeClr val="accent1"/>
+          </a:fillRef>
+          <a:effectRef idx="0">
+            <a:schemeClr val="accent1"/>
+          </a:effectRef>
+          <a:fontRef idx="minor">
+            <a:schemeClr val="tx1"/>
+          </a:fontRef>
+        </p:style>
+      </p:cxnSp>
+      <p:graphicFrame>
+        <p:nvGraphicFramePr>
+          <p:cNvPr id="7" name="Table 6"/>
+          <p:cNvGraphicFramePr>
+            <a:graphicFrameLocks noGrp="1"/>
+          </p:cNvGraphicFramePr>
+          <p:nvPr>
+            <p:extLst>
+              <p:ext uri="{D42A27DB-BD31-4B8C-83A1-F6EECF244321}">
+                <p14:modId xmlns:p14="http://schemas.microsoft.com/office/powerpoint/2010/main" val="2080036566"/>
+              </p:ext>
+            </p:extLst>
+          </p:nvPr>
+        </p:nvGraphicFramePr>
+        <p:xfrm>
+          <a:off x="228600" y="2971801"/>
+          <a:ext cx="3886200" cy="380999"/>
+        </p:xfrm>
+        <a:graphic>
+          <a:graphicData uri="http://schemas.openxmlformats.org/drawingml/2006/table">
+            <a:tbl>
+              <a:tblPr firstRow="1" bandRow="1">
+                <a:tableStyleId>{5C22544A-7EE6-4342-B048-85BDC9FD1C3A}</a:tableStyleId>
+              </a:tblPr>
+              <a:tblGrid>
+                <a:gridCol w="388620">
+                  <a:extLst>
+                    <a:ext uri="{9D8B030D-6E8A-4147-A177-3AD203B41FA5}">
+                      <a16:colId xmlns:a16="http://schemas.microsoft.com/office/drawing/2014/main" val="1375003831"/>
+                    </a:ext>
+                  </a:extLst>
+                </a:gridCol>
+                <a:gridCol w="344625">
+                  <a:extLst>
+                    <a:ext uri="{9D8B030D-6E8A-4147-A177-3AD203B41FA5}">
+                      <a16:colId xmlns:a16="http://schemas.microsoft.com/office/drawing/2014/main" val="502971952"/>
+                    </a:ext>
+                  </a:extLst>
+                </a:gridCol>
+                <a:gridCol w="432615">
+                  <a:extLst>
+                    <a:ext uri="{9D8B030D-6E8A-4147-A177-3AD203B41FA5}">
+                      <a16:colId xmlns:a16="http://schemas.microsoft.com/office/drawing/2014/main" val="738681489"/>
+                    </a:ext>
+                  </a:extLst>
+                </a:gridCol>
+                <a:gridCol w="388620">
+                  <a:extLst>
+                    <a:ext uri="{9D8B030D-6E8A-4147-A177-3AD203B41FA5}">
+                      <a16:colId xmlns:a16="http://schemas.microsoft.com/office/drawing/2014/main" val="2205498499"/>
+                    </a:ext>
+                  </a:extLst>
+                </a:gridCol>
+                <a:gridCol w="388620">
+                  <a:extLst>
+                    <a:ext uri="{9D8B030D-6E8A-4147-A177-3AD203B41FA5}">
+                      <a16:colId xmlns:a16="http://schemas.microsoft.com/office/drawing/2014/main" val="2890643720"/>
+                    </a:ext>
+                  </a:extLst>
+                </a:gridCol>
+                <a:gridCol w="388620">
+                  <a:extLst>
+                    <a:ext uri="{9D8B030D-6E8A-4147-A177-3AD203B41FA5}">
+                      <a16:colId xmlns:a16="http://schemas.microsoft.com/office/drawing/2014/main" val="1682518565"/>
+                    </a:ext>
+                  </a:extLst>
+                </a:gridCol>
+                <a:gridCol w="388620">
+                  <a:extLst>
+                    <a:ext uri="{9D8B030D-6E8A-4147-A177-3AD203B41FA5}">
+                      <a16:colId xmlns:a16="http://schemas.microsoft.com/office/drawing/2014/main" val="333811809"/>
+                    </a:ext>
+                  </a:extLst>
+                </a:gridCol>
+                <a:gridCol w="388620">
+                  <a:extLst>
+                    <a:ext uri="{9D8B030D-6E8A-4147-A177-3AD203B41FA5}">
+                      <a16:colId xmlns:a16="http://schemas.microsoft.com/office/drawing/2014/main" val="4167125761"/>
+                    </a:ext>
+                  </a:extLst>
+                </a:gridCol>
+                <a:gridCol w="388620">
+                  <a:extLst>
+                    <a:ext uri="{9D8B030D-6E8A-4147-A177-3AD203B41FA5}">
+                      <a16:colId xmlns:a16="http://schemas.microsoft.com/office/drawing/2014/main" val="2663399177"/>
+                    </a:ext>
+                  </a:extLst>
+                </a:gridCol>
+                <a:gridCol w="388620">
+                  <a:extLst>
+                    <a:ext uri="{9D8B030D-6E8A-4147-A177-3AD203B41FA5}">
+                      <a16:colId xmlns:a16="http://schemas.microsoft.com/office/drawing/2014/main" val="935925826"/>
+                    </a:ext>
+                  </a:extLst>
+                </a:gridCol>
+              </a:tblGrid>
+              <a:tr h="380999">
+                <a:tc>
+                  <a:txBody>
+                    <a:bodyPr/>
+                    <a:lstStyle/>
+                    <a:p>
+                      <a:r>
+                        <a:rPr lang="en-US" dirty="0" smtClean="0">
+                          <a:solidFill>
+                            <a:schemeClr val="tx1"/>
+                          </a:solidFill>
+                        </a:rPr>
+                        <a:t>0</a:t>
+                      </a:r>
+                      <a:endParaRPr lang="en-US" dirty="0">
+                        <a:solidFill>
+                          <a:schemeClr val="tx1"/>
+                        </a:solidFill>
+                      </a:endParaRPr>
+                    </a:p>
+                  </a:txBody>
+                  <a:tcPr>
+                    <a:lnL w="12700" cap="flat" cmpd="sng" algn="ctr">
+                      <a:solidFill>
+                        <a:schemeClr val="tx1"/>
+                      </a:solidFill>
+                      <a:prstDash val="solid"/>
+                      <a:round/>
+                      <a:headEnd type="none" w="med" len="med"/>
+                      <a:tailEnd type="none" w="med" len="med"/>
+                    </a:lnL>
+                    <a:lnR w="12700" cap="flat" cmpd="sng" algn="ctr">
+                      <a:solidFill>
+                        <a:schemeClr val="tx1"/>
+                      </a:solidFill>
+                      <a:prstDash val="solid"/>
+                      <a:round/>
+                      <a:headEnd type="none" w="med" len="med"/>
+                      <a:tailEnd type="none" w="med" len="med"/>
+                    </a:lnR>
+                    <a:lnT w="12700" cap="flat" cmpd="sng" algn="ctr">
+                      <a:solidFill>
+                        <a:schemeClr val="tx1"/>
+                      </a:solidFill>
+                      <a:prstDash val="solid"/>
+                      <a:round/>
+                      <a:headEnd type="none" w="med" len="med"/>
+                      <a:tailEnd type="none" w="med" len="med"/>
+                    </a:lnT>
+                    <a:lnB w="12700" cap="flat" cmpd="sng" algn="ctr">
+                      <a:solidFill>
+                        <a:schemeClr val="tx1"/>
+                      </a:solidFill>
+                      <a:prstDash val="solid"/>
+                      <a:round/>
+                      <a:headEnd type="none" w="med" len="med"/>
+                      <a:tailEnd type="none" w="med" len="med"/>
+                    </a:lnB>
+                    <a:lnTlToBr w="12700" cmpd="sng">
+                      <a:noFill/>
+                      <a:prstDash val="solid"/>
+                    </a:lnTlToBr>
+                    <a:lnBlToTr w="12700" cmpd="sng">
+                      <a:noFill/>
+                      <a:prstDash val="solid"/>
+                    </a:lnBlToTr>
+                    <a:solidFill>
+                      <a:schemeClr val="bg2"/>
+                    </a:solidFill>
+                  </a:tcPr>
+                </a:tc>
+                <a:tc>
+                  <a:txBody>
+                    <a:bodyPr/>
+                    <a:lstStyle/>
+                    <a:p>
+                      <a:r>
+                        <a:rPr lang="en-US" dirty="0" smtClean="0">
+                          <a:solidFill>
+                            <a:schemeClr val="tx1"/>
+                          </a:solidFill>
+                        </a:rPr>
+                        <a:t>1</a:t>
+                      </a:r>
+                      <a:endParaRPr lang="en-US" dirty="0">
+                        <a:solidFill>
+                          <a:schemeClr val="tx1"/>
+                        </a:solidFill>
+                      </a:endParaRPr>
+                    </a:p>
+                  </a:txBody>
+                  <a:tcPr>
+                    <a:lnL w="12700" cap="flat" cmpd="sng" algn="ctr">
+                      <a:solidFill>
+                        <a:schemeClr val="tx1"/>
+                      </a:solidFill>
+                      <a:prstDash val="solid"/>
+                      <a:round/>
+                      <a:headEnd type="none" w="med" len="med"/>
+                      <a:tailEnd type="none" w="med" len="med"/>
+                    </a:lnL>
+                    <a:lnR w="12700" cap="flat" cmpd="sng" algn="ctr">
+                      <a:solidFill>
+                        <a:schemeClr val="tx1"/>
+                      </a:solidFill>
+                      <a:prstDash val="solid"/>
+                      <a:round/>
+                      <a:headEnd type="none" w="med" len="med"/>
+                      <a:tailEnd type="none" w="med" len="med"/>
+                    </a:lnR>
+                    <a:lnT w="12700" cap="flat" cmpd="sng" algn="ctr">
+                      <a:solidFill>
+                        <a:schemeClr val="tx1"/>
+                      </a:solidFill>
+                      <a:prstDash val="solid"/>
+                      <a:round/>
+                      <a:headEnd type="none" w="med" len="med"/>
+                      <a:tailEnd type="none" w="med" len="med"/>
+                    </a:lnT>
+                    <a:lnB w="12700" cap="flat" cmpd="sng" algn="ctr">
+                      <a:solidFill>
+                        <a:schemeClr val="tx1"/>
+                      </a:solidFill>
+                      <a:prstDash val="solid"/>
+                      <a:round/>
+                      <a:headEnd type="none" w="med" len="med"/>
+                      <a:tailEnd type="none" w="med" len="med"/>
+                    </a:lnB>
+                    <a:lnTlToBr w="12700" cmpd="sng">
+                      <a:noFill/>
+                      <a:prstDash val="solid"/>
+                    </a:lnTlToBr>
+                    <a:lnBlToTr w="12700" cmpd="sng">
+                      <a:noFill/>
+                      <a:prstDash val="solid"/>
+                    </a:lnBlToTr>
+                    <a:solidFill>
+                      <a:schemeClr val="bg2"/>
+                    </a:solidFill>
+                  </a:tcPr>
+                </a:tc>
+                <a:tc>
+                  <a:txBody>
+                    <a:bodyPr/>
+                    <a:lstStyle/>
+                    <a:p>
+                      <a:r>
+                        <a:rPr lang="en-US" dirty="0" smtClean="0">
+                          <a:solidFill>
+                            <a:schemeClr val="tx1"/>
+                          </a:solidFill>
+                        </a:rPr>
+                        <a:t>2</a:t>
+                      </a:r>
+                      <a:endParaRPr lang="en-US" dirty="0">
+                        <a:solidFill>
+                          <a:schemeClr val="tx1"/>
+                        </a:solidFill>
+                      </a:endParaRPr>
+                    </a:p>
+                  </a:txBody>
+                  <a:tcPr>
+                    <a:lnL w="12700" cap="flat" cmpd="sng" algn="ctr">
+                      <a:solidFill>
+                        <a:schemeClr val="tx1"/>
+                      </a:solidFill>
+                      <a:prstDash val="solid"/>
+                      <a:round/>
+                      <a:headEnd type="none" w="med" len="med"/>
+                      <a:tailEnd type="none" w="med" len="med"/>
+                    </a:lnL>
+                    <a:lnR w="12700" cap="flat" cmpd="sng" algn="ctr">
+                      <a:solidFill>
+                        <a:schemeClr val="tx1"/>
+                      </a:solidFill>
+                      <a:prstDash val="solid"/>
+                      <a:round/>
+                      <a:headEnd type="none" w="med" len="med"/>
+                      <a:tailEnd type="none" w="med" len="med"/>
+                    </a:lnR>
+                    <a:lnT w="12700" cap="flat" cmpd="sng" algn="ctr">
+                      <a:solidFill>
+                        <a:schemeClr val="tx1"/>
+                      </a:solidFill>
+                      <a:prstDash val="solid"/>
+                      <a:round/>
+                      <a:headEnd type="none" w="med" len="med"/>
+                      <a:tailEnd type="none" w="med" len="med"/>
+                    </a:lnT>
+                    <a:lnB w="12700" cap="flat" cmpd="sng" algn="ctr">
+                      <a:solidFill>
+                        <a:schemeClr val="tx1"/>
+                      </a:solidFill>
+                      <a:prstDash val="solid"/>
+                      <a:round/>
+                      <a:headEnd type="none" w="med" len="med"/>
+                      <a:tailEnd type="none" w="med" len="med"/>
+                    </a:lnB>
+                    <a:lnTlToBr w="12700" cmpd="sng">
+                      <a:noFill/>
+                      <a:prstDash val="solid"/>
+                    </a:lnTlToBr>
+                    <a:lnBlToTr w="12700" cmpd="sng">
+                      <a:noFill/>
+                      <a:prstDash val="solid"/>
+                    </a:lnBlToTr>
+                    <a:solidFill>
+                      <a:schemeClr val="bg2"/>
+                    </a:solidFill>
+                  </a:tcPr>
+                </a:tc>
+                <a:tc>
+                  <a:txBody>
+                    <a:bodyPr/>
+                    <a:lstStyle/>
+                    <a:p>
+                      <a:r>
+                        <a:rPr lang="en-US" dirty="0" smtClean="0">
+                          <a:solidFill>
+                            <a:schemeClr val="tx1"/>
+                          </a:solidFill>
+                        </a:rPr>
+                        <a:t>3</a:t>
+                      </a:r>
+                      <a:endParaRPr lang="en-US" dirty="0">
+                        <a:solidFill>
+                          <a:schemeClr val="tx1"/>
+                        </a:solidFill>
+                      </a:endParaRPr>
+                    </a:p>
+                  </a:txBody>
+                  <a:tcPr>
+                    <a:lnL w="12700" cap="flat" cmpd="sng" algn="ctr">
+                      <a:solidFill>
+                        <a:schemeClr val="tx1"/>
+                      </a:solidFill>
+                      <a:prstDash val="solid"/>
+                      <a:round/>
+                      <a:headEnd type="none" w="med" len="med"/>
+                      <a:tailEnd type="none" w="med" len="med"/>
+                    </a:lnL>
+                    <a:lnR w="12700" cap="flat" cmpd="sng" algn="ctr">
+                      <a:solidFill>
+                        <a:schemeClr val="tx1"/>
+                      </a:solidFill>
+                      <a:prstDash val="solid"/>
+                      <a:round/>
+                      <a:headEnd type="none" w="med" len="med"/>
+                      <a:tailEnd type="none" w="med" len="med"/>
+                    </a:lnR>
+                    <a:lnT w="12700" cap="flat" cmpd="sng" algn="ctr">
+                      <a:solidFill>
+                        <a:schemeClr val="tx1"/>
+                      </a:solidFill>
+                      <a:prstDash val="solid"/>
+                      <a:round/>
+                      <a:headEnd type="none" w="med" len="med"/>
+                      <a:tailEnd type="none" w="med" len="med"/>
+                    </a:lnT>
+                    <a:lnB w="12700" cap="flat" cmpd="sng" algn="ctr">
+                      <a:solidFill>
+                        <a:schemeClr val="tx1"/>
+                      </a:solidFill>
+                      <a:prstDash val="solid"/>
+                      <a:round/>
+                      <a:headEnd type="none" w="med" len="med"/>
+                      <a:tailEnd type="none" w="med" len="med"/>
+                    </a:lnB>
+                    <a:lnTlToBr w="12700" cmpd="sng">
+                      <a:noFill/>
+                      <a:prstDash val="solid"/>
+                    </a:lnTlToBr>
+                    <a:lnBlToTr w="12700" cmpd="sng">
+                      <a:noFill/>
+                      <a:prstDash val="solid"/>
+                    </a:lnBlToTr>
+                    <a:solidFill>
+                      <a:schemeClr val="bg2"/>
+                    </a:solidFill>
+                  </a:tcPr>
+                </a:tc>
+                <a:tc>
+                  <a:txBody>
+                    <a:bodyPr/>
+                    <a:lstStyle/>
+                    <a:p>
+                      <a:r>
+                        <a:rPr lang="en-US" dirty="0" smtClean="0">
+                          <a:solidFill>
+                            <a:schemeClr val="tx1"/>
+                          </a:solidFill>
+                        </a:rPr>
+                        <a:t>4</a:t>
+                      </a:r>
+                      <a:endParaRPr lang="en-US" dirty="0">
+                        <a:solidFill>
+                          <a:schemeClr val="tx1"/>
+                        </a:solidFill>
+                      </a:endParaRPr>
+                    </a:p>
+                  </a:txBody>
+                  <a:tcPr>
+                    <a:lnL w="12700" cap="flat" cmpd="sng" algn="ctr">
+                      <a:solidFill>
+                        <a:schemeClr val="tx1"/>
+                      </a:solidFill>
+                      <a:prstDash val="solid"/>
+                      <a:round/>
+                      <a:headEnd type="none" w="med" len="med"/>
+                      <a:tailEnd type="none" w="med" len="med"/>
+                    </a:lnL>
+                    <a:lnR w="12700" cap="flat" cmpd="sng" algn="ctr">
+                      <a:solidFill>
+                        <a:schemeClr val="tx1"/>
+                      </a:solidFill>
+                      <a:prstDash val="solid"/>
+                      <a:round/>
+                      <a:headEnd type="none" w="med" len="med"/>
+                      <a:tailEnd type="none" w="med" len="med"/>
+                    </a:lnR>
+                    <a:lnT w="12700" cap="flat" cmpd="sng" algn="ctr">
+                      <a:solidFill>
+                        <a:schemeClr val="tx1"/>
+                      </a:solidFill>
+                      <a:prstDash val="solid"/>
+                      <a:round/>
+                      <a:headEnd type="none" w="med" len="med"/>
+                      <a:tailEnd type="none" w="med" len="med"/>
+                    </a:lnT>
+                    <a:lnB w="12700" cap="flat" cmpd="sng" algn="ctr">
+                      <a:solidFill>
+                        <a:schemeClr val="tx1"/>
+                      </a:solidFill>
+                      <a:prstDash val="solid"/>
+                      <a:round/>
+                      <a:headEnd type="none" w="med" len="med"/>
+                      <a:tailEnd type="none" w="med" len="med"/>
+                    </a:lnB>
+                    <a:lnTlToBr w="12700" cmpd="sng">
+                      <a:noFill/>
+                      <a:prstDash val="solid"/>
+                    </a:lnTlToBr>
+                    <a:lnBlToTr w="12700" cmpd="sng">
+                      <a:noFill/>
+                      <a:prstDash val="solid"/>
+                    </a:lnBlToTr>
+                    <a:solidFill>
+                      <a:schemeClr val="bg2"/>
+                    </a:solidFill>
+                  </a:tcPr>
+                </a:tc>
+                <a:tc>
+                  <a:txBody>
+                    <a:bodyPr/>
+                    <a:lstStyle/>
+                    <a:p>
+                      <a:r>
+                        <a:rPr lang="en-US" dirty="0" smtClean="0">
+                          <a:solidFill>
+                            <a:schemeClr val="tx1"/>
+                          </a:solidFill>
+                        </a:rPr>
+                        <a:t>5</a:t>
+                      </a:r>
+                      <a:endParaRPr lang="en-US" dirty="0">
+                        <a:solidFill>
+                          <a:schemeClr val="tx1"/>
+                        </a:solidFill>
+                      </a:endParaRPr>
+                    </a:p>
+                  </a:txBody>
+                  <a:tcPr>
+                    <a:lnL w="12700" cap="flat" cmpd="sng" algn="ctr">
+                      <a:solidFill>
+                        <a:schemeClr val="tx1"/>
+                      </a:solidFill>
+                      <a:prstDash val="solid"/>
+                      <a:round/>
+                      <a:headEnd type="none" w="med" len="med"/>
+                      <a:tailEnd type="none" w="med" len="med"/>
+                    </a:lnL>
+                    <a:lnR w="12700" cap="flat" cmpd="sng" algn="ctr">
+                      <a:solidFill>
+                        <a:schemeClr val="tx1"/>
+                      </a:solidFill>
+                      <a:prstDash val="solid"/>
+                      <a:round/>
+                      <a:headEnd type="none" w="med" len="med"/>
+                      <a:tailEnd type="none" w="med" len="med"/>
+                    </a:lnR>
+                    <a:lnT w="12700" cap="flat" cmpd="sng" algn="ctr">
+                      <a:solidFill>
+                        <a:schemeClr val="tx1"/>
+                      </a:solidFill>
+                      <a:prstDash val="solid"/>
+                      <a:round/>
+                      <a:headEnd type="none" w="med" len="med"/>
+                      <a:tailEnd type="none" w="med" len="med"/>
+                    </a:lnT>
+                    <a:lnB w="12700" cap="flat" cmpd="sng" algn="ctr">
+                      <a:solidFill>
+                        <a:schemeClr val="tx1"/>
+                      </a:solidFill>
+                      <a:prstDash val="solid"/>
+                      <a:round/>
+                      <a:headEnd type="none" w="med" len="med"/>
+                      <a:tailEnd type="none" w="med" len="med"/>
+                    </a:lnB>
+                    <a:lnTlToBr w="12700" cmpd="sng">
+                      <a:noFill/>
+                      <a:prstDash val="solid"/>
+                    </a:lnTlToBr>
+                    <a:lnBlToTr w="12700" cmpd="sng">
+                      <a:noFill/>
+                      <a:prstDash val="solid"/>
+                    </a:lnBlToTr>
+                    <a:solidFill>
+                      <a:schemeClr val="bg2"/>
+                    </a:solidFill>
+                  </a:tcPr>
+                </a:tc>
+                <a:tc>
+                  <a:txBody>
+                    <a:bodyPr/>
+                    <a:lstStyle/>
+                    <a:p>
+                      <a:r>
+                        <a:rPr lang="en-US" dirty="0" smtClean="0">
+                          <a:solidFill>
+                            <a:schemeClr val="tx1"/>
+                          </a:solidFill>
+                        </a:rPr>
+                        <a:t>6</a:t>
+                      </a:r>
+                      <a:endParaRPr lang="en-US" dirty="0">
+                        <a:solidFill>
+                          <a:schemeClr val="tx1"/>
+                        </a:solidFill>
+                      </a:endParaRPr>
+                    </a:p>
+                  </a:txBody>
+                  <a:tcPr>
+                    <a:lnL w="12700" cap="flat" cmpd="sng" algn="ctr">
+                      <a:solidFill>
+                        <a:schemeClr val="tx1"/>
+                      </a:solidFill>
+                      <a:prstDash val="solid"/>
+                      <a:round/>
+                      <a:headEnd type="none" w="med" len="med"/>
+                      <a:tailEnd type="none" w="med" len="med"/>
+                    </a:lnL>
+                    <a:lnR w="12700" cap="flat" cmpd="sng" algn="ctr">
+                      <a:solidFill>
+                        <a:schemeClr val="tx1"/>
+                      </a:solidFill>
+                      <a:prstDash val="solid"/>
+                      <a:round/>
+                      <a:headEnd type="none" w="med" len="med"/>
+                      <a:tailEnd type="none" w="med" len="med"/>
+                    </a:lnR>
+                    <a:lnT w="12700" cap="flat" cmpd="sng" algn="ctr">
+                      <a:solidFill>
+                        <a:schemeClr val="tx1"/>
+                      </a:solidFill>
+                      <a:prstDash val="solid"/>
+                      <a:round/>
+                      <a:headEnd type="none" w="med" len="med"/>
+                      <a:tailEnd type="none" w="med" len="med"/>
+                    </a:lnT>
+                    <a:lnB w="12700" cap="flat" cmpd="sng" algn="ctr">
+                      <a:solidFill>
+                        <a:schemeClr val="tx1"/>
+                      </a:solidFill>
+                      <a:prstDash val="solid"/>
+                      <a:round/>
+                      <a:headEnd type="none" w="med" len="med"/>
+                      <a:tailEnd type="none" w="med" len="med"/>
+                    </a:lnB>
+                    <a:lnTlToBr w="12700" cmpd="sng">
+                      <a:noFill/>
+                      <a:prstDash val="solid"/>
+                    </a:lnTlToBr>
+                    <a:lnBlToTr w="12700" cmpd="sng">
+                      <a:noFill/>
+                      <a:prstDash val="solid"/>
+                    </a:lnBlToTr>
+                    <a:solidFill>
+                      <a:schemeClr val="bg2"/>
+                    </a:solidFill>
+                  </a:tcPr>
+                </a:tc>
+                <a:tc>
+                  <a:txBody>
+                    <a:bodyPr/>
+                    <a:lstStyle/>
+                    <a:p>
+                      <a:r>
+                        <a:rPr lang="en-US" dirty="0" smtClean="0">
+                          <a:solidFill>
+                            <a:schemeClr val="tx1"/>
+                          </a:solidFill>
+                        </a:rPr>
+                        <a:t>7</a:t>
+                      </a:r>
+                      <a:endParaRPr lang="en-US" dirty="0">
+                        <a:solidFill>
+                          <a:schemeClr val="tx1"/>
+                        </a:solidFill>
+                      </a:endParaRPr>
+                    </a:p>
+                  </a:txBody>
+                  <a:tcPr>
+                    <a:lnL w="12700" cap="flat" cmpd="sng" algn="ctr">
+                      <a:solidFill>
+                        <a:schemeClr val="tx1"/>
+                      </a:solidFill>
+                      <a:prstDash val="solid"/>
+                      <a:round/>
+                      <a:headEnd type="none" w="med" len="med"/>
+                      <a:tailEnd type="none" w="med" len="med"/>
+                    </a:lnL>
+                    <a:lnR w="12700" cap="flat" cmpd="sng" algn="ctr">
+                      <a:solidFill>
+                        <a:schemeClr val="tx1"/>
+                      </a:solidFill>
+                      <a:prstDash val="solid"/>
+                      <a:round/>
+                      <a:headEnd type="none" w="med" len="med"/>
+                      <a:tailEnd type="none" w="med" len="med"/>
+                    </a:lnR>
+                    <a:lnT w="12700" cap="flat" cmpd="sng" algn="ctr">
+                      <a:solidFill>
+                        <a:schemeClr val="tx1"/>
+                      </a:solidFill>
+                      <a:prstDash val="solid"/>
+                      <a:round/>
+                      <a:headEnd type="none" w="med" len="med"/>
+                      <a:tailEnd type="none" w="med" len="med"/>
+                    </a:lnT>
+                    <a:lnB w="12700" cap="flat" cmpd="sng" algn="ctr">
+                      <a:solidFill>
+                        <a:schemeClr val="tx1"/>
+                      </a:solidFill>
+                      <a:prstDash val="solid"/>
+                      <a:round/>
+                      <a:headEnd type="none" w="med" len="med"/>
+                      <a:tailEnd type="none" w="med" len="med"/>
+                    </a:lnB>
+                    <a:lnTlToBr w="12700" cmpd="sng">
+                      <a:noFill/>
+                      <a:prstDash val="solid"/>
+                    </a:lnTlToBr>
+                    <a:lnBlToTr w="12700" cmpd="sng">
+                      <a:noFill/>
+                      <a:prstDash val="solid"/>
+                    </a:lnBlToTr>
+                    <a:solidFill>
+                      <a:schemeClr val="bg2"/>
+                    </a:solidFill>
+                  </a:tcPr>
+                </a:tc>
+                <a:tc>
+                  <a:txBody>
+                    <a:bodyPr/>
+                    <a:lstStyle/>
+                    <a:p>
+                      <a:r>
+                        <a:rPr lang="en-US" dirty="0" smtClean="0">
+                          <a:solidFill>
+                            <a:schemeClr val="tx1"/>
+                          </a:solidFill>
+                        </a:rPr>
+                        <a:t>8</a:t>
+                      </a:r>
+                      <a:endParaRPr lang="en-US" dirty="0">
+                        <a:solidFill>
+                          <a:schemeClr val="tx1"/>
+                        </a:solidFill>
+                      </a:endParaRPr>
+                    </a:p>
+                  </a:txBody>
+                  <a:tcPr>
+                    <a:lnL w="12700" cap="flat" cmpd="sng" algn="ctr">
+                      <a:solidFill>
+                        <a:schemeClr val="tx1"/>
+                      </a:solidFill>
+                      <a:prstDash val="solid"/>
+                      <a:round/>
+                      <a:headEnd type="none" w="med" len="med"/>
+                      <a:tailEnd type="none" w="med" len="med"/>
+                    </a:lnL>
+                    <a:lnR w="12700" cap="flat" cmpd="sng" algn="ctr">
+                      <a:solidFill>
+                        <a:schemeClr val="tx1"/>
+                      </a:solidFill>
+                      <a:prstDash val="solid"/>
+                      <a:round/>
+                      <a:headEnd type="none" w="med" len="med"/>
+                      <a:tailEnd type="none" w="med" len="med"/>
+                    </a:lnR>
+                    <a:lnT w="12700" cap="flat" cmpd="sng" algn="ctr">
+                      <a:solidFill>
+                        <a:schemeClr val="tx1"/>
+                      </a:solidFill>
+                      <a:prstDash val="solid"/>
+                      <a:round/>
+                      <a:headEnd type="none" w="med" len="med"/>
+                      <a:tailEnd type="none" w="med" len="med"/>
+                    </a:lnT>
+                    <a:lnB w="12700" cap="flat" cmpd="sng" algn="ctr">
+                      <a:solidFill>
+                        <a:schemeClr val="tx1"/>
+                      </a:solidFill>
+                      <a:prstDash val="solid"/>
+                      <a:round/>
+                      <a:headEnd type="none" w="med" len="med"/>
+                      <a:tailEnd type="none" w="med" len="med"/>
+                    </a:lnB>
+                    <a:lnTlToBr w="12700" cmpd="sng">
+                      <a:noFill/>
+                      <a:prstDash val="solid"/>
+                    </a:lnTlToBr>
+                    <a:lnBlToTr w="12700" cmpd="sng">
+                      <a:noFill/>
+                      <a:prstDash val="solid"/>
+                    </a:lnBlToTr>
+                    <a:solidFill>
+                      <a:schemeClr val="bg2"/>
+                    </a:solidFill>
+                  </a:tcPr>
+                </a:tc>
+                <a:tc>
+                  <a:txBody>
+                    <a:bodyPr/>
+                    <a:lstStyle/>
+                    <a:p>
+                      <a:r>
+                        <a:rPr lang="en-US" dirty="0" smtClean="0">
+                          <a:solidFill>
+                            <a:schemeClr val="tx1"/>
+                          </a:solidFill>
+                        </a:rPr>
+                        <a:t>9</a:t>
+                      </a:r>
+                      <a:endParaRPr lang="en-US" dirty="0">
+                        <a:solidFill>
+                          <a:schemeClr val="tx1"/>
+                        </a:solidFill>
+                      </a:endParaRPr>
+                    </a:p>
+                  </a:txBody>
+                  <a:tcPr>
+                    <a:lnL w="12700" cap="flat" cmpd="sng" algn="ctr">
+                      <a:solidFill>
+                        <a:schemeClr val="tx1"/>
+                      </a:solidFill>
+                      <a:prstDash val="solid"/>
+                      <a:round/>
+                      <a:headEnd type="none" w="med" len="med"/>
+                      <a:tailEnd type="none" w="med" len="med"/>
+                    </a:lnL>
+                    <a:lnR w="12700" cap="flat" cmpd="sng" algn="ctr">
+                      <a:solidFill>
+                        <a:schemeClr val="tx1"/>
+                      </a:solidFill>
+                      <a:prstDash val="solid"/>
+                      <a:round/>
+                      <a:headEnd type="none" w="med" len="med"/>
+                      <a:tailEnd type="none" w="med" len="med"/>
+                    </a:lnR>
+                    <a:lnT w="12700" cap="flat" cmpd="sng" algn="ctr">
+                      <a:solidFill>
+                        <a:schemeClr val="tx1"/>
+                      </a:solidFill>
+                      <a:prstDash val="solid"/>
+                      <a:round/>
+                      <a:headEnd type="none" w="med" len="med"/>
+                      <a:tailEnd type="none" w="med" len="med"/>
+                    </a:lnT>
+                    <a:lnB w="12700" cap="flat" cmpd="sng" algn="ctr">
+                      <a:solidFill>
+                        <a:schemeClr val="tx1"/>
+                      </a:solidFill>
+                      <a:prstDash val="solid"/>
+                      <a:round/>
+                      <a:headEnd type="none" w="med" len="med"/>
+                      <a:tailEnd type="none" w="med" len="med"/>
+                    </a:lnB>
+                    <a:lnTlToBr w="12700" cmpd="sng">
+                      <a:noFill/>
+                      <a:prstDash val="solid"/>
+                    </a:lnTlToBr>
+                    <a:lnBlToTr w="12700" cmpd="sng">
+                      <a:noFill/>
+                      <a:prstDash val="solid"/>
+                    </a:lnBlToTr>
+                    <a:solidFill>
+                      <a:schemeClr val="bg2"/>
+                    </a:solidFill>
+                  </a:tcPr>
+                </a:tc>
+                <a:extLst>
+                  <a:ext uri="{0D108BD9-81ED-4DB2-BD59-A6C34878D82A}">
+                    <a16:rowId xmlns:a16="http://schemas.microsoft.com/office/drawing/2014/main" val="1950698003"/>
+                  </a:ext>
+                </a:extLst>
+              </a:tr>
+            </a:tbl>
+          </a:graphicData>
+        </a:graphic>
+      </p:graphicFrame>
+      <p:graphicFrame>
+        <p:nvGraphicFramePr>
+          <p:cNvPr id="8" name="Table 7"/>
+          <p:cNvGraphicFramePr>
+            <a:graphicFrameLocks noGrp="1"/>
+          </p:cNvGraphicFramePr>
+          <p:nvPr>
+            <p:extLst>
+              <p:ext uri="{D42A27DB-BD31-4B8C-83A1-F6EECF244321}">
+                <p14:modId xmlns:p14="http://schemas.microsoft.com/office/powerpoint/2010/main" val="2775692439"/>
+              </p:ext>
+            </p:extLst>
+          </p:nvPr>
+        </p:nvGraphicFramePr>
+        <p:xfrm>
+          <a:off x="304800" y="1678941"/>
+          <a:ext cx="2819400" cy="365760"/>
+        </p:xfrm>
+        <a:graphic>
+          <a:graphicData uri="http://schemas.openxmlformats.org/drawingml/2006/table">
+            <a:tbl>
+              <a:tblPr firstRow="1" bandRow="1">
+                <a:tableStyleId>{5C22544A-7EE6-4342-B048-85BDC9FD1C3A}</a:tableStyleId>
+              </a:tblPr>
+              <a:tblGrid>
+                <a:gridCol w="281940">
+                  <a:extLst>
+                    <a:ext uri="{9D8B030D-6E8A-4147-A177-3AD203B41FA5}">
+                      <a16:colId xmlns:a16="http://schemas.microsoft.com/office/drawing/2014/main" val="3630915480"/>
+                    </a:ext>
+                  </a:extLst>
+                </a:gridCol>
+                <a:gridCol w="281940">
+                  <a:extLst>
+                    <a:ext uri="{9D8B030D-6E8A-4147-A177-3AD203B41FA5}">
+                      <a16:colId xmlns:a16="http://schemas.microsoft.com/office/drawing/2014/main" val="4098211831"/>
+                    </a:ext>
+                  </a:extLst>
+                </a:gridCol>
+                <a:gridCol w="281940">
+                  <a:extLst>
+                    <a:ext uri="{9D8B030D-6E8A-4147-A177-3AD203B41FA5}">
+                      <a16:colId xmlns:a16="http://schemas.microsoft.com/office/drawing/2014/main" val="1117307570"/>
+                    </a:ext>
+                  </a:extLst>
+                </a:gridCol>
+                <a:gridCol w="281940">
+                  <a:extLst>
+                    <a:ext uri="{9D8B030D-6E8A-4147-A177-3AD203B41FA5}">
+                      <a16:colId xmlns:a16="http://schemas.microsoft.com/office/drawing/2014/main" val="1925104477"/>
+                    </a:ext>
+                  </a:extLst>
+                </a:gridCol>
+                <a:gridCol w="281940">
+                  <a:extLst>
+                    <a:ext uri="{9D8B030D-6E8A-4147-A177-3AD203B41FA5}">
+                      <a16:colId xmlns:a16="http://schemas.microsoft.com/office/drawing/2014/main" val="3344872411"/>
+                    </a:ext>
+                  </a:extLst>
+                </a:gridCol>
+                <a:gridCol w="281940">
+                  <a:extLst>
+                    <a:ext uri="{9D8B030D-6E8A-4147-A177-3AD203B41FA5}">
+                      <a16:colId xmlns:a16="http://schemas.microsoft.com/office/drawing/2014/main" val="3635943143"/>
+                    </a:ext>
+                  </a:extLst>
+                </a:gridCol>
+                <a:gridCol w="281940">
+                  <a:extLst>
+                    <a:ext uri="{9D8B030D-6E8A-4147-A177-3AD203B41FA5}">
+                      <a16:colId xmlns:a16="http://schemas.microsoft.com/office/drawing/2014/main" val="3863310246"/>
+                    </a:ext>
+                  </a:extLst>
+                </a:gridCol>
+                <a:gridCol w="281940">
+                  <a:extLst>
+                    <a:ext uri="{9D8B030D-6E8A-4147-A177-3AD203B41FA5}">
+                      <a16:colId xmlns:a16="http://schemas.microsoft.com/office/drawing/2014/main" val="2680879258"/>
+                    </a:ext>
+                  </a:extLst>
+                </a:gridCol>
+                <a:gridCol w="281940">
+                  <a:extLst>
+                    <a:ext uri="{9D8B030D-6E8A-4147-A177-3AD203B41FA5}">
+                      <a16:colId xmlns:a16="http://schemas.microsoft.com/office/drawing/2014/main" val="2566427741"/>
+                    </a:ext>
+                  </a:extLst>
+                </a:gridCol>
+                <a:gridCol w="281940">
+                  <a:extLst>
+                    <a:ext uri="{9D8B030D-6E8A-4147-A177-3AD203B41FA5}">
+                      <a16:colId xmlns:a16="http://schemas.microsoft.com/office/drawing/2014/main" val="2722356078"/>
+                    </a:ext>
+                  </a:extLst>
+                </a:gridCol>
+              </a:tblGrid>
+              <a:tr h="355600">
+                <a:tc>
+                  <a:txBody>
+                    <a:bodyPr/>
+                    <a:lstStyle/>
+                    <a:p>
+                      <a:endParaRPr lang="en-US" dirty="0">
+                        <a:solidFill>
+                          <a:schemeClr val="tx1"/>
+                        </a:solidFill>
+                      </a:endParaRPr>
+                    </a:p>
+                  </a:txBody>
+                  <a:tcPr>
+                    <a:lnL w="12700" cap="flat" cmpd="sng" algn="ctr">
+                      <a:solidFill>
+                        <a:schemeClr val="tx1"/>
+                      </a:solidFill>
+                      <a:prstDash val="solid"/>
+                      <a:round/>
+                      <a:headEnd type="none" w="med" len="med"/>
+                      <a:tailEnd type="none" w="med" len="med"/>
+                    </a:lnL>
+                    <a:lnR w="12700" cap="flat" cmpd="sng" algn="ctr">
+                      <a:solidFill>
+                        <a:schemeClr val="tx1"/>
+                      </a:solidFill>
+                      <a:prstDash val="solid"/>
+                      <a:round/>
+                      <a:headEnd type="none" w="med" len="med"/>
+                      <a:tailEnd type="none" w="med" len="med"/>
+                    </a:lnR>
+                    <a:lnT w="12700" cap="flat" cmpd="sng" algn="ctr">
+                      <a:solidFill>
+                        <a:schemeClr val="tx1"/>
+                      </a:solidFill>
+                      <a:prstDash val="solid"/>
+                      <a:round/>
+                      <a:headEnd type="none" w="med" len="med"/>
+                      <a:tailEnd type="none" w="med" len="med"/>
+                    </a:lnT>
+                    <a:lnB w="12700" cap="flat" cmpd="sng" algn="ctr">
+                      <a:solidFill>
+                        <a:schemeClr val="tx1"/>
+                      </a:solidFill>
+                      <a:prstDash val="solid"/>
+                      <a:round/>
+                      <a:headEnd type="none" w="med" len="med"/>
+                      <a:tailEnd type="none" w="med" len="med"/>
+                    </a:lnB>
+                    <a:solidFill>
+                      <a:schemeClr val="bg2"/>
+                    </a:solidFill>
+                  </a:tcPr>
+                </a:tc>
+                <a:tc>
+                  <a:txBody>
+                    <a:bodyPr/>
+                    <a:lstStyle/>
+                    <a:p>
+                      <a:endParaRPr lang="en-US">
+                        <a:solidFill>
+                          <a:schemeClr val="tx1"/>
+                        </a:solidFill>
+                      </a:endParaRPr>
+                    </a:p>
+                  </a:txBody>
+                  <a:tcPr>
+                    <a:lnL w="12700" cap="flat" cmpd="sng" algn="ctr">
+                      <a:solidFill>
+                        <a:schemeClr val="tx1"/>
+                      </a:solidFill>
+                      <a:prstDash val="solid"/>
+                      <a:round/>
+                      <a:headEnd type="none" w="med" len="med"/>
+                      <a:tailEnd type="none" w="med" len="med"/>
+                    </a:lnL>
+                    <a:lnR w="12700" cap="flat" cmpd="sng" algn="ctr">
+                      <a:solidFill>
+                        <a:schemeClr val="tx1"/>
+                      </a:solidFill>
+                      <a:prstDash val="solid"/>
+                      <a:round/>
+                      <a:headEnd type="none" w="med" len="med"/>
+                      <a:tailEnd type="none" w="med" len="med"/>
+                    </a:lnR>
+                    <a:lnT w="12700" cap="flat" cmpd="sng" algn="ctr">
+                      <a:solidFill>
+                        <a:schemeClr val="tx1"/>
+                      </a:solidFill>
+                      <a:prstDash val="solid"/>
+                      <a:round/>
+                      <a:headEnd type="none" w="med" len="med"/>
+                      <a:tailEnd type="none" w="med" len="med"/>
+                    </a:lnT>
+                    <a:lnB w="12700" cap="flat" cmpd="sng" algn="ctr">
+                      <a:solidFill>
+                        <a:schemeClr val="tx1"/>
+                      </a:solidFill>
+                      <a:prstDash val="solid"/>
+                      <a:round/>
+                      <a:headEnd type="none" w="med" len="med"/>
+                      <a:tailEnd type="none" w="med" len="med"/>
+                    </a:lnB>
+                    <a:solidFill>
+                      <a:schemeClr val="bg2"/>
+                    </a:solidFill>
+                  </a:tcPr>
+                </a:tc>
+                <a:tc>
+                  <a:txBody>
+                    <a:bodyPr/>
+                    <a:lstStyle/>
+                    <a:p>
+                      <a:endParaRPr lang="en-US">
+                        <a:solidFill>
+                          <a:schemeClr val="tx1"/>
+                        </a:solidFill>
+                      </a:endParaRPr>
+                    </a:p>
+                  </a:txBody>
+                  <a:tcPr>
+                    <a:lnL w="12700" cap="flat" cmpd="sng" algn="ctr">
+                      <a:solidFill>
+                        <a:schemeClr val="tx1"/>
+                      </a:solidFill>
+                      <a:prstDash val="solid"/>
+                      <a:round/>
+                      <a:headEnd type="none" w="med" len="med"/>
+                      <a:tailEnd type="none" w="med" len="med"/>
+                    </a:lnL>
+                    <a:lnR w="12700" cap="flat" cmpd="sng" algn="ctr">
+                      <a:solidFill>
+                        <a:schemeClr val="tx1"/>
+                      </a:solidFill>
+                      <a:prstDash val="solid"/>
+                      <a:round/>
+                      <a:headEnd type="none" w="med" len="med"/>
+                      <a:tailEnd type="none" w="med" len="med"/>
+                    </a:lnR>
+                    <a:lnT w="12700" cap="flat" cmpd="sng" algn="ctr">
+                      <a:solidFill>
+                        <a:schemeClr val="tx1"/>
+                      </a:solidFill>
+                      <a:prstDash val="solid"/>
+                      <a:round/>
+                      <a:headEnd type="none" w="med" len="med"/>
+                      <a:tailEnd type="none" w="med" len="med"/>
+                    </a:lnT>
+                    <a:lnB w="12700" cap="flat" cmpd="sng" algn="ctr">
+                      <a:solidFill>
+                        <a:schemeClr val="tx1"/>
+                      </a:solidFill>
+                      <a:prstDash val="solid"/>
+                      <a:round/>
+                      <a:headEnd type="none" w="med" len="med"/>
+                      <a:tailEnd type="none" w="med" len="med"/>
+                    </a:lnB>
+                    <a:solidFill>
+                      <a:schemeClr val="bg2"/>
+                    </a:solidFill>
+                  </a:tcPr>
+                </a:tc>
+                <a:tc>
+                  <a:txBody>
+                    <a:bodyPr/>
+                    <a:lstStyle/>
+                    <a:p>
+                      <a:endParaRPr lang="en-US">
+                        <a:solidFill>
+                          <a:schemeClr val="tx1"/>
+                        </a:solidFill>
+                      </a:endParaRPr>
+                    </a:p>
+                  </a:txBody>
+                  <a:tcPr>
+                    <a:lnL w="12700" cap="flat" cmpd="sng" algn="ctr">
+                      <a:solidFill>
+                        <a:schemeClr val="tx1"/>
+                      </a:solidFill>
+                      <a:prstDash val="solid"/>
+                      <a:round/>
+                      <a:headEnd type="none" w="med" len="med"/>
+                      <a:tailEnd type="none" w="med" len="med"/>
+                    </a:lnL>
+                    <a:lnR w="12700" cap="flat" cmpd="sng" algn="ctr">
+                      <a:solidFill>
+                        <a:schemeClr val="tx1"/>
+                      </a:solidFill>
+                      <a:prstDash val="solid"/>
+                      <a:round/>
+                      <a:headEnd type="none" w="med" len="med"/>
+                      <a:tailEnd type="none" w="med" len="med"/>
+                    </a:lnR>
+                    <a:lnT w="12700" cap="flat" cmpd="sng" algn="ctr">
+                      <a:solidFill>
+                        <a:schemeClr val="tx1"/>
+                      </a:solidFill>
+                      <a:prstDash val="solid"/>
+                      <a:round/>
+                      <a:headEnd type="none" w="med" len="med"/>
+                      <a:tailEnd type="none" w="med" len="med"/>
+                    </a:lnT>
+                    <a:lnB w="12700" cap="flat" cmpd="sng" algn="ctr">
+                      <a:solidFill>
+                        <a:schemeClr val="tx1"/>
+                      </a:solidFill>
+                      <a:prstDash val="solid"/>
+                      <a:round/>
+                      <a:headEnd type="none" w="med" len="med"/>
+                      <a:tailEnd type="none" w="med" len="med"/>
+                    </a:lnB>
+                    <a:solidFill>
+                      <a:schemeClr val="bg2"/>
+                    </a:solidFill>
+                  </a:tcPr>
+                </a:tc>
+                <a:tc>
+                  <a:txBody>
+                    <a:bodyPr/>
+                    <a:lstStyle/>
+                    <a:p>
+                      <a:endParaRPr lang="en-US">
+                        <a:solidFill>
+                          <a:schemeClr val="tx1"/>
+                        </a:solidFill>
+                      </a:endParaRPr>
+                    </a:p>
+                  </a:txBody>
+                  <a:tcPr>
+                    <a:lnL w="12700" cap="flat" cmpd="sng" algn="ctr">
+                      <a:solidFill>
+                        <a:schemeClr val="tx1"/>
+                      </a:solidFill>
+                      <a:prstDash val="solid"/>
+                      <a:round/>
+                      <a:headEnd type="none" w="med" len="med"/>
+                      <a:tailEnd type="none" w="med" len="med"/>
+                    </a:lnL>
+                    <a:lnR w="12700" cap="flat" cmpd="sng" algn="ctr">
+                      <a:solidFill>
+                        <a:schemeClr val="tx1"/>
+                      </a:solidFill>
+                      <a:prstDash val="solid"/>
+                      <a:round/>
+                      <a:headEnd type="none" w="med" len="med"/>
+                      <a:tailEnd type="none" w="med" len="med"/>
+                    </a:lnR>
+                    <a:lnT w="12700" cap="flat" cmpd="sng" algn="ctr">
+                      <a:solidFill>
+                        <a:schemeClr val="tx1"/>
+                      </a:solidFill>
+                      <a:prstDash val="solid"/>
+                      <a:round/>
+                      <a:headEnd type="none" w="med" len="med"/>
+                      <a:tailEnd type="none" w="med" len="med"/>
+                    </a:lnT>
+                    <a:lnB w="12700" cap="flat" cmpd="sng" algn="ctr">
+                      <a:solidFill>
+                        <a:schemeClr val="tx1"/>
+                      </a:solidFill>
+                      <a:prstDash val="solid"/>
+                      <a:round/>
+                      <a:headEnd type="none" w="med" len="med"/>
+                      <a:tailEnd type="none" w="med" len="med"/>
+                    </a:lnB>
+                    <a:solidFill>
+                      <a:schemeClr val="bg2"/>
+                    </a:solidFill>
+                  </a:tcPr>
+                </a:tc>
+                <a:tc>
+                  <a:txBody>
+                    <a:bodyPr/>
+                    <a:lstStyle/>
+                    <a:p>
+                      <a:endParaRPr lang="en-US">
+                        <a:solidFill>
+                          <a:schemeClr val="tx1"/>
+                        </a:solidFill>
+                      </a:endParaRPr>
+                    </a:p>
+                  </a:txBody>
+                  <a:tcPr>
+                    <a:lnL w="12700" cap="flat" cmpd="sng" algn="ctr">
+                      <a:solidFill>
+                        <a:schemeClr val="tx1"/>
+                      </a:solidFill>
+                      <a:prstDash val="solid"/>
+                      <a:round/>
+                      <a:headEnd type="none" w="med" len="med"/>
+                      <a:tailEnd type="none" w="med" len="med"/>
+                    </a:lnL>
+                    <a:lnR w="12700" cap="flat" cmpd="sng" algn="ctr">
+                      <a:solidFill>
+                        <a:schemeClr val="tx1"/>
+                      </a:solidFill>
+                      <a:prstDash val="solid"/>
+                      <a:round/>
+                      <a:headEnd type="none" w="med" len="med"/>
+                      <a:tailEnd type="none" w="med" len="med"/>
+                    </a:lnR>
+                    <a:lnT w="12700" cap="flat" cmpd="sng" algn="ctr">
+                      <a:solidFill>
+                        <a:schemeClr val="tx1"/>
+                      </a:solidFill>
+                      <a:prstDash val="solid"/>
+                      <a:round/>
+                      <a:headEnd type="none" w="med" len="med"/>
+                      <a:tailEnd type="none" w="med" len="med"/>
+                    </a:lnT>
+                    <a:lnB w="12700" cap="flat" cmpd="sng" algn="ctr">
+                      <a:solidFill>
+                        <a:schemeClr val="tx1"/>
+                      </a:solidFill>
+                      <a:prstDash val="solid"/>
+                      <a:round/>
+                      <a:headEnd type="none" w="med" len="med"/>
+                      <a:tailEnd type="none" w="med" len="med"/>
+                    </a:lnB>
+                    <a:solidFill>
+                      <a:schemeClr val="bg2"/>
+                    </a:solidFill>
+                  </a:tcPr>
+                </a:tc>
+                <a:tc>
+                  <a:txBody>
+                    <a:bodyPr/>
+                    <a:lstStyle/>
+                    <a:p>
+                      <a:endParaRPr lang="en-US">
+                        <a:solidFill>
+                          <a:schemeClr val="tx1"/>
+                        </a:solidFill>
+                      </a:endParaRPr>
+                    </a:p>
+                  </a:txBody>
+                  <a:tcPr>
+                    <a:lnL w="12700" cap="flat" cmpd="sng" algn="ctr">
+                      <a:solidFill>
+                        <a:schemeClr val="tx1"/>
+                      </a:solidFill>
+                      <a:prstDash val="solid"/>
+                      <a:round/>
+                      <a:headEnd type="none" w="med" len="med"/>
+                      <a:tailEnd type="none" w="med" len="med"/>
+                    </a:lnL>
+                    <a:lnR w="12700" cap="flat" cmpd="sng" algn="ctr">
+                      <a:solidFill>
+                        <a:schemeClr val="tx1"/>
+                      </a:solidFill>
+                      <a:prstDash val="solid"/>
+                      <a:round/>
+                      <a:headEnd type="none" w="med" len="med"/>
+                      <a:tailEnd type="none" w="med" len="med"/>
+                    </a:lnR>
+                    <a:lnT w="12700" cap="flat" cmpd="sng" algn="ctr">
+                      <a:solidFill>
+                        <a:schemeClr val="tx1"/>
+                      </a:solidFill>
+                      <a:prstDash val="solid"/>
+                      <a:round/>
+                      <a:headEnd type="none" w="med" len="med"/>
+                      <a:tailEnd type="none" w="med" len="med"/>
+                    </a:lnT>
+                    <a:lnB w="12700" cap="flat" cmpd="sng" algn="ctr">
+                      <a:solidFill>
+                        <a:schemeClr val="tx1"/>
+                      </a:solidFill>
+                      <a:prstDash val="solid"/>
+                      <a:round/>
+                      <a:headEnd type="none" w="med" len="med"/>
+                      <a:tailEnd type="none" w="med" len="med"/>
+                    </a:lnB>
+                    <a:solidFill>
+                      <a:schemeClr val="bg2"/>
+                    </a:solidFill>
+                  </a:tcPr>
+                </a:tc>
+                <a:tc>
+                  <a:txBody>
+                    <a:bodyPr/>
+                    <a:lstStyle/>
+                    <a:p>
+                      <a:endParaRPr lang="en-US" dirty="0">
+                        <a:solidFill>
+                          <a:schemeClr val="tx1"/>
+                        </a:solidFill>
+                      </a:endParaRPr>
+                    </a:p>
+                  </a:txBody>
+                  <a:tcPr>
+                    <a:lnL w="12700" cap="flat" cmpd="sng" algn="ctr">
+                      <a:solidFill>
+                        <a:schemeClr val="tx1"/>
+                      </a:solidFill>
+                      <a:prstDash val="solid"/>
+                      <a:round/>
+                      <a:headEnd type="none" w="med" len="med"/>
+                      <a:tailEnd type="none" w="med" len="med"/>
+                    </a:lnL>
+                    <a:lnR w="12700" cap="flat" cmpd="sng" algn="ctr">
+                      <a:solidFill>
+                        <a:schemeClr val="tx1"/>
+                      </a:solidFill>
+                      <a:prstDash val="solid"/>
+                      <a:round/>
+                      <a:headEnd type="none" w="med" len="med"/>
+                      <a:tailEnd type="none" w="med" len="med"/>
+                    </a:lnR>
+                    <a:lnT w="12700" cap="flat" cmpd="sng" algn="ctr">
+                      <a:solidFill>
+                        <a:schemeClr val="tx1"/>
+                      </a:solidFill>
+                      <a:prstDash val="solid"/>
+                      <a:round/>
+                      <a:headEnd type="none" w="med" len="med"/>
+                      <a:tailEnd type="none" w="med" len="med"/>
+                    </a:lnT>
+                    <a:lnB w="12700" cap="flat" cmpd="sng" algn="ctr">
+                      <a:solidFill>
+                        <a:schemeClr val="tx1"/>
+                      </a:solidFill>
+                      <a:prstDash val="solid"/>
+                      <a:round/>
+                      <a:headEnd type="none" w="med" len="med"/>
+                      <a:tailEnd type="none" w="med" len="med"/>
+                    </a:lnB>
+                    <a:solidFill>
+                      <a:schemeClr val="bg2"/>
+                    </a:solidFill>
+                  </a:tcPr>
+                </a:tc>
+                <a:tc>
+                  <a:txBody>
+                    <a:bodyPr/>
+                    <a:lstStyle/>
+                    <a:p>
+                      <a:endParaRPr lang="en-US" dirty="0">
+                        <a:solidFill>
+                          <a:schemeClr val="tx1"/>
+                        </a:solidFill>
+                      </a:endParaRPr>
+                    </a:p>
+                  </a:txBody>
+                  <a:tcPr>
+                    <a:lnL w="12700" cap="flat" cmpd="sng" algn="ctr">
+                      <a:solidFill>
+                        <a:schemeClr val="tx1"/>
+                      </a:solidFill>
+                      <a:prstDash val="solid"/>
+                      <a:round/>
+                      <a:headEnd type="none" w="med" len="med"/>
+                      <a:tailEnd type="none" w="med" len="med"/>
+                    </a:lnL>
+                    <a:lnR w="12700" cap="flat" cmpd="sng" algn="ctr">
+                      <a:solidFill>
+                        <a:schemeClr val="tx1"/>
+                      </a:solidFill>
+                      <a:prstDash val="solid"/>
+                      <a:round/>
+                      <a:headEnd type="none" w="med" len="med"/>
+                      <a:tailEnd type="none" w="med" len="med"/>
+                    </a:lnR>
+                    <a:lnT w="12700" cap="flat" cmpd="sng" algn="ctr">
+                      <a:solidFill>
+                        <a:schemeClr val="tx1"/>
+                      </a:solidFill>
+                      <a:prstDash val="solid"/>
+                      <a:round/>
+                      <a:headEnd type="none" w="med" len="med"/>
+                      <a:tailEnd type="none" w="med" len="med"/>
+                    </a:lnT>
+                    <a:lnB w="12700" cap="flat" cmpd="sng" algn="ctr">
+                      <a:solidFill>
+                        <a:schemeClr val="tx1"/>
+                      </a:solidFill>
+                      <a:prstDash val="solid"/>
+                      <a:round/>
+                      <a:headEnd type="none" w="med" len="med"/>
+                      <a:tailEnd type="none" w="med" len="med"/>
+                    </a:lnB>
+                    <a:solidFill>
+                      <a:schemeClr val="bg2"/>
+                    </a:solidFill>
+                  </a:tcPr>
+                </a:tc>
+                <a:tc>
+                  <a:txBody>
+                    <a:bodyPr/>
+                    <a:lstStyle/>
+                    <a:p>
+                      <a:endParaRPr lang="en-US" dirty="0">
+                        <a:solidFill>
+                          <a:schemeClr val="tx1"/>
+                        </a:solidFill>
+                      </a:endParaRPr>
+                    </a:p>
+                  </a:txBody>
+                  <a:tcPr>
+                    <a:lnL w="12700" cap="flat" cmpd="sng" algn="ctr">
+                      <a:solidFill>
+                        <a:schemeClr val="tx1"/>
+                      </a:solidFill>
+                      <a:prstDash val="solid"/>
+                      <a:round/>
+                      <a:headEnd type="none" w="med" len="med"/>
+                      <a:tailEnd type="none" w="med" len="med"/>
+                    </a:lnL>
+                    <a:lnR w="12700" cap="flat" cmpd="sng" algn="ctr">
+                      <a:solidFill>
+                        <a:schemeClr val="tx1"/>
+                      </a:solidFill>
+                      <a:prstDash val="solid"/>
+                      <a:round/>
+                      <a:headEnd type="none" w="med" len="med"/>
+                      <a:tailEnd type="none" w="med" len="med"/>
+                    </a:lnR>
+                    <a:lnT w="12700" cap="flat" cmpd="sng" algn="ctr">
+                      <a:solidFill>
+                        <a:schemeClr val="tx1"/>
+                      </a:solidFill>
+                      <a:prstDash val="solid"/>
+                      <a:round/>
+                      <a:headEnd type="none" w="med" len="med"/>
+                      <a:tailEnd type="none" w="med" len="med"/>
+                    </a:lnT>
+                    <a:lnB w="12700" cap="flat" cmpd="sng" algn="ctr">
+                      <a:solidFill>
+                        <a:schemeClr val="tx1"/>
+                      </a:solidFill>
+                      <a:prstDash val="solid"/>
+                      <a:round/>
+                      <a:headEnd type="none" w="med" len="med"/>
+                      <a:tailEnd type="none" w="med" len="med"/>
+                    </a:lnB>
+                    <a:solidFill>
+                      <a:schemeClr val="bg2"/>
+                    </a:solidFill>
+                  </a:tcPr>
+                </a:tc>
+                <a:extLst>
+                  <a:ext uri="{0D108BD9-81ED-4DB2-BD59-A6C34878D82A}">
+                    <a16:rowId xmlns:a16="http://schemas.microsoft.com/office/drawing/2014/main" val="369015530"/>
+                  </a:ext>
+                </a:extLst>
+              </a:tr>
+            </a:tbl>
+          </a:graphicData>
+        </a:graphic>
+      </p:graphicFrame>
+      <p:cxnSp>
+        <p:nvCxnSpPr>
+          <p:cNvPr id="10" name="Straight Connector 9"/>
+          <p:cNvCxnSpPr>
+            <a:endCxn id="4" idx="2"/>
+          </p:cNvCxnSpPr>
+          <p:nvPr/>
+        </p:nvCxnSpPr>
+        <p:spPr>
+          <a:xfrm>
+            <a:off x="4419600" y="1066800"/>
+            <a:ext cx="0" cy="3474720"/>
+          </a:xfrm>
+          <a:prstGeom prst="line">
+            <a:avLst/>
+          </a:prstGeom>
+        </p:spPr>
+        <p:style>
+          <a:lnRef idx="1">
+            <a:schemeClr val="accent1"/>
+          </a:lnRef>
+          <a:fillRef idx="0">
+            <a:schemeClr val="accent1"/>
+          </a:fillRef>
+          <a:effectRef idx="0">
+            <a:schemeClr val="accent1"/>
+          </a:effectRef>
+          <a:fontRef idx="minor">
+            <a:schemeClr val="tx1"/>
+          </a:fontRef>
+        </p:style>
+      </p:cxnSp>
+      <p:graphicFrame>
+        <p:nvGraphicFramePr>
+          <p:cNvPr id="11" name="Table 10"/>
+          <p:cNvGraphicFramePr>
+            <a:graphicFrameLocks noGrp="1"/>
+          </p:cNvGraphicFramePr>
+          <p:nvPr>
+            <p:extLst>
+              <p:ext uri="{D42A27DB-BD31-4B8C-83A1-F6EECF244321}">
+                <p14:modId xmlns:p14="http://schemas.microsoft.com/office/powerpoint/2010/main" val="3801402053"/>
+              </p:ext>
+            </p:extLst>
+          </p:nvPr>
+        </p:nvGraphicFramePr>
+        <p:xfrm>
+          <a:off x="4533899" y="1639773"/>
+          <a:ext cx="457200" cy="365760"/>
+        </p:xfrm>
+        <a:graphic>
+          <a:graphicData uri="http://schemas.openxmlformats.org/drawingml/2006/table">
+            <a:tbl>
+              <a:tblPr firstRow="1" bandRow="1">
+                <a:tableStyleId>{5C22544A-7EE6-4342-B048-85BDC9FD1C3A}</a:tableStyleId>
+              </a:tblPr>
+              <a:tblGrid>
+                <a:gridCol w="457200">
+                  <a:extLst>
+                    <a:ext uri="{9D8B030D-6E8A-4147-A177-3AD203B41FA5}">
+                      <a16:colId xmlns:a16="http://schemas.microsoft.com/office/drawing/2014/main" val="4043133588"/>
+                    </a:ext>
+                  </a:extLst>
+                </a:gridCol>
+              </a:tblGrid>
+              <a:tr h="355600">
+                <a:tc>
+                  <a:txBody>
+                    <a:bodyPr/>
+                    <a:lstStyle/>
+                    <a:p>
+                      <a:endParaRPr lang="en-US" dirty="0">
+                        <a:solidFill>
+                          <a:schemeClr val="tx1"/>
+                        </a:solidFill>
+                      </a:endParaRPr>
+                    </a:p>
+                  </a:txBody>
+                  <a:tcPr>
+                    <a:lnL w="12700" cap="flat" cmpd="sng" algn="ctr">
+                      <a:solidFill>
+                        <a:schemeClr val="tx1"/>
+                      </a:solidFill>
+                      <a:prstDash val="solid"/>
+                      <a:round/>
+                      <a:headEnd type="none" w="med" len="med"/>
+                      <a:tailEnd type="none" w="med" len="med"/>
+                    </a:lnL>
+                    <a:lnR w="12700" cap="flat" cmpd="sng" algn="ctr">
+                      <a:solidFill>
+                        <a:schemeClr val="tx1"/>
+                      </a:solidFill>
+                      <a:prstDash val="solid"/>
+                      <a:round/>
+                      <a:headEnd type="none" w="med" len="med"/>
+                      <a:tailEnd type="none" w="med" len="med"/>
+                    </a:lnR>
+                    <a:lnT w="12700" cap="flat" cmpd="sng" algn="ctr">
+                      <a:solidFill>
+                        <a:schemeClr val="tx1"/>
+                      </a:solidFill>
+                      <a:prstDash val="solid"/>
+                      <a:round/>
+                      <a:headEnd type="none" w="med" len="med"/>
+                      <a:tailEnd type="none" w="med" len="med"/>
+                    </a:lnT>
+                    <a:lnB w="12700" cap="flat" cmpd="sng" algn="ctr">
+                      <a:solidFill>
+                        <a:schemeClr val="tx1"/>
+                      </a:solidFill>
+                      <a:prstDash val="solid"/>
+                      <a:round/>
+                      <a:headEnd type="none" w="med" len="med"/>
+                      <a:tailEnd type="none" w="med" len="med"/>
+                    </a:lnB>
+                    <a:lnTlToBr w="12700" cmpd="sng">
+                      <a:noFill/>
+                      <a:prstDash val="solid"/>
+                    </a:lnTlToBr>
+                    <a:lnBlToTr w="12700" cmpd="sng">
+                      <a:noFill/>
+                      <a:prstDash val="solid"/>
+                    </a:lnBlToTr>
+                    <a:solidFill>
+                      <a:schemeClr val="bg2"/>
+                    </a:solidFill>
+                  </a:tcPr>
+                </a:tc>
+                <a:extLst>
+                  <a:ext uri="{0D108BD9-81ED-4DB2-BD59-A6C34878D82A}">
+                    <a16:rowId xmlns:a16="http://schemas.microsoft.com/office/drawing/2014/main" val="2417577880"/>
+                  </a:ext>
+                </a:extLst>
+              </a:tr>
+            </a:tbl>
+          </a:graphicData>
+        </a:graphic>
+      </p:graphicFrame>
+      <p:graphicFrame>
+        <p:nvGraphicFramePr>
+          <p:cNvPr id="12" name="Table 11"/>
+          <p:cNvGraphicFramePr>
+            <a:graphicFrameLocks noGrp="1"/>
+          </p:cNvGraphicFramePr>
+          <p:nvPr>
+            <p:extLst>
+              <p:ext uri="{D42A27DB-BD31-4B8C-83A1-F6EECF244321}">
+                <p14:modId xmlns:p14="http://schemas.microsoft.com/office/powerpoint/2010/main" val="2749907940"/>
+              </p:ext>
+            </p:extLst>
+          </p:nvPr>
+        </p:nvGraphicFramePr>
+        <p:xfrm>
+          <a:off x="4876800" y="2505840"/>
+          <a:ext cx="208280" cy="213360"/>
+        </p:xfrm>
+        <a:graphic>
+          <a:graphicData uri="http://schemas.openxmlformats.org/drawingml/2006/table">
+            <a:tbl>
+              <a:tblPr firstRow="1" bandRow="1">
+                <a:tableStyleId>{5C22544A-7EE6-4342-B048-85BDC9FD1C3A}</a:tableStyleId>
+              </a:tblPr>
+              <a:tblGrid>
+                <a:gridCol w="208280">
+                  <a:extLst>
+                    <a:ext uri="{9D8B030D-6E8A-4147-A177-3AD203B41FA5}">
+                      <a16:colId xmlns:a16="http://schemas.microsoft.com/office/drawing/2014/main" val="2266465868"/>
+                    </a:ext>
+                  </a:extLst>
+                </a:gridCol>
+              </a:tblGrid>
+              <a:tr h="161160">
+                <a:tc>
+                  <a:txBody>
+                    <a:bodyPr/>
+                    <a:lstStyle/>
+                    <a:p>
+                      <a:r>
+                        <a:rPr lang="en-US" sz="800" dirty="0" smtClean="0">
+                          <a:solidFill>
+                            <a:schemeClr val="tx1"/>
+                          </a:solidFill>
+                        </a:rPr>
+                        <a:t>0</a:t>
+                      </a:r>
+                      <a:endParaRPr lang="en-US" sz="800" dirty="0">
+                        <a:solidFill>
+                          <a:schemeClr val="tx1"/>
+                        </a:solidFill>
+                      </a:endParaRPr>
+                    </a:p>
+                  </a:txBody>
+                  <a:tcPr>
+                    <a:lnL w="12700" cap="flat" cmpd="sng" algn="ctr">
+                      <a:solidFill>
+                        <a:schemeClr val="tx1"/>
+                      </a:solidFill>
+                      <a:prstDash val="solid"/>
+                      <a:round/>
+                      <a:headEnd type="none" w="med" len="med"/>
+                      <a:tailEnd type="none" w="med" len="med"/>
+                    </a:lnL>
+                    <a:lnR w="12700" cap="flat" cmpd="sng" algn="ctr">
+                      <a:solidFill>
+                        <a:schemeClr val="tx1"/>
+                      </a:solidFill>
+                      <a:prstDash val="solid"/>
+                      <a:round/>
+                      <a:headEnd type="none" w="med" len="med"/>
+                      <a:tailEnd type="none" w="med" len="med"/>
+                    </a:lnR>
+                    <a:lnT w="12700" cap="flat" cmpd="sng" algn="ctr">
+                      <a:solidFill>
+                        <a:schemeClr val="tx1"/>
+                      </a:solidFill>
+                      <a:prstDash val="solid"/>
+                      <a:round/>
+                      <a:headEnd type="none" w="med" len="med"/>
+                      <a:tailEnd type="none" w="med" len="med"/>
+                    </a:lnT>
+                    <a:lnB w="12700" cap="flat" cmpd="sng" algn="ctr">
+                      <a:solidFill>
+                        <a:schemeClr val="tx1"/>
+                      </a:solidFill>
+                      <a:prstDash val="solid"/>
+                      <a:round/>
+                      <a:headEnd type="none" w="med" len="med"/>
+                      <a:tailEnd type="none" w="med" len="med"/>
+                    </a:lnB>
+                    <a:lnTlToBr w="12700" cmpd="sng">
+                      <a:noFill/>
+                      <a:prstDash val="solid"/>
+                    </a:lnTlToBr>
+                    <a:lnBlToTr w="12700" cmpd="sng">
+                      <a:noFill/>
+                      <a:prstDash val="solid"/>
+                    </a:lnBlToTr>
+                    <a:solidFill>
+                      <a:schemeClr val="bg2"/>
+                    </a:solidFill>
+                  </a:tcPr>
+                </a:tc>
+                <a:extLst>
+                  <a:ext uri="{0D108BD9-81ED-4DB2-BD59-A6C34878D82A}">
+                    <a16:rowId xmlns:a16="http://schemas.microsoft.com/office/drawing/2014/main" val="4170337501"/>
+                  </a:ext>
+                </a:extLst>
+              </a:tr>
+            </a:tbl>
+          </a:graphicData>
+        </a:graphic>
+      </p:graphicFrame>
+      <p:graphicFrame>
+        <p:nvGraphicFramePr>
+          <p:cNvPr id="13" name="Table 12"/>
+          <p:cNvGraphicFramePr>
+            <a:graphicFrameLocks noGrp="1"/>
+          </p:cNvGraphicFramePr>
+          <p:nvPr>
+            <p:extLst>
+              <p:ext uri="{D42A27DB-BD31-4B8C-83A1-F6EECF244321}">
+                <p14:modId xmlns:p14="http://schemas.microsoft.com/office/powerpoint/2010/main" val="305615790"/>
+              </p:ext>
+            </p:extLst>
+          </p:nvPr>
+        </p:nvGraphicFramePr>
+        <p:xfrm>
+          <a:off x="4842617" y="2753692"/>
+          <a:ext cx="416560" cy="213360"/>
+        </p:xfrm>
+        <a:graphic>
+          <a:graphicData uri="http://schemas.openxmlformats.org/drawingml/2006/table">
+            <a:tbl>
+              <a:tblPr firstRow="1" bandRow="1">
+                <a:tableStyleId>{5C22544A-7EE6-4342-B048-85BDC9FD1C3A}</a:tableStyleId>
+              </a:tblPr>
+              <a:tblGrid>
+                <a:gridCol w="208280">
+                  <a:extLst>
+                    <a:ext uri="{9D8B030D-6E8A-4147-A177-3AD203B41FA5}">
+                      <a16:colId xmlns:a16="http://schemas.microsoft.com/office/drawing/2014/main" val="1761179624"/>
+                    </a:ext>
+                  </a:extLst>
+                </a:gridCol>
+                <a:gridCol w="208280">
+                  <a:extLst>
+                    <a:ext uri="{9D8B030D-6E8A-4147-A177-3AD203B41FA5}">
+                      <a16:colId xmlns:a16="http://schemas.microsoft.com/office/drawing/2014/main" val="162214994"/>
+                    </a:ext>
+                  </a:extLst>
+                </a:gridCol>
+              </a:tblGrid>
+              <a:tr h="166242">
+                <a:tc>
+                  <a:txBody>
+                    <a:bodyPr/>
+                    <a:lstStyle/>
+                    <a:p>
+                      <a:r>
+                        <a:rPr lang="en-US" sz="800" dirty="0" smtClean="0">
+                          <a:solidFill>
+                            <a:schemeClr val="tx1"/>
+                          </a:solidFill>
+                        </a:rPr>
+                        <a:t>0</a:t>
+                      </a:r>
+                      <a:endParaRPr lang="en-US" sz="800" dirty="0">
+                        <a:solidFill>
+                          <a:schemeClr val="tx1"/>
+                        </a:solidFill>
+                      </a:endParaRPr>
+                    </a:p>
+                  </a:txBody>
+                  <a:tcPr>
+                    <a:lnL w="12700" cap="flat" cmpd="sng" algn="ctr">
+                      <a:solidFill>
+                        <a:schemeClr val="tx1"/>
+                      </a:solidFill>
+                      <a:prstDash val="solid"/>
+                      <a:round/>
+                      <a:headEnd type="none" w="med" len="med"/>
+                      <a:tailEnd type="none" w="med" len="med"/>
+                    </a:lnL>
+                    <a:lnR w="12700" cap="flat" cmpd="sng" algn="ctr">
+                      <a:solidFill>
+                        <a:schemeClr val="tx1"/>
+                      </a:solidFill>
+                      <a:prstDash val="solid"/>
+                      <a:round/>
+                      <a:headEnd type="none" w="med" len="med"/>
+                      <a:tailEnd type="none" w="med" len="med"/>
+                    </a:lnR>
+                    <a:lnT w="12700" cap="flat" cmpd="sng" algn="ctr">
+                      <a:solidFill>
+                        <a:schemeClr val="tx1"/>
+                      </a:solidFill>
+                      <a:prstDash val="solid"/>
+                      <a:round/>
+                      <a:headEnd type="none" w="med" len="med"/>
+                      <a:tailEnd type="none" w="med" len="med"/>
+                    </a:lnT>
+                    <a:lnB w="12700" cap="flat" cmpd="sng" algn="ctr">
+                      <a:solidFill>
+                        <a:schemeClr val="tx1"/>
+                      </a:solidFill>
+                      <a:prstDash val="solid"/>
+                      <a:round/>
+                      <a:headEnd type="none" w="med" len="med"/>
+                      <a:tailEnd type="none" w="med" len="med"/>
+                    </a:lnB>
+                    <a:lnTlToBr w="12700" cmpd="sng">
+                      <a:noFill/>
+                      <a:prstDash val="solid"/>
+                    </a:lnTlToBr>
+                    <a:lnBlToTr w="12700" cmpd="sng">
+                      <a:noFill/>
+                      <a:prstDash val="solid"/>
+                    </a:lnBlToTr>
+                    <a:solidFill>
+                      <a:schemeClr val="bg2"/>
+                    </a:solidFill>
+                  </a:tcPr>
+                </a:tc>
+                <a:tc>
+                  <a:txBody>
+                    <a:bodyPr/>
+                    <a:lstStyle/>
+                    <a:p>
+                      <a:r>
+                        <a:rPr lang="en-US" sz="800" dirty="0" smtClean="0">
+                          <a:solidFill>
+                            <a:schemeClr val="tx1"/>
+                          </a:solidFill>
+                        </a:rPr>
+                        <a:t>1</a:t>
+                      </a:r>
+                      <a:endParaRPr lang="en-US" sz="800" dirty="0">
+                        <a:solidFill>
+                          <a:schemeClr val="tx1"/>
+                        </a:solidFill>
+                      </a:endParaRPr>
+                    </a:p>
+                  </a:txBody>
+                  <a:tcPr>
+                    <a:lnL w="12700" cap="flat" cmpd="sng" algn="ctr">
+                      <a:solidFill>
+                        <a:schemeClr val="tx1"/>
+                      </a:solidFill>
+                      <a:prstDash val="solid"/>
+                      <a:round/>
+                      <a:headEnd type="none" w="med" len="med"/>
+                      <a:tailEnd type="none" w="med" len="med"/>
+                    </a:lnL>
+                    <a:lnR w="12700" cap="flat" cmpd="sng" algn="ctr">
+                      <a:solidFill>
+                        <a:schemeClr val="tx1"/>
+                      </a:solidFill>
+                      <a:prstDash val="solid"/>
+                      <a:round/>
+                      <a:headEnd type="none" w="med" len="med"/>
+                      <a:tailEnd type="none" w="med" len="med"/>
+                    </a:lnR>
+                    <a:lnT w="12700" cap="flat" cmpd="sng" algn="ctr">
+                      <a:solidFill>
+                        <a:schemeClr val="tx1"/>
+                      </a:solidFill>
+                      <a:prstDash val="solid"/>
+                      <a:round/>
+                      <a:headEnd type="none" w="med" len="med"/>
+                      <a:tailEnd type="none" w="med" len="med"/>
+                    </a:lnT>
+                    <a:lnB w="12700" cap="flat" cmpd="sng" algn="ctr">
+                      <a:solidFill>
+                        <a:schemeClr val="tx1"/>
+                      </a:solidFill>
+                      <a:prstDash val="solid"/>
+                      <a:round/>
+                      <a:headEnd type="none" w="med" len="med"/>
+                      <a:tailEnd type="none" w="med" len="med"/>
+                    </a:lnB>
+                    <a:solidFill>
+                      <a:schemeClr val="bg2"/>
+                    </a:solidFill>
+                  </a:tcPr>
+                </a:tc>
+                <a:extLst>
+                  <a:ext uri="{0D108BD9-81ED-4DB2-BD59-A6C34878D82A}">
+                    <a16:rowId xmlns:a16="http://schemas.microsoft.com/office/drawing/2014/main" val="1737005226"/>
+                  </a:ext>
+                </a:extLst>
+              </a:tr>
+            </a:tbl>
+          </a:graphicData>
+        </a:graphic>
+      </p:graphicFrame>
+      <p:graphicFrame>
+        <p:nvGraphicFramePr>
+          <p:cNvPr id="14" name="Table 13"/>
+          <p:cNvGraphicFramePr>
+            <a:graphicFrameLocks noGrp="1"/>
+          </p:cNvGraphicFramePr>
+          <p:nvPr>
+            <p:extLst>
+              <p:ext uri="{D42A27DB-BD31-4B8C-83A1-F6EECF244321}">
+                <p14:modId xmlns:p14="http://schemas.microsoft.com/office/powerpoint/2010/main" val="703117278"/>
+              </p:ext>
+            </p:extLst>
+          </p:nvPr>
+        </p:nvGraphicFramePr>
+        <p:xfrm>
+          <a:off x="4861133" y="3120543"/>
+          <a:ext cx="624840" cy="232257"/>
+        </p:xfrm>
+        <a:graphic>
+          <a:graphicData uri="http://schemas.openxmlformats.org/drawingml/2006/table">
+            <a:tbl>
+              <a:tblPr firstRow="1" bandRow="1">
+                <a:tableStyleId>{5C22544A-7EE6-4342-B048-85BDC9FD1C3A}</a:tableStyleId>
+              </a:tblPr>
+              <a:tblGrid>
+                <a:gridCol w="208280">
+                  <a:extLst>
+                    <a:ext uri="{9D8B030D-6E8A-4147-A177-3AD203B41FA5}">
+                      <a16:colId xmlns:a16="http://schemas.microsoft.com/office/drawing/2014/main" val="1210329960"/>
+                    </a:ext>
+                  </a:extLst>
+                </a:gridCol>
+                <a:gridCol w="208280">
+                  <a:extLst>
+                    <a:ext uri="{9D8B030D-6E8A-4147-A177-3AD203B41FA5}">
+                      <a16:colId xmlns:a16="http://schemas.microsoft.com/office/drawing/2014/main" val="2013797902"/>
+                    </a:ext>
+                  </a:extLst>
+                </a:gridCol>
+                <a:gridCol w="208280">
+                  <a:extLst>
+                    <a:ext uri="{9D8B030D-6E8A-4147-A177-3AD203B41FA5}">
+                      <a16:colId xmlns:a16="http://schemas.microsoft.com/office/drawing/2014/main" val="2402507605"/>
+                    </a:ext>
+                  </a:extLst>
+                </a:gridCol>
+              </a:tblGrid>
+              <a:tr h="232257">
+                <a:tc>
+                  <a:txBody>
+                    <a:bodyPr/>
+                    <a:lstStyle/>
+                    <a:p>
+                      <a:r>
+                        <a:rPr lang="en-US" sz="800" dirty="0" smtClean="0">
+                          <a:solidFill>
+                            <a:schemeClr val="tx1"/>
+                          </a:solidFill>
+                        </a:rPr>
+                        <a:t>0</a:t>
+                      </a:r>
+                      <a:endParaRPr lang="en-US" sz="800" dirty="0">
+                        <a:solidFill>
+                          <a:schemeClr val="tx1"/>
+                        </a:solidFill>
+                      </a:endParaRPr>
+                    </a:p>
+                  </a:txBody>
+                  <a:tcPr>
+                    <a:lnL w="12700" cap="flat" cmpd="sng" algn="ctr">
+                      <a:solidFill>
+                        <a:schemeClr val="tx1"/>
+                      </a:solidFill>
+                      <a:prstDash val="solid"/>
+                      <a:round/>
+                      <a:headEnd type="none" w="med" len="med"/>
+                      <a:tailEnd type="none" w="med" len="med"/>
+                    </a:lnL>
+                    <a:lnR w="12700" cap="flat" cmpd="sng" algn="ctr">
+                      <a:solidFill>
+                        <a:schemeClr val="tx1"/>
+                      </a:solidFill>
+                      <a:prstDash val="solid"/>
+                      <a:round/>
+                      <a:headEnd type="none" w="med" len="med"/>
+                      <a:tailEnd type="none" w="med" len="med"/>
+                    </a:lnR>
+                    <a:lnT w="12700" cap="flat" cmpd="sng" algn="ctr">
+                      <a:solidFill>
+                        <a:schemeClr val="tx1"/>
+                      </a:solidFill>
+                      <a:prstDash val="solid"/>
+                      <a:round/>
+                      <a:headEnd type="none" w="med" len="med"/>
+                      <a:tailEnd type="none" w="med" len="med"/>
+                    </a:lnT>
+                    <a:lnB w="12700" cap="flat" cmpd="sng" algn="ctr">
+                      <a:solidFill>
+                        <a:schemeClr val="tx1"/>
+                      </a:solidFill>
+                      <a:prstDash val="solid"/>
+                      <a:round/>
+                      <a:headEnd type="none" w="med" len="med"/>
+                      <a:tailEnd type="none" w="med" len="med"/>
+                    </a:lnB>
+                    <a:lnTlToBr w="12700" cmpd="sng">
+                      <a:noFill/>
+                      <a:prstDash val="solid"/>
+                    </a:lnTlToBr>
+                    <a:lnBlToTr w="12700" cmpd="sng">
+                      <a:noFill/>
+                      <a:prstDash val="solid"/>
+                    </a:lnBlToTr>
+                    <a:solidFill>
+                      <a:schemeClr val="bg2"/>
+                    </a:solidFill>
+                  </a:tcPr>
+                </a:tc>
+                <a:tc>
+                  <a:txBody>
+                    <a:bodyPr/>
+                    <a:lstStyle/>
+                    <a:p>
+                      <a:r>
+                        <a:rPr lang="en-US" sz="800" dirty="0" smtClean="0">
+                          <a:solidFill>
+                            <a:schemeClr val="tx1"/>
+                          </a:solidFill>
+                        </a:rPr>
+                        <a:t>1</a:t>
+                      </a:r>
+                      <a:endParaRPr lang="en-US" sz="800" dirty="0">
+                        <a:solidFill>
+                          <a:schemeClr val="tx1"/>
+                        </a:solidFill>
+                      </a:endParaRPr>
+                    </a:p>
+                  </a:txBody>
+                  <a:tcPr>
+                    <a:lnL w="12700" cap="flat" cmpd="sng" algn="ctr">
+                      <a:solidFill>
+                        <a:schemeClr val="tx1"/>
+                      </a:solidFill>
+                      <a:prstDash val="solid"/>
+                      <a:round/>
+                      <a:headEnd type="none" w="med" len="med"/>
+                      <a:tailEnd type="none" w="med" len="med"/>
+                    </a:lnL>
+                    <a:lnR w="12700" cap="flat" cmpd="sng" algn="ctr">
+                      <a:solidFill>
+                        <a:schemeClr val="tx1"/>
+                      </a:solidFill>
+                      <a:prstDash val="solid"/>
+                      <a:round/>
+                      <a:headEnd type="none" w="med" len="med"/>
+                      <a:tailEnd type="none" w="med" len="med"/>
+                    </a:lnR>
+                    <a:lnT w="12700" cap="flat" cmpd="sng" algn="ctr">
+                      <a:solidFill>
+                        <a:schemeClr val="tx1"/>
+                      </a:solidFill>
+                      <a:prstDash val="solid"/>
+                      <a:round/>
+                      <a:headEnd type="none" w="med" len="med"/>
+                      <a:tailEnd type="none" w="med" len="med"/>
+                    </a:lnT>
+                    <a:lnB w="12700" cap="flat" cmpd="sng" algn="ctr">
+                      <a:solidFill>
+                        <a:schemeClr val="tx1"/>
+                      </a:solidFill>
+                      <a:prstDash val="solid"/>
+                      <a:round/>
+                      <a:headEnd type="none" w="med" len="med"/>
+                      <a:tailEnd type="none" w="med" len="med"/>
+                    </a:lnB>
+                    <a:lnTlToBr w="12700" cmpd="sng">
+                      <a:noFill/>
+                      <a:prstDash val="solid"/>
+                    </a:lnTlToBr>
+                    <a:lnBlToTr w="12700" cmpd="sng">
+                      <a:noFill/>
+                      <a:prstDash val="solid"/>
+                    </a:lnBlToTr>
+                    <a:solidFill>
+                      <a:schemeClr val="bg2"/>
+                    </a:solidFill>
+                  </a:tcPr>
+                </a:tc>
+                <a:tc>
+                  <a:txBody>
+                    <a:bodyPr/>
+                    <a:lstStyle/>
+                    <a:p>
+                      <a:r>
+                        <a:rPr lang="en-US" sz="800" dirty="0" smtClean="0">
+                          <a:solidFill>
+                            <a:schemeClr val="tx1"/>
+                          </a:solidFill>
+                        </a:rPr>
+                        <a:t>2</a:t>
+                      </a:r>
+                      <a:endParaRPr lang="en-US" sz="800" dirty="0">
+                        <a:solidFill>
+                          <a:schemeClr val="tx1"/>
+                        </a:solidFill>
+                      </a:endParaRPr>
+                    </a:p>
+                  </a:txBody>
+                  <a:tcPr>
+                    <a:lnL w="12700" cap="flat" cmpd="sng" algn="ctr">
+                      <a:solidFill>
+                        <a:schemeClr val="tx1"/>
+                      </a:solidFill>
+                      <a:prstDash val="solid"/>
+                      <a:round/>
+                      <a:headEnd type="none" w="med" len="med"/>
+                      <a:tailEnd type="none" w="med" len="med"/>
+                    </a:lnL>
+                    <a:lnR w="12700" cap="flat" cmpd="sng" algn="ctr">
+                      <a:solidFill>
+                        <a:schemeClr val="tx1"/>
+                      </a:solidFill>
+                      <a:prstDash val="solid"/>
+                      <a:round/>
+                      <a:headEnd type="none" w="med" len="med"/>
+                      <a:tailEnd type="none" w="med" len="med"/>
+                    </a:lnR>
+                    <a:lnT w="12700" cap="flat" cmpd="sng" algn="ctr">
+                      <a:solidFill>
+                        <a:schemeClr val="tx1"/>
+                      </a:solidFill>
+                      <a:prstDash val="solid"/>
+                      <a:round/>
+                      <a:headEnd type="none" w="med" len="med"/>
+                      <a:tailEnd type="none" w="med" len="med"/>
+                    </a:lnT>
+                    <a:lnB w="12700" cap="flat" cmpd="sng" algn="ctr">
+                      <a:solidFill>
+                        <a:schemeClr val="tx1"/>
+                      </a:solidFill>
+                      <a:prstDash val="solid"/>
+                      <a:round/>
+                      <a:headEnd type="none" w="med" len="med"/>
+                      <a:tailEnd type="none" w="med" len="med"/>
+                    </a:lnB>
+                    <a:lnTlToBr w="12700" cmpd="sng">
+                      <a:noFill/>
+                      <a:prstDash val="solid"/>
+                    </a:lnTlToBr>
+                    <a:lnBlToTr w="12700" cmpd="sng">
+                      <a:noFill/>
+                      <a:prstDash val="solid"/>
+                    </a:lnBlToTr>
+                    <a:solidFill>
+                      <a:schemeClr val="bg2"/>
+                    </a:solidFill>
+                  </a:tcPr>
+                </a:tc>
+                <a:extLst>
+                  <a:ext uri="{0D108BD9-81ED-4DB2-BD59-A6C34878D82A}">
+                    <a16:rowId xmlns:a16="http://schemas.microsoft.com/office/drawing/2014/main" val="60718602"/>
+                  </a:ext>
+                </a:extLst>
+              </a:tr>
+            </a:tbl>
+          </a:graphicData>
+        </a:graphic>
+      </p:graphicFrame>
+      <p:graphicFrame>
+        <p:nvGraphicFramePr>
+          <p:cNvPr id="15" name="Table 14"/>
+          <p:cNvGraphicFramePr>
+            <a:graphicFrameLocks noGrp="1"/>
+          </p:cNvGraphicFramePr>
+          <p:nvPr>
+            <p:extLst>
+              <p:ext uri="{D42A27DB-BD31-4B8C-83A1-F6EECF244321}">
+                <p14:modId xmlns:p14="http://schemas.microsoft.com/office/powerpoint/2010/main" val="2817718168"/>
+              </p:ext>
+            </p:extLst>
+          </p:nvPr>
+        </p:nvGraphicFramePr>
+        <p:xfrm>
+          <a:off x="4861133" y="3450720"/>
+          <a:ext cx="833120" cy="242773"/>
+        </p:xfrm>
+        <a:graphic>
+          <a:graphicData uri="http://schemas.openxmlformats.org/drawingml/2006/table">
+            <a:tbl>
+              <a:tblPr firstRow="1" bandRow="1">
+                <a:tableStyleId>{5C22544A-7EE6-4342-B048-85BDC9FD1C3A}</a:tableStyleId>
+              </a:tblPr>
+              <a:tblGrid>
+                <a:gridCol w="208280">
+                  <a:extLst>
+                    <a:ext uri="{9D8B030D-6E8A-4147-A177-3AD203B41FA5}">
+                      <a16:colId xmlns:a16="http://schemas.microsoft.com/office/drawing/2014/main" val="2503037939"/>
+                    </a:ext>
+                  </a:extLst>
+                </a:gridCol>
+                <a:gridCol w="208280">
+                  <a:extLst>
+                    <a:ext uri="{9D8B030D-6E8A-4147-A177-3AD203B41FA5}">
+                      <a16:colId xmlns:a16="http://schemas.microsoft.com/office/drawing/2014/main" val="242293577"/>
+                    </a:ext>
+                  </a:extLst>
+                </a:gridCol>
+                <a:gridCol w="208280">
+                  <a:extLst>
+                    <a:ext uri="{9D8B030D-6E8A-4147-A177-3AD203B41FA5}">
+                      <a16:colId xmlns:a16="http://schemas.microsoft.com/office/drawing/2014/main" val="2536996032"/>
+                    </a:ext>
+                  </a:extLst>
+                </a:gridCol>
+                <a:gridCol w="208280">
+                  <a:extLst>
+                    <a:ext uri="{9D8B030D-6E8A-4147-A177-3AD203B41FA5}">
+                      <a16:colId xmlns:a16="http://schemas.microsoft.com/office/drawing/2014/main" val="1776100475"/>
+                    </a:ext>
+                  </a:extLst>
+                </a:gridCol>
+              </a:tblGrid>
+              <a:tr h="242773">
+                <a:tc>
+                  <a:txBody>
+                    <a:bodyPr/>
+                    <a:lstStyle/>
+                    <a:p>
+                      <a:r>
+                        <a:rPr lang="en-US" sz="800" dirty="0" smtClean="0">
+                          <a:solidFill>
+                            <a:schemeClr val="tx1"/>
+                          </a:solidFill>
+                        </a:rPr>
+                        <a:t>0</a:t>
+                      </a:r>
+                      <a:endParaRPr lang="en-US" sz="800" dirty="0">
+                        <a:solidFill>
+                          <a:schemeClr val="tx1"/>
+                        </a:solidFill>
+                      </a:endParaRPr>
+                    </a:p>
+                  </a:txBody>
+                  <a:tcPr>
+                    <a:lnL w="12700" cap="flat" cmpd="sng" algn="ctr">
+                      <a:solidFill>
+                        <a:schemeClr val="tx1"/>
+                      </a:solidFill>
+                      <a:prstDash val="solid"/>
+                      <a:round/>
+                      <a:headEnd type="none" w="med" len="med"/>
+                      <a:tailEnd type="none" w="med" len="med"/>
+                    </a:lnL>
+                    <a:lnR w="12700" cap="flat" cmpd="sng" algn="ctr">
+                      <a:solidFill>
+                        <a:schemeClr val="tx1"/>
+                      </a:solidFill>
+                      <a:prstDash val="solid"/>
+                      <a:round/>
+                      <a:headEnd type="none" w="med" len="med"/>
+                      <a:tailEnd type="none" w="med" len="med"/>
+                    </a:lnR>
+                    <a:lnT w="12700" cap="flat" cmpd="sng" algn="ctr">
+                      <a:solidFill>
+                        <a:schemeClr val="tx1"/>
+                      </a:solidFill>
+                      <a:prstDash val="solid"/>
+                      <a:round/>
+                      <a:headEnd type="none" w="med" len="med"/>
+                      <a:tailEnd type="none" w="med" len="med"/>
+                    </a:lnT>
+                    <a:lnB w="12700" cap="flat" cmpd="sng" algn="ctr">
+                      <a:solidFill>
+                        <a:schemeClr val="tx1"/>
+                      </a:solidFill>
+                      <a:prstDash val="solid"/>
+                      <a:round/>
+                      <a:headEnd type="none" w="med" len="med"/>
+                      <a:tailEnd type="none" w="med" len="med"/>
+                    </a:lnB>
+                    <a:solidFill>
+                      <a:schemeClr val="bg2"/>
+                    </a:solidFill>
+                  </a:tcPr>
+                </a:tc>
+                <a:tc>
+                  <a:txBody>
+                    <a:bodyPr/>
+                    <a:lstStyle/>
+                    <a:p>
+                      <a:r>
+                        <a:rPr lang="en-US" sz="800" dirty="0" smtClean="0">
+                          <a:solidFill>
+                            <a:schemeClr val="tx1"/>
+                          </a:solidFill>
+                        </a:rPr>
+                        <a:t>1</a:t>
+                      </a:r>
+                      <a:endParaRPr lang="en-US" sz="800" dirty="0">
+                        <a:solidFill>
+                          <a:schemeClr val="tx1"/>
+                        </a:solidFill>
+                      </a:endParaRPr>
+                    </a:p>
+                  </a:txBody>
+                  <a:tcPr>
+                    <a:lnL w="12700" cap="flat" cmpd="sng" algn="ctr">
+                      <a:solidFill>
+                        <a:schemeClr val="tx1"/>
+                      </a:solidFill>
+                      <a:prstDash val="solid"/>
+                      <a:round/>
+                      <a:headEnd type="none" w="med" len="med"/>
+                      <a:tailEnd type="none" w="med" len="med"/>
+                    </a:lnL>
+                    <a:lnR w="12700" cap="flat" cmpd="sng" algn="ctr">
+                      <a:solidFill>
+                        <a:schemeClr val="tx1"/>
+                      </a:solidFill>
+                      <a:prstDash val="solid"/>
+                      <a:round/>
+                      <a:headEnd type="none" w="med" len="med"/>
+                      <a:tailEnd type="none" w="med" len="med"/>
+                    </a:lnR>
+                    <a:lnT w="12700" cap="flat" cmpd="sng" algn="ctr">
+                      <a:solidFill>
+                        <a:schemeClr val="tx1"/>
+                      </a:solidFill>
+                      <a:prstDash val="solid"/>
+                      <a:round/>
+                      <a:headEnd type="none" w="med" len="med"/>
+                      <a:tailEnd type="none" w="med" len="med"/>
+                    </a:lnT>
+                    <a:lnB w="12700" cap="flat" cmpd="sng" algn="ctr">
+                      <a:solidFill>
+                        <a:schemeClr val="tx1"/>
+                      </a:solidFill>
+                      <a:prstDash val="solid"/>
+                      <a:round/>
+                      <a:headEnd type="none" w="med" len="med"/>
+                      <a:tailEnd type="none" w="med" len="med"/>
+                    </a:lnB>
+                    <a:solidFill>
+                      <a:schemeClr val="bg2"/>
+                    </a:solidFill>
+                  </a:tcPr>
+                </a:tc>
+                <a:tc>
+                  <a:txBody>
+                    <a:bodyPr/>
+                    <a:lstStyle/>
+                    <a:p>
+                      <a:r>
+                        <a:rPr lang="en-US" sz="800" dirty="0" smtClean="0">
+                          <a:solidFill>
+                            <a:schemeClr val="tx1"/>
+                          </a:solidFill>
+                        </a:rPr>
+                        <a:t>2</a:t>
+                      </a:r>
+                      <a:endParaRPr lang="en-US" sz="800" dirty="0">
+                        <a:solidFill>
+                          <a:schemeClr val="tx1"/>
+                        </a:solidFill>
+                      </a:endParaRPr>
+                    </a:p>
+                  </a:txBody>
+                  <a:tcPr>
+                    <a:lnL w="12700" cap="flat" cmpd="sng" algn="ctr">
+                      <a:solidFill>
+                        <a:schemeClr val="tx1"/>
+                      </a:solidFill>
+                      <a:prstDash val="solid"/>
+                      <a:round/>
+                      <a:headEnd type="none" w="med" len="med"/>
+                      <a:tailEnd type="none" w="med" len="med"/>
+                    </a:lnL>
+                    <a:lnR w="12700" cap="flat" cmpd="sng" algn="ctr">
+                      <a:solidFill>
+                        <a:schemeClr val="tx1"/>
+                      </a:solidFill>
+                      <a:prstDash val="solid"/>
+                      <a:round/>
+                      <a:headEnd type="none" w="med" len="med"/>
+                      <a:tailEnd type="none" w="med" len="med"/>
+                    </a:lnR>
+                    <a:lnT w="12700" cap="flat" cmpd="sng" algn="ctr">
+                      <a:solidFill>
+                        <a:schemeClr val="tx1"/>
+                      </a:solidFill>
+                      <a:prstDash val="solid"/>
+                      <a:round/>
+                      <a:headEnd type="none" w="med" len="med"/>
+                      <a:tailEnd type="none" w="med" len="med"/>
+                    </a:lnT>
+                    <a:lnB w="12700" cap="flat" cmpd="sng" algn="ctr">
+                      <a:solidFill>
+                        <a:schemeClr val="tx1"/>
+                      </a:solidFill>
+                      <a:prstDash val="solid"/>
+                      <a:round/>
+                      <a:headEnd type="none" w="med" len="med"/>
+                      <a:tailEnd type="none" w="med" len="med"/>
+                    </a:lnB>
+                    <a:solidFill>
+                      <a:schemeClr val="bg2"/>
+                    </a:solidFill>
+                  </a:tcPr>
+                </a:tc>
+                <a:tc>
+                  <a:txBody>
+                    <a:bodyPr/>
+                    <a:lstStyle/>
+                    <a:p>
+                      <a:r>
+                        <a:rPr lang="en-US" sz="800" dirty="0" smtClean="0">
+                          <a:solidFill>
+                            <a:schemeClr val="tx1"/>
+                          </a:solidFill>
+                        </a:rPr>
+                        <a:t>3</a:t>
+                      </a:r>
+                      <a:endParaRPr lang="en-US" sz="800" dirty="0">
+                        <a:solidFill>
+                          <a:schemeClr val="tx1"/>
+                        </a:solidFill>
+                      </a:endParaRPr>
+                    </a:p>
+                  </a:txBody>
+                  <a:tcPr>
+                    <a:lnL w="12700" cap="flat" cmpd="sng" algn="ctr">
+                      <a:solidFill>
+                        <a:schemeClr val="tx1"/>
+                      </a:solidFill>
+                      <a:prstDash val="solid"/>
+                      <a:round/>
+                      <a:headEnd type="none" w="med" len="med"/>
+                      <a:tailEnd type="none" w="med" len="med"/>
+                    </a:lnL>
+                    <a:lnR w="12700" cap="flat" cmpd="sng" algn="ctr">
+                      <a:solidFill>
+                        <a:schemeClr val="tx1"/>
+                      </a:solidFill>
+                      <a:prstDash val="solid"/>
+                      <a:round/>
+                      <a:headEnd type="none" w="med" len="med"/>
+                      <a:tailEnd type="none" w="med" len="med"/>
+                    </a:lnR>
+                    <a:lnT w="12700" cap="flat" cmpd="sng" algn="ctr">
+                      <a:solidFill>
+                        <a:schemeClr val="tx1"/>
+                      </a:solidFill>
+                      <a:prstDash val="solid"/>
+                      <a:round/>
+                      <a:headEnd type="none" w="med" len="med"/>
+                      <a:tailEnd type="none" w="med" len="med"/>
+                    </a:lnT>
+                    <a:lnB w="12700" cap="flat" cmpd="sng" algn="ctr">
+                      <a:solidFill>
+                        <a:schemeClr val="tx1"/>
+                      </a:solidFill>
+                      <a:prstDash val="solid"/>
+                      <a:round/>
+                      <a:headEnd type="none" w="med" len="med"/>
+                      <a:tailEnd type="none" w="med" len="med"/>
+                    </a:lnB>
+                    <a:solidFill>
+                      <a:schemeClr val="bg2"/>
+                    </a:solidFill>
+                  </a:tcPr>
+                </a:tc>
+                <a:extLst>
+                  <a:ext uri="{0D108BD9-81ED-4DB2-BD59-A6C34878D82A}">
+                    <a16:rowId xmlns:a16="http://schemas.microsoft.com/office/drawing/2014/main" val="1310527930"/>
+                  </a:ext>
+                </a:extLst>
+              </a:tr>
+            </a:tbl>
+          </a:graphicData>
+        </a:graphic>
+      </p:graphicFrame>
+      <p:graphicFrame>
+        <p:nvGraphicFramePr>
+          <p:cNvPr id="16" name="Table 15"/>
+          <p:cNvGraphicFramePr>
+            <a:graphicFrameLocks noGrp="1"/>
+          </p:cNvGraphicFramePr>
+          <p:nvPr>
+            <p:extLst>
+              <p:ext uri="{D42A27DB-BD31-4B8C-83A1-F6EECF244321}">
+                <p14:modId xmlns:p14="http://schemas.microsoft.com/office/powerpoint/2010/main" val="3099953114"/>
+              </p:ext>
+            </p:extLst>
+          </p:nvPr>
+        </p:nvGraphicFramePr>
+        <p:xfrm>
+          <a:off x="4829086" y="3766582"/>
+          <a:ext cx="1041400" cy="279401"/>
+        </p:xfrm>
+        <a:graphic>
+          <a:graphicData uri="http://schemas.openxmlformats.org/drawingml/2006/table">
+            <a:tbl>
+              <a:tblPr firstRow="1" bandRow="1">
+                <a:tableStyleId>{5C22544A-7EE6-4342-B048-85BDC9FD1C3A}</a:tableStyleId>
+              </a:tblPr>
+              <a:tblGrid>
+                <a:gridCol w="208280">
+                  <a:extLst>
+                    <a:ext uri="{9D8B030D-6E8A-4147-A177-3AD203B41FA5}">
+                      <a16:colId xmlns:a16="http://schemas.microsoft.com/office/drawing/2014/main" val="2506504931"/>
+                    </a:ext>
+                  </a:extLst>
+                </a:gridCol>
+                <a:gridCol w="208280">
+                  <a:extLst>
+                    <a:ext uri="{9D8B030D-6E8A-4147-A177-3AD203B41FA5}">
+                      <a16:colId xmlns:a16="http://schemas.microsoft.com/office/drawing/2014/main" val="206776207"/>
+                    </a:ext>
+                  </a:extLst>
+                </a:gridCol>
+                <a:gridCol w="208280">
+                  <a:extLst>
+                    <a:ext uri="{9D8B030D-6E8A-4147-A177-3AD203B41FA5}">
+                      <a16:colId xmlns:a16="http://schemas.microsoft.com/office/drawing/2014/main" val="1178652223"/>
+                    </a:ext>
+                  </a:extLst>
+                </a:gridCol>
+                <a:gridCol w="208280">
+                  <a:extLst>
+                    <a:ext uri="{9D8B030D-6E8A-4147-A177-3AD203B41FA5}">
+                      <a16:colId xmlns:a16="http://schemas.microsoft.com/office/drawing/2014/main" val="453140950"/>
+                    </a:ext>
+                  </a:extLst>
+                </a:gridCol>
+                <a:gridCol w="208280">
+                  <a:extLst>
+                    <a:ext uri="{9D8B030D-6E8A-4147-A177-3AD203B41FA5}">
+                      <a16:colId xmlns:a16="http://schemas.microsoft.com/office/drawing/2014/main" val="967592206"/>
+                    </a:ext>
+                  </a:extLst>
+                </a:gridCol>
+              </a:tblGrid>
+              <a:tr h="279401">
+                <a:tc>
+                  <a:txBody>
+                    <a:bodyPr/>
+                    <a:lstStyle/>
+                    <a:p>
+                      <a:r>
+                        <a:rPr lang="en-US" sz="800" dirty="0" smtClean="0">
+                          <a:solidFill>
+                            <a:schemeClr val="tx1"/>
+                          </a:solidFill>
+                        </a:rPr>
+                        <a:t>0</a:t>
+                      </a:r>
+                      <a:endParaRPr lang="en-US" sz="800" dirty="0">
+                        <a:solidFill>
+                          <a:schemeClr val="tx1"/>
+                        </a:solidFill>
+                      </a:endParaRPr>
+                    </a:p>
+                  </a:txBody>
+                  <a:tcPr>
+                    <a:lnL w="12700" cap="flat" cmpd="sng" algn="ctr">
+                      <a:solidFill>
+                        <a:schemeClr val="tx1"/>
+                      </a:solidFill>
+                      <a:prstDash val="solid"/>
+                      <a:round/>
+                      <a:headEnd type="none" w="med" len="med"/>
+                      <a:tailEnd type="none" w="med" len="med"/>
+                    </a:lnL>
+                    <a:lnR w="12700" cap="flat" cmpd="sng" algn="ctr">
+                      <a:solidFill>
+                        <a:schemeClr val="tx1"/>
+                      </a:solidFill>
+                      <a:prstDash val="solid"/>
+                      <a:round/>
+                      <a:headEnd type="none" w="med" len="med"/>
+                      <a:tailEnd type="none" w="med" len="med"/>
+                    </a:lnR>
+                    <a:lnT w="12700" cap="flat" cmpd="sng" algn="ctr">
+                      <a:solidFill>
+                        <a:schemeClr val="tx1"/>
+                      </a:solidFill>
+                      <a:prstDash val="solid"/>
+                      <a:round/>
+                      <a:headEnd type="none" w="med" len="med"/>
+                      <a:tailEnd type="none" w="med" len="med"/>
+                    </a:lnT>
+                    <a:lnB w="12700" cap="flat" cmpd="sng" algn="ctr">
+                      <a:solidFill>
+                        <a:schemeClr val="tx1"/>
+                      </a:solidFill>
+                      <a:prstDash val="solid"/>
+                      <a:round/>
+                      <a:headEnd type="none" w="med" len="med"/>
+                      <a:tailEnd type="none" w="med" len="med"/>
+                    </a:lnB>
+                    <a:solidFill>
+                      <a:schemeClr val="bg2"/>
+                    </a:solidFill>
+                  </a:tcPr>
+                </a:tc>
+                <a:tc>
+                  <a:txBody>
+                    <a:bodyPr/>
+                    <a:lstStyle/>
+                    <a:p>
+                      <a:r>
+                        <a:rPr lang="en-US" sz="800" dirty="0" smtClean="0">
+                          <a:solidFill>
+                            <a:schemeClr val="tx1"/>
+                          </a:solidFill>
+                        </a:rPr>
+                        <a:t>1</a:t>
+                      </a:r>
+                      <a:endParaRPr lang="en-US" sz="800" dirty="0">
+                        <a:solidFill>
+                          <a:schemeClr val="tx1"/>
+                        </a:solidFill>
+                      </a:endParaRPr>
+                    </a:p>
+                  </a:txBody>
+                  <a:tcPr>
+                    <a:lnL w="12700" cap="flat" cmpd="sng" algn="ctr">
+                      <a:solidFill>
+                        <a:schemeClr val="tx1"/>
+                      </a:solidFill>
+                      <a:prstDash val="solid"/>
+                      <a:round/>
+                      <a:headEnd type="none" w="med" len="med"/>
+                      <a:tailEnd type="none" w="med" len="med"/>
+                    </a:lnL>
+                    <a:lnR w="12700" cap="flat" cmpd="sng" algn="ctr">
+                      <a:solidFill>
+                        <a:schemeClr val="tx1"/>
+                      </a:solidFill>
+                      <a:prstDash val="solid"/>
+                      <a:round/>
+                      <a:headEnd type="none" w="med" len="med"/>
+                      <a:tailEnd type="none" w="med" len="med"/>
+                    </a:lnR>
+                    <a:lnT w="12700" cap="flat" cmpd="sng" algn="ctr">
+                      <a:solidFill>
+                        <a:schemeClr val="tx1"/>
+                      </a:solidFill>
+                      <a:prstDash val="solid"/>
+                      <a:round/>
+                      <a:headEnd type="none" w="med" len="med"/>
+                      <a:tailEnd type="none" w="med" len="med"/>
+                    </a:lnT>
+                    <a:lnB w="12700" cap="flat" cmpd="sng" algn="ctr">
+                      <a:solidFill>
+                        <a:schemeClr val="tx1"/>
+                      </a:solidFill>
+                      <a:prstDash val="solid"/>
+                      <a:round/>
+                      <a:headEnd type="none" w="med" len="med"/>
+                      <a:tailEnd type="none" w="med" len="med"/>
+                    </a:lnB>
+                    <a:solidFill>
+                      <a:schemeClr val="bg2"/>
+                    </a:solidFill>
+                  </a:tcPr>
+                </a:tc>
+                <a:tc>
+                  <a:txBody>
+                    <a:bodyPr/>
+                    <a:lstStyle/>
+                    <a:p>
+                      <a:r>
+                        <a:rPr lang="en-US" sz="800" dirty="0" smtClean="0">
+                          <a:solidFill>
+                            <a:schemeClr val="tx1"/>
+                          </a:solidFill>
+                        </a:rPr>
+                        <a:t>2</a:t>
+                      </a:r>
+                      <a:endParaRPr lang="en-US" sz="800" dirty="0">
+                        <a:solidFill>
+                          <a:schemeClr val="tx1"/>
+                        </a:solidFill>
+                      </a:endParaRPr>
+                    </a:p>
+                  </a:txBody>
+                  <a:tcPr>
+                    <a:lnL w="12700" cap="flat" cmpd="sng" algn="ctr">
+                      <a:solidFill>
+                        <a:schemeClr val="tx1"/>
+                      </a:solidFill>
+                      <a:prstDash val="solid"/>
+                      <a:round/>
+                      <a:headEnd type="none" w="med" len="med"/>
+                      <a:tailEnd type="none" w="med" len="med"/>
+                    </a:lnL>
+                    <a:lnR w="12700" cap="flat" cmpd="sng" algn="ctr">
+                      <a:solidFill>
+                        <a:schemeClr val="tx1"/>
+                      </a:solidFill>
+                      <a:prstDash val="solid"/>
+                      <a:round/>
+                      <a:headEnd type="none" w="med" len="med"/>
+                      <a:tailEnd type="none" w="med" len="med"/>
+                    </a:lnR>
+                    <a:lnT w="12700" cap="flat" cmpd="sng" algn="ctr">
+                      <a:solidFill>
+                        <a:schemeClr val="tx1"/>
+                      </a:solidFill>
+                      <a:prstDash val="solid"/>
+                      <a:round/>
+                      <a:headEnd type="none" w="med" len="med"/>
+                      <a:tailEnd type="none" w="med" len="med"/>
+                    </a:lnT>
+                    <a:lnB w="12700" cap="flat" cmpd="sng" algn="ctr">
+                      <a:solidFill>
+                        <a:schemeClr val="tx1"/>
+                      </a:solidFill>
+                      <a:prstDash val="solid"/>
+                      <a:round/>
+                      <a:headEnd type="none" w="med" len="med"/>
+                      <a:tailEnd type="none" w="med" len="med"/>
+                    </a:lnB>
+                    <a:solidFill>
+                      <a:schemeClr val="bg2"/>
+                    </a:solidFill>
+                  </a:tcPr>
+                </a:tc>
+                <a:tc>
+                  <a:txBody>
+                    <a:bodyPr/>
+                    <a:lstStyle/>
+                    <a:p>
+                      <a:r>
+                        <a:rPr lang="en-US" sz="800" dirty="0" smtClean="0">
+                          <a:solidFill>
+                            <a:schemeClr val="tx1"/>
+                          </a:solidFill>
+                        </a:rPr>
+                        <a:t>3</a:t>
+                      </a:r>
+                      <a:endParaRPr lang="en-US" sz="800" dirty="0">
+                        <a:solidFill>
+                          <a:schemeClr val="tx1"/>
+                        </a:solidFill>
+                      </a:endParaRPr>
+                    </a:p>
+                  </a:txBody>
+                  <a:tcPr>
+                    <a:lnL w="12700" cap="flat" cmpd="sng" algn="ctr">
+                      <a:solidFill>
+                        <a:schemeClr val="tx1"/>
+                      </a:solidFill>
+                      <a:prstDash val="solid"/>
+                      <a:round/>
+                      <a:headEnd type="none" w="med" len="med"/>
+                      <a:tailEnd type="none" w="med" len="med"/>
+                    </a:lnL>
+                    <a:lnR w="12700" cap="flat" cmpd="sng" algn="ctr">
+                      <a:solidFill>
+                        <a:schemeClr val="tx1"/>
+                      </a:solidFill>
+                      <a:prstDash val="solid"/>
+                      <a:round/>
+                      <a:headEnd type="none" w="med" len="med"/>
+                      <a:tailEnd type="none" w="med" len="med"/>
+                    </a:lnR>
+                    <a:lnT w="12700" cap="flat" cmpd="sng" algn="ctr">
+                      <a:solidFill>
+                        <a:schemeClr val="tx1"/>
+                      </a:solidFill>
+                      <a:prstDash val="solid"/>
+                      <a:round/>
+                      <a:headEnd type="none" w="med" len="med"/>
+                      <a:tailEnd type="none" w="med" len="med"/>
+                    </a:lnT>
+                    <a:lnB w="12700" cap="flat" cmpd="sng" algn="ctr">
+                      <a:solidFill>
+                        <a:schemeClr val="tx1"/>
+                      </a:solidFill>
+                      <a:prstDash val="solid"/>
+                      <a:round/>
+                      <a:headEnd type="none" w="med" len="med"/>
+                      <a:tailEnd type="none" w="med" len="med"/>
+                    </a:lnB>
+                    <a:solidFill>
+                      <a:schemeClr val="bg2"/>
+                    </a:solidFill>
+                  </a:tcPr>
+                </a:tc>
+                <a:tc>
+                  <a:txBody>
+                    <a:bodyPr/>
+                    <a:lstStyle/>
+                    <a:p>
+                      <a:r>
+                        <a:rPr lang="en-US" sz="800" dirty="0" smtClean="0">
+                          <a:solidFill>
+                            <a:schemeClr val="tx1"/>
+                          </a:solidFill>
+                        </a:rPr>
+                        <a:t>4</a:t>
+                      </a:r>
+                      <a:endParaRPr lang="en-US" sz="800" dirty="0">
+                        <a:solidFill>
+                          <a:schemeClr val="tx1"/>
+                        </a:solidFill>
+                      </a:endParaRPr>
+                    </a:p>
+                  </a:txBody>
+                  <a:tcPr>
+                    <a:lnL w="12700" cap="flat" cmpd="sng" algn="ctr">
+                      <a:solidFill>
+                        <a:schemeClr val="tx1"/>
+                      </a:solidFill>
+                      <a:prstDash val="solid"/>
+                      <a:round/>
+                      <a:headEnd type="none" w="med" len="med"/>
+                      <a:tailEnd type="none" w="med" len="med"/>
+                    </a:lnL>
+                    <a:lnR w="12700" cap="flat" cmpd="sng" algn="ctr">
+                      <a:solidFill>
+                        <a:schemeClr val="tx1"/>
+                      </a:solidFill>
+                      <a:prstDash val="solid"/>
+                      <a:round/>
+                      <a:headEnd type="none" w="med" len="med"/>
+                      <a:tailEnd type="none" w="med" len="med"/>
+                    </a:lnR>
+                    <a:lnT w="12700" cap="flat" cmpd="sng" algn="ctr">
+                      <a:solidFill>
+                        <a:schemeClr val="tx1"/>
+                      </a:solidFill>
+                      <a:prstDash val="solid"/>
+                      <a:round/>
+                      <a:headEnd type="none" w="med" len="med"/>
+                      <a:tailEnd type="none" w="med" len="med"/>
+                    </a:lnT>
+                    <a:lnB w="12700" cap="flat" cmpd="sng" algn="ctr">
+                      <a:solidFill>
+                        <a:schemeClr val="tx1"/>
+                      </a:solidFill>
+                      <a:prstDash val="solid"/>
+                      <a:round/>
+                      <a:headEnd type="none" w="med" len="med"/>
+                      <a:tailEnd type="none" w="med" len="med"/>
+                    </a:lnB>
+                    <a:solidFill>
+                      <a:schemeClr val="bg2"/>
+                    </a:solidFill>
+                  </a:tcPr>
+                </a:tc>
+                <a:extLst>
+                  <a:ext uri="{0D108BD9-81ED-4DB2-BD59-A6C34878D82A}">
+                    <a16:rowId xmlns:a16="http://schemas.microsoft.com/office/drawing/2014/main" val="1255580833"/>
+                  </a:ext>
+                </a:extLst>
+              </a:tr>
+            </a:tbl>
+          </a:graphicData>
+        </a:graphic>
+      </p:graphicFrame>
+      <p:graphicFrame>
+        <p:nvGraphicFramePr>
+          <p:cNvPr id="17" name="Table 16"/>
+          <p:cNvGraphicFramePr>
+            <a:graphicFrameLocks noGrp="1"/>
+          </p:cNvGraphicFramePr>
+          <p:nvPr>
+            <p:extLst>
+              <p:ext uri="{D42A27DB-BD31-4B8C-83A1-F6EECF244321}">
+                <p14:modId xmlns:p14="http://schemas.microsoft.com/office/powerpoint/2010/main" val="1384682419"/>
+              </p:ext>
+            </p:extLst>
+          </p:nvPr>
+        </p:nvGraphicFramePr>
+        <p:xfrm>
+          <a:off x="4801667" y="4119072"/>
+          <a:ext cx="2082800" cy="242774"/>
+        </p:xfrm>
+        <a:graphic>
+          <a:graphicData uri="http://schemas.openxmlformats.org/drawingml/2006/table">
+            <a:tbl>
+              <a:tblPr firstRow="1" bandRow="1">
+                <a:tableStyleId>{5C22544A-7EE6-4342-B048-85BDC9FD1C3A}</a:tableStyleId>
+              </a:tblPr>
+              <a:tblGrid>
+                <a:gridCol w="208280">
+                  <a:extLst>
+                    <a:ext uri="{9D8B030D-6E8A-4147-A177-3AD203B41FA5}">
+                      <a16:colId xmlns:a16="http://schemas.microsoft.com/office/drawing/2014/main" val="981578262"/>
+                    </a:ext>
+                  </a:extLst>
+                </a:gridCol>
+                <a:gridCol w="208280">
+                  <a:extLst>
+                    <a:ext uri="{9D8B030D-6E8A-4147-A177-3AD203B41FA5}">
+                      <a16:colId xmlns:a16="http://schemas.microsoft.com/office/drawing/2014/main" val="426081905"/>
+                    </a:ext>
+                  </a:extLst>
+                </a:gridCol>
+                <a:gridCol w="208280">
+                  <a:extLst>
+                    <a:ext uri="{9D8B030D-6E8A-4147-A177-3AD203B41FA5}">
+                      <a16:colId xmlns:a16="http://schemas.microsoft.com/office/drawing/2014/main" val="3161321206"/>
+                    </a:ext>
+                  </a:extLst>
+                </a:gridCol>
+                <a:gridCol w="208280">
+                  <a:extLst>
+                    <a:ext uri="{9D8B030D-6E8A-4147-A177-3AD203B41FA5}">
+                      <a16:colId xmlns:a16="http://schemas.microsoft.com/office/drawing/2014/main" val="2304243835"/>
+                    </a:ext>
+                  </a:extLst>
+                </a:gridCol>
+                <a:gridCol w="208280">
+                  <a:extLst>
+                    <a:ext uri="{9D8B030D-6E8A-4147-A177-3AD203B41FA5}">
+                      <a16:colId xmlns:a16="http://schemas.microsoft.com/office/drawing/2014/main" val="1515681703"/>
+                    </a:ext>
+                  </a:extLst>
+                </a:gridCol>
+                <a:gridCol w="208280">
+                  <a:extLst>
+                    <a:ext uri="{9D8B030D-6E8A-4147-A177-3AD203B41FA5}">
+                      <a16:colId xmlns:a16="http://schemas.microsoft.com/office/drawing/2014/main" val="309296051"/>
+                    </a:ext>
+                  </a:extLst>
+                </a:gridCol>
+                <a:gridCol w="208280">
+                  <a:extLst>
+                    <a:ext uri="{9D8B030D-6E8A-4147-A177-3AD203B41FA5}">
+                      <a16:colId xmlns:a16="http://schemas.microsoft.com/office/drawing/2014/main" val="2994884825"/>
+                    </a:ext>
+                  </a:extLst>
+                </a:gridCol>
+                <a:gridCol w="208280">
+                  <a:extLst>
+                    <a:ext uri="{9D8B030D-6E8A-4147-A177-3AD203B41FA5}">
+                      <a16:colId xmlns:a16="http://schemas.microsoft.com/office/drawing/2014/main" val="4183190137"/>
+                    </a:ext>
+                  </a:extLst>
+                </a:gridCol>
+                <a:gridCol w="208280">
+                  <a:extLst>
+                    <a:ext uri="{9D8B030D-6E8A-4147-A177-3AD203B41FA5}">
+                      <a16:colId xmlns:a16="http://schemas.microsoft.com/office/drawing/2014/main" val="4088619339"/>
+                    </a:ext>
+                  </a:extLst>
+                </a:gridCol>
+                <a:gridCol w="208280">
+                  <a:extLst>
+                    <a:ext uri="{9D8B030D-6E8A-4147-A177-3AD203B41FA5}">
+                      <a16:colId xmlns:a16="http://schemas.microsoft.com/office/drawing/2014/main" val="3820382373"/>
+                    </a:ext>
+                  </a:extLst>
+                </a:gridCol>
+              </a:tblGrid>
+              <a:tr h="242774">
+                <a:tc>
+                  <a:txBody>
+                    <a:bodyPr/>
+                    <a:lstStyle/>
+                    <a:p>
+                      <a:r>
+                        <a:rPr lang="en-US" sz="800" dirty="0" smtClean="0">
+                          <a:solidFill>
+                            <a:schemeClr val="tx1"/>
+                          </a:solidFill>
+                        </a:rPr>
+                        <a:t>0</a:t>
+                      </a:r>
+                      <a:endParaRPr lang="en-US" sz="800" dirty="0">
+                        <a:solidFill>
+                          <a:schemeClr val="tx1"/>
+                        </a:solidFill>
+                      </a:endParaRPr>
+                    </a:p>
+                  </a:txBody>
+                  <a:tcPr>
+                    <a:lnL w="12700" cap="flat" cmpd="sng" algn="ctr">
+                      <a:solidFill>
+                        <a:schemeClr val="tx1"/>
+                      </a:solidFill>
+                      <a:prstDash val="solid"/>
+                      <a:round/>
+                      <a:headEnd type="none" w="med" len="med"/>
+                      <a:tailEnd type="none" w="med" len="med"/>
+                    </a:lnL>
+                    <a:lnR w="12700" cap="flat" cmpd="sng" algn="ctr">
+                      <a:solidFill>
+                        <a:schemeClr val="tx1"/>
+                      </a:solidFill>
+                      <a:prstDash val="solid"/>
+                      <a:round/>
+                      <a:headEnd type="none" w="med" len="med"/>
+                      <a:tailEnd type="none" w="med" len="med"/>
+                    </a:lnR>
+                    <a:lnT w="12700" cap="flat" cmpd="sng" algn="ctr">
+                      <a:solidFill>
+                        <a:schemeClr val="tx1"/>
+                      </a:solidFill>
+                      <a:prstDash val="solid"/>
+                      <a:round/>
+                      <a:headEnd type="none" w="med" len="med"/>
+                      <a:tailEnd type="none" w="med" len="med"/>
+                    </a:lnT>
+                    <a:lnB w="12700" cap="flat" cmpd="sng" algn="ctr">
+                      <a:solidFill>
+                        <a:schemeClr val="tx1"/>
+                      </a:solidFill>
+                      <a:prstDash val="solid"/>
+                      <a:round/>
+                      <a:headEnd type="none" w="med" len="med"/>
+                      <a:tailEnd type="none" w="med" len="med"/>
+                    </a:lnB>
+                    <a:solidFill>
+                      <a:schemeClr val="bg2"/>
+                    </a:solidFill>
+                  </a:tcPr>
+                </a:tc>
+                <a:tc>
+                  <a:txBody>
+                    <a:bodyPr/>
+                    <a:lstStyle/>
+                    <a:p>
+                      <a:r>
+                        <a:rPr lang="en-US" sz="800" dirty="0" smtClean="0">
+                          <a:solidFill>
+                            <a:schemeClr val="tx1"/>
+                          </a:solidFill>
+                        </a:rPr>
+                        <a:t>1</a:t>
+                      </a:r>
+                      <a:endParaRPr lang="en-US" sz="800" dirty="0">
+                        <a:solidFill>
+                          <a:schemeClr val="tx1"/>
+                        </a:solidFill>
+                      </a:endParaRPr>
+                    </a:p>
+                  </a:txBody>
+                  <a:tcPr>
+                    <a:lnL w="12700" cap="flat" cmpd="sng" algn="ctr">
+                      <a:solidFill>
+                        <a:schemeClr val="tx1"/>
+                      </a:solidFill>
+                      <a:prstDash val="solid"/>
+                      <a:round/>
+                      <a:headEnd type="none" w="med" len="med"/>
+                      <a:tailEnd type="none" w="med" len="med"/>
+                    </a:lnL>
+                    <a:lnR w="12700" cap="flat" cmpd="sng" algn="ctr">
+                      <a:solidFill>
+                        <a:schemeClr val="tx1"/>
+                      </a:solidFill>
+                      <a:prstDash val="solid"/>
+                      <a:round/>
+                      <a:headEnd type="none" w="med" len="med"/>
+                      <a:tailEnd type="none" w="med" len="med"/>
+                    </a:lnR>
+                    <a:lnT w="12700" cap="flat" cmpd="sng" algn="ctr">
+                      <a:solidFill>
+                        <a:schemeClr val="tx1"/>
+                      </a:solidFill>
+                      <a:prstDash val="solid"/>
+                      <a:round/>
+                      <a:headEnd type="none" w="med" len="med"/>
+                      <a:tailEnd type="none" w="med" len="med"/>
+                    </a:lnT>
+                    <a:lnB w="12700" cap="flat" cmpd="sng" algn="ctr">
+                      <a:solidFill>
+                        <a:schemeClr val="tx1"/>
+                      </a:solidFill>
+                      <a:prstDash val="solid"/>
+                      <a:round/>
+                      <a:headEnd type="none" w="med" len="med"/>
+                      <a:tailEnd type="none" w="med" len="med"/>
+                    </a:lnB>
+                    <a:solidFill>
+                      <a:schemeClr val="bg2"/>
+                    </a:solidFill>
+                  </a:tcPr>
+                </a:tc>
+                <a:tc>
+                  <a:txBody>
+                    <a:bodyPr/>
+                    <a:lstStyle/>
+                    <a:p>
+                      <a:r>
+                        <a:rPr lang="en-US" sz="800" dirty="0" smtClean="0">
+                          <a:solidFill>
+                            <a:schemeClr val="tx1"/>
+                          </a:solidFill>
+                        </a:rPr>
+                        <a:t>2</a:t>
+                      </a:r>
+                      <a:endParaRPr lang="en-US" sz="800" dirty="0">
+                        <a:solidFill>
+                          <a:schemeClr val="tx1"/>
+                        </a:solidFill>
+                      </a:endParaRPr>
+                    </a:p>
+                  </a:txBody>
+                  <a:tcPr>
+                    <a:lnL w="12700" cap="flat" cmpd="sng" algn="ctr">
+                      <a:solidFill>
+                        <a:schemeClr val="tx1"/>
+                      </a:solidFill>
+                      <a:prstDash val="solid"/>
+                      <a:round/>
+                      <a:headEnd type="none" w="med" len="med"/>
+                      <a:tailEnd type="none" w="med" len="med"/>
+                    </a:lnL>
+                    <a:lnR w="12700" cap="flat" cmpd="sng" algn="ctr">
+                      <a:solidFill>
+                        <a:schemeClr val="tx1"/>
+                      </a:solidFill>
+                      <a:prstDash val="solid"/>
+                      <a:round/>
+                      <a:headEnd type="none" w="med" len="med"/>
+                      <a:tailEnd type="none" w="med" len="med"/>
+                    </a:lnR>
+                    <a:lnT w="12700" cap="flat" cmpd="sng" algn="ctr">
+                      <a:solidFill>
+                        <a:schemeClr val="tx1"/>
+                      </a:solidFill>
+                      <a:prstDash val="solid"/>
+                      <a:round/>
+                      <a:headEnd type="none" w="med" len="med"/>
+                      <a:tailEnd type="none" w="med" len="med"/>
+                    </a:lnT>
+                    <a:lnB w="12700" cap="flat" cmpd="sng" algn="ctr">
+                      <a:solidFill>
+                        <a:schemeClr val="tx1"/>
+                      </a:solidFill>
+                      <a:prstDash val="solid"/>
+                      <a:round/>
+                      <a:headEnd type="none" w="med" len="med"/>
+                      <a:tailEnd type="none" w="med" len="med"/>
+                    </a:lnB>
+                    <a:solidFill>
+                      <a:schemeClr val="bg2"/>
+                    </a:solidFill>
+                  </a:tcPr>
+                </a:tc>
+                <a:tc>
+                  <a:txBody>
+                    <a:bodyPr/>
+                    <a:lstStyle/>
+                    <a:p>
+                      <a:r>
+                        <a:rPr lang="en-US" sz="800" dirty="0" smtClean="0">
+                          <a:solidFill>
+                            <a:schemeClr val="tx1"/>
+                          </a:solidFill>
+                        </a:rPr>
+                        <a:t>3</a:t>
+                      </a:r>
+                      <a:endParaRPr lang="en-US" sz="800" dirty="0">
+                        <a:solidFill>
+                          <a:schemeClr val="tx1"/>
+                        </a:solidFill>
+                      </a:endParaRPr>
+                    </a:p>
+                  </a:txBody>
+                  <a:tcPr>
+                    <a:lnL w="12700" cap="flat" cmpd="sng" algn="ctr">
+                      <a:solidFill>
+                        <a:schemeClr val="tx1"/>
+                      </a:solidFill>
+                      <a:prstDash val="solid"/>
+                      <a:round/>
+                      <a:headEnd type="none" w="med" len="med"/>
+                      <a:tailEnd type="none" w="med" len="med"/>
+                    </a:lnL>
+                    <a:lnR w="12700" cap="flat" cmpd="sng" algn="ctr">
+                      <a:solidFill>
+                        <a:schemeClr val="tx1"/>
+                      </a:solidFill>
+                      <a:prstDash val="solid"/>
+                      <a:round/>
+                      <a:headEnd type="none" w="med" len="med"/>
+                      <a:tailEnd type="none" w="med" len="med"/>
+                    </a:lnR>
+                    <a:lnT w="12700" cap="flat" cmpd="sng" algn="ctr">
+                      <a:solidFill>
+                        <a:schemeClr val="tx1"/>
+                      </a:solidFill>
+                      <a:prstDash val="solid"/>
+                      <a:round/>
+                      <a:headEnd type="none" w="med" len="med"/>
+                      <a:tailEnd type="none" w="med" len="med"/>
+                    </a:lnT>
+                    <a:lnB w="12700" cap="flat" cmpd="sng" algn="ctr">
+                      <a:solidFill>
+                        <a:schemeClr val="tx1"/>
+                      </a:solidFill>
+                      <a:prstDash val="solid"/>
+                      <a:round/>
+                      <a:headEnd type="none" w="med" len="med"/>
+                      <a:tailEnd type="none" w="med" len="med"/>
+                    </a:lnB>
+                    <a:solidFill>
+                      <a:schemeClr val="bg2"/>
+                    </a:solidFill>
+                  </a:tcPr>
+                </a:tc>
+                <a:tc>
+                  <a:txBody>
+                    <a:bodyPr/>
+                    <a:lstStyle/>
+                    <a:p>
+                      <a:r>
+                        <a:rPr lang="en-US" sz="800" dirty="0" smtClean="0">
+                          <a:solidFill>
+                            <a:schemeClr val="tx1"/>
+                          </a:solidFill>
+                        </a:rPr>
+                        <a:t>4</a:t>
+                      </a:r>
+                      <a:endParaRPr lang="en-US" sz="800" dirty="0">
+                        <a:solidFill>
+                          <a:schemeClr val="tx1"/>
+                        </a:solidFill>
+                      </a:endParaRPr>
+                    </a:p>
+                  </a:txBody>
+                  <a:tcPr>
+                    <a:lnL w="12700" cap="flat" cmpd="sng" algn="ctr">
+                      <a:solidFill>
+                        <a:schemeClr val="tx1"/>
+                      </a:solidFill>
+                      <a:prstDash val="solid"/>
+                      <a:round/>
+                      <a:headEnd type="none" w="med" len="med"/>
+                      <a:tailEnd type="none" w="med" len="med"/>
+                    </a:lnL>
+                    <a:lnR w="12700" cap="flat" cmpd="sng" algn="ctr">
+                      <a:solidFill>
+                        <a:schemeClr val="tx1"/>
+                      </a:solidFill>
+                      <a:prstDash val="solid"/>
+                      <a:round/>
+                      <a:headEnd type="none" w="med" len="med"/>
+                      <a:tailEnd type="none" w="med" len="med"/>
+                    </a:lnR>
+                    <a:lnT w="12700" cap="flat" cmpd="sng" algn="ctr">
+                      <a:solidFill>
+                        <a:schemeClr val="tx1"/>
+                      </a:solidFill>
+                      <a:prstDash val="solid"/>
+                      <a:round/>
+                      <a:headEnd type="none" w="med" len="med"/>
+                      <a:tailEnd type="none" w="med" len="med"/>
+                    </a:lnT>
+                    <a:lnB w="12700" cap="flat" cmpd="sng" algn="ctr">
+                      <a:solidFill>
+                        <a:schemeClr val="tx1"/>
+                      </a:solidFill>
+                      <a:prstDash val="solid"/>
+                      <a:round/>
+                      <a:headEnd type="none" w="med" len="med"/>
+                      <a:tailEnd type="none" w="med" len="med"/>
+                    </a:lnB>
+                    <a:solidFill>
+                      <a:schemeClr val="bg2"/>
+                    </a:solidFill>
+                  </a:tcPr>
+                </a:tc>
+                <a:tc>
+                  <a:txBody>
+                    <a:bodyPr/>
+                    <a:lstStyle/>
+                    <a:p>
+                      <a:r>
+                        <a:rPr lang="en-US" sz="800" dirty="0" smtClean="0">
+                          <a:solidFill>
+                            <a:schemeClr val="tx1"/>
+                          </a:solidFill>
+                        </a:rPr>
+                        <a:t>5</a:t>
+                      </a:r>
+                      <a:endParaRPr lang="en-US" sz="800" dirty="0">
+                        <a:solidFill>
+                          <a:schemeClr val="tx1"/>
+                        </a:solidFill>
+                      </a:endParaRPr>
+                    </a:p>
+                  </a:txBody>
+                  <a:tcPr>
+                    <a:lnL w="12700" cap="flat" cmpd="sng" algn="ctr">
+                      <a:solidFill>
+                        <a:schemeClr val="tx1"/>
+                      </a:solidFill>
+                      <a:prstDash val="solid"/>
+                      <a:round/>
+                      <a:headEnd type="none" w="med" len="med"/>
+                      <a:tailEnd type="none" w="med" len="med"/>
+                    </a:lnL>
+                    <a:lnR w="12700" cap="flat" cmpd="sng" algn="ctr">
+                      <a:solidFill>
+                        <a:schemeClr val="tx1"/>
+                      </a:solidFill>
+                      <a:prstDash val="solid"/>
+                      <a:round/>
+                      <a:headEnd type="none" w="med" len="med"/>
+                      <a:tailEnd type="none" w="med" len="med"/>
+                    </a:lnR>
+                    <a:lnT w="12700" cap="flat" cmpd="sng" algn="ctr">
+                      <a:solidFill>
+                        <a:schemeClr val="tx1"/>
+                      </a:solidFill>
+                      <a:prstDash val="solid"/>
+                      <a:round/>
+                      <a:headEnd type="none" w="med" len="med"/>
+                      <a:tailEnd type="none" w="med" len="med"/>
+                    </a:lnT>
+                    <a:lnB w="12700" cap="flat" cmpd="sng" algn="ctr">
+                      <a:solidFill>
+                        <a:schemeClr val="tx1"/>
+                      </a:solidFill>
+                      <a:prstDash val="solid"/>
+                      <a:round/>
+                      <a:headEnd type="none" w="med" len="med"/>
+                      <a:tailEnd type="none" w="med" len="med"/>
+                    </a:lnB>
+                    <a:solidFill>
+                      <a:schemeClr val="bg2"/>
+                    </a:solidFill>
+                  </a:tcPr>
+                </a:tc>
+                <a:tc>
+                  <a:txBody>
+                    <a:bodyPr/>
+                    <a:lstStyle/>
+                    <a:p>
+                      <a:r>
+                        <a:rPr lang="en-US" sz="800" dirty="0" smtClean="0">
+                          <a:solidFill>
+                            <a:schemeClr val="tx1"/>
+                          </a:solidFill>
+                        </a:rPr>
+                        <a:t>6</a:t>
+                      </a:r>
+                      <a:endParaRPr lang="en-US" sz="800" dirty="0">
+                        <a:solidFill>
+                          <a:schemeClr val="tx1"/>
+                        </a:solidFill>
+                      </a:endParaRPr>
+                    </a:p>
+                  </a:txBody>
+                  <a:tcPr>
+                    <a:lnL w="12700" cap="flat" cmpd="sng" algn="ctr">
+                      <a:solidFill>
+                        <a:schemeClr val="tx1"/>
+                      </a:solidFill>
+                      <a:prstDash val="solid"/>
+                      <a:round/>
+                      <a:headEnd type="none" w="med" len="med"/>
+                      <a:tailEnd type="none" w="med" len="med"/>
+                    </a:lnL>
+                    <a:lnR w="12700" cap="flat" cmpd="sng" algn="ctr">
+                      <a:solidFill>
+                        <a:schemeClr val="tx1"/>
+                      </a:solidFill>
+                      <a:prstDash val="solid"/>
+                      <a:round/>
+                      <a:headEnd type="none" w="med" len="med"/>
+                      <a:tailEnd type="none" w="med" len="med"/>
+                    </a:lnR>
+                    <a:lnT w="12700" cap="flat" cmpd="sng" algn="ctr">
+                      <a:solidFill>
+                        <a:schemeClr val="tx1"/>
+                      </a:solidFill>
+                      <a:prstDash val="solid"/>
+                      <a:round/>
+                      <a:headEnd type="none" w="med" len="med"/>
+                      <a:tailEnd type="none" w="med" len="med"/>
+                    </a:lnT>
+                    <a:lnB w="12700" cap="flat" cmpd="sng" algn="ctr">
+                      <a:solidFill>
+                        <a:schemeClr val="tx1"/>
+                      </a:solidFill>
+                      <a:prstDash val="solid"/>
+                      <a:round/>
+                      <a:headEnd type="none" w="med" len="med"/>
+                      <a:tailEnd type="none" w="med" len="med"/>
+                    </a:lnB>
+                    <a:solidFill>
+                      <a:schemeClr val="bg2"/>
+                    </a:solidFill>
+                  </a:tcPr>
+                </a:tc>
+                <a:tc>
+                  <a:txBody>
+                    <a:bodyPr/>
+                    <a:lstStyle/>
+                    <a:p>
+                      <a:r>
+                        <a:rPr lang="en-US" sz="800" dirty="0" smtClean="0">
+                          <a:solidFill>
+                            <a:schemeClr val="tx1"/>
+                          </a:solidFill>
+                        </a:rPr>
+                        <a:t>7</a:t>
+                      </a:r>
+                      <a:endParaRPr lang="en-US" sz="800" dirty="0">
+                        <a:solidFill>
+                          <a:schemeClr val="tx1"/>
+                        </a:solidFill>
+                      </a:endParaRPr>
+                    </a:p>
+                  </a:txBody>
+                  <a:tcPr>
+                    <a:lnL w="12700" cap="flat" cmpd="sng" algn="ctr">
+                      <a:solidFill>
+                        <a:schemeClr val="tx1"/>
+                      </a:solidFill>
+                      <a:prstDash val="solid"/>
+                      <a:round/>
+                      <a:headEnd type="none" w="med" len="med"/>
+                      <a:tailEnd type="none" w="med" len="med"/>
+                    </a:lnL>
+                    <a:lnR w="12700" cap="flat" cmpd="sng" algn="ctr">
+                      <a:solidFill>
+                        <a:schemeClr val="tx1"/>
+                      </a:solidFill>
+                      <a:prstDash val="solid"/>
+                      <a:round/>
+                      <a:headEnd type="none" w="med" len="med"/>
+                      <a:tailEnd type="none" w="med" len="med"/>
+                    </a:lnR>
+                    <a:lnT w="12700" cap="flat" cmpd="sng" algn="ctr">
+                      <a:solidFill>
+                        <a:schemeClr val="tx1"/>
+                      </a:solidFill>
+                      <a:prstDash val="solid"/>
+                      <a:round/>
+                      <a:headEnd type="none" w="med" len="med"/>
+                      <a:tailEnd type="none" w="med" len="med"/>
+                    </a:lnT>
+                    <a:lnB w="12700" cap="flat" cmpd="sng" algn="ctr">
+                      <a:solidFill>
+                        <a:schemeClr val="tx1"/>
+                      </a:solidFill>
+                      <a:prstDash val="solid"/>
+                      <a:round/>
+                      <a:headEnd type="none" w="med" len="med"/>
+                      <a:tailEnd type="none" w="med" len="med"/>
+                    </a:lnB>
+                    <a:solidFill>
+                      <a:schemeClr val="bg2"/>
+                    </a:solidFill>
+                  </a:tcPr>
+                </a:tc>
+                <a:tc>
+                  <a:txBody>
+                    <a:bodyPr/>
+                    <a:lstStyle/>
+                    <a:p>
+                      <a:r>
+                        <a:rPr lang="en-US" sz="800" dirty="0" smtClean="0">
+                          <a:solidFill>
+                            <a:schemeClr val="tx1"/>
+                          </a:solidFill>
+                        </a:rPr>
+                        <a:t>8</a:t>
+                      </a:r>
+                      <a:endParaRPr lang="en-US" sz="800" dirty="0">
+                        <a:solidFill>
+                          <a:schemeClr val="tx1"/>
+                        </a:solidFill>
+                      </a:endParaRPr>
+                    </a:p>
+                  </a:txBody>
+                  <a:tcPr>
+                    <a:lnL w="12700" cap="flat" cmpd="sng" algn="ctr">
+                      <a:solidFill>
+                        <a:schemeClr val="tx1"/>
+                      </a:solidFill>
+                      <a:prstDash val="solid"/>
+                      <a:round/>
+                      <a:headEnd type="none" w="med" len="med"/>
+                      <a:tailEnd type="none" w="med" len="med"/>
+                    </a:lnL>
+                    <a:lnR w="12700" cap="flat" cmpd="sng" algn="ctr">
+                      <a:solidFill>
+                        <a:schemeClr val="tx1"/>
+                      </a:solidFill>
+                      <a:prstDash val="solid"/>
+                      <a:round/>
+                      <a:headEnd type="none" w="med" len="med"/>
+                      <a:tailEnd type="none" w="med" len="med"/>
+                    </a:lnR>
+                    <a:lnT w="12700" cap="flat" cmpd="sng" algn="ctr">
+                      <a:solidFill>
+                        <a:schemeClr val="tx1"/>
+                      </a:solidFill>
+                      <a:prstDash val="solid"/>
+                      <a:round/>
+                      <a:headEnd type="none" w="med" len="med"/>
+                      <a:tailEnd type="none" w="med" len="med"/>
+                    </a:lnT>
+                    <a:lnB w="12700" cap="flat" cmpd="sng" algn="ctr">
+                      <a:solidFill>
+                        <a:schemeClr val="tx1"/>
+                      </a:solidFill>
+                      <a:prstDash val="solid"/>
+                      <a:round/>
+                      <a:headEnd type="none" w="med" len="med"/>
+                      <a:tailEnd type="none" w="med" len="med"/>
+                    </a:lnB>
+                    <a:solidFill>
+                      <a:schemeClr val="bg2"/>
+                    </a:solidFill>
+                  </a:tcPr>
+                </a:tc>
+                <a:tc>
+                  <a:txBody>
+                    <a:bodyPr/>
+                    <a:lstStyle/>
+                    <a:p>
+                      <a:r>
+                        <a:rPr lang="en-US" sz="800" dirty="0" smtClean="0">
+                          <a:solidFill>
+                            <a:schemeClr val="tx1"/>
+                          </a:solidFill>
+                        </a:rPr>
+                        <a:t>9</a:t>
+                      </a:r>
+                      <a:endParaRPr lang="en-US" sz="800" dirty="0">
+                        <a:solidFill>
+                          <a:schemeClr val="tx1"/>
+                        </a:solidFill>
+                      </a:endParaRPr>
+                    </a:p>
+                  </a:txBody>
+                  <a:tcPr>
+                    <a:lnL w="12700" cap="flat" cmpd="sng" algn="ctr">
+                      <a:solidFill>
+                        <a:schemeClr val="tx1"/>
+                      </a:solidFill>
+                      <a:prstDash val="solid"/>
+                      <a:round/>
+                      <a:headEnd type="none" w="med" len="med"/>
+                      <a:tailEnd type="none" w="med" len="med"/>
+                    </a:lnL>
+                    <a:lnR w="12700" cap="flat" cmpd="sng" algn="ctr">
+                      <a:solidFill>
+                        <a:schemeClr val="tx1"/>
+                      </a:solidFill>
+                      <a:prstDash val="solid"/>
+                      <a:round/>
+                      <a:headEnd type="none" w="med" len="med"/>
+                      <a:tailEnd type="none" w="med" len="med"/>
+                    </a:lnR>
+                    <a:lnT w="12700" cap="flat" cmpd="sng" algn="ctr">
+                      <a:solidFill>
+                        <a:schemeClr val="tx1"/>
+                      </a:solidFill>
+                      <a:prstDash val="solid"/>
+                      <a:round/>
+                      <a:headEnd type="none" w="med" len="med"/>
+                      <a:tailEnd type="none" w="med" len="med"/>
+                    </a:lnT>
+                    <a:lnB w="12700" cap="flat" cmpd="sng" algn="ctr">
+                      <a:solidFill>
+                        <a:schemeClr val="tx1"/>
+                      </a:solidFill>
+                      <a:prstDash val="solid"/>
+                      <a:round/>
+                      <a:headEnd type="none" w="med" len="med"/>
+                      <a:tailEnd type="none" w="med" len="med"/>
+                    </a:lnB>
+                    <a:solidFill>
+                      <a:schemeClr val="bg2"/>
+                    </a:solidFill>
+                  </a:tcPr>
+                </a:tc>
+                <a:extLst>
+                  <a:ext uri="{0D108BD9-81ED-4DB2-BD59-A6C34878D82A}">
+                    <a16:rowId xmlns:a16="http://schemas.microsoft.com/office/drawing/2014/main" val="3921641194"/>
+                  </a:ext>
+                </a:extLst>
+              </a:tr>
+            </a:tbl>
+          </a:graphicData>
+        </a:graphic>
+      </p:graphicFrame>
+    </p:spTree>
+    <p:extLst>
+      <p:ext uri="{BB962C8B-B14F-4D97-AF65-F5344CB8AC3E}">
+        <p14:creationId xmlns:p14="http://schemas.microsoft.com/office/powerpoint/2010/main" val="3512156302"/>
+      </p:ext>
+    </p:extLst>
+  </p:cSld>
+  <p:clrMapOvr>
+    <a:masterClrMapping/>
+  </p:clrMapOvr>
+  <p:timing>
+    <p:tnLst>
+      <p:par>
+        <p:cTn id="1" dur="indefinite" restart="never" nodeType="tmRoot"/>
+      </p:par>
+    </p:tnLst>
+  </p:timing>
 </p:sld>
 </file>
 
